--- a/job/teaching/teaching-demonstration1.pptx
+++ b/job/teaching/teaching-demonstration1.pptx
@@ -133,13 +133,18 @@
       </a:defRPr>
     </a:lvl9pPr>
   </p:defaultTextStyle>
+  <p:extLst>
+    <p:ext uri="{EFAFB233-063F-42B5-8137-9DF3F51BA10A}">
+      <p15:sldGuideLst xmlns:p15="http://schemas.microsoft.com/office/powerpoint/2012/main"/>
+    </p:ext>
+  </p:extLst>
 </p:presentation>
 </file>
 
 <file path=ppt/revisionInfo.xml><?xml version="1.0" encoding="utf-8"?>
 <p1510:revInfo xmlns:a="http://schemas.openxmlformats.org/drawingml/2006/main" xmlns:r="http://schemas.openxmlformats.org/officeDocument/2006/relationships" xmlns:p1510="http://schemas.microsoft.com/office/powerpoint/2015/10/main">
   <p1510:revLst>
-    <p1510:client id="{6BCA3D97-B095-4A0D-B4D5-BEE60F3D314D}" v="92" dt="2022-11-13T20:10:39.311"/>
+    <p1510:client id="{6BCA3D97-B095-4A0D-B4D5-BEE60F3D314D}" v="93" dt="2022-11-14T17:00:43.033"/>
   </p1510:revLst>
 </p1510:revInfo>
 </file>
@@ -149,7 +154,7 @@
   <pc:docChgLst>
     <pc:chgData name="Alison Kleffner" userId="0bed3509-e787-48f4-9a13-47afcd2529d5" providerId="ADAL" clId="{6BCA3D97-B095-4A0D-B4D5-BEE60F3D314D}"/>
     <pc:docChg chg="undo custSel addSld delSld modSld sldOrd">
-      <pc:chgData name="Alison Kleffner" userId="0bed3509-e787-48f4-9a13-47afcd2529d5" providerId="ADAL" clId="{6BCA3D97-B095-4A0D-B4D5-BEE60F3D314D}" dt="2022-11-13T20:10:47.483" v="1517" actId="1076"/>
+      <pc:chgData name="Alison Kleffner" userId="0bed3509-e787-48f4-9a13-47afcd2529d5" providerId="ADAL" clId="{6BCA3D97-B095-4A0D-B4D5-BEE60F3D314D}" dt="2022-11-14T17:02:42.991" v="1633" actId="2711"/>
       <pc:docMkLst>
         <pc:docMk/>
       </pc:docMkLst>
@@ -284,13 +289,13 @@
         </pc:spChg>
       </pc:sldChg>
       <pc:sldChg chg="modSp mod">
-        <pc:chgData name="Alison Kleffner" userId="0bed3509-e787-48f4-9a13-47afcd2529d5" providerId="ADAL" clId="{6BCA3D97-B095-4A0D-B4D5-BEE60F3D314D}" dt="2022-11-13T18:47:54.648" v="298"/>
+        <pc:chgData name="Alison Kleffner" userId="0bed3509-e787-48f4-9a13-47afcd2529d5" providerId="ADAL" clId="{6BCA3D97-B095-4A0D-B4D5-BEE60F3D314D}" dt="2022-11-14T16:56:19.818" v="1523" actId="20577"/>
         <pc:sldMkLst>
           <pc:docMk/>
           <pc:sldMk cId="378857412" sldId="262"/>
         </pc:sldMkLst>
         <pc:spChg chg="mod">
-          <ac:chgData name="Alison Kleffner" userId="0bed3509-e787-48f4-9a13-47afcd2529d5" providerId="ADAL" clId="{6BCA3D97-B095-4A0D-B4D5-BEE60F3D314D}" dt="2022-11-13T18:47:54.648" v="298"/>
+          <ac:chgData name="Alison Kleffner" userId="0bed3509-e787-48f4-9a13-47afcd2529d5" providerId="ADAL" clId="{6BCA3D97-B095-4A0D-B4D5-BEE60F3D314D}" dt="2022-11-14T16:56:19.818" v="1523" actId="20577"/>
           <ac:spMkLst>
             <pc:docMk/>
             <pc:sldMk cId="378857412" sldId="262"/>
@@ -771,13 +776,13 @@
         </pc:spChg>
       </pc:sldChg>
       <pc:sldChg chg="addSp modSp add mod">
-        <pc:chgData name="Alison Kleffner" userId="0bed3509-e787-48f4-9a13-47afcd2529d5" providerId="ADAL" clId="{6BCA3D97-B095-4A0D-B4D5-BEE60F3D314D}" dt="2022-11-13T19:15:52.523" v="635" actId="20577"/>
+        <pc:chgData name="Alison Kleffner" userId="0bed3509-e787-48f4-9a13-47afcd2529d5" providerId="ADAL" clId="{6BCA3D97-B095-4A0D-B4D5-BEE60F3D314D}" dt="2022-11-14T16:59:53.010" v="1536" actId="2710"/>
         <pc:sldMkLst>
           <pc:docMk/>
           <pc:sldMk cId="3225062435" sldId="308"/>
         </pc:sldMkLst>
         <pc:spChg chg="mod">
-          <ac:chgData name="Alison Kleffner" userId="0bed3509-e787-48f4-9a13-47afcd2529d5" providerId="ADAL" clId="{6BCA3D97-B095-4A0D-B4D5-BEE60F3D314D}" dt="2022-11-13T19:15:52.523" v="635" actId="20577"/>
+          <ac:chgData name="Alison Kleffner" userId="0bed3509-e787-48f4-9a13-47afcd2529d5" providerId="ADAL" clId="{6BCA3D97-B095-4A0D-B4D5-BEE60F3D314D}" dt="2022-11-14T16:59:53.010" v="1536" actId="2710"/>
           <ac:spMkLst>
             <pc:docMk/>
             <pc:sldMk cId="3225062435" sldId="308"/>
@@ -785,7 +790,7 @@
           </ac:spMkLst>
         </pc:spChg>
         <pc:spChg chg="add mod">
-          <ac:chgData name="Alison Kleffner" userId="0bed3509-e787-48f4-9a13-47afcd2529d5" providerId="ADAL" clId="{6BCA3D97-B095-4A0D-B4D5-BEE60F3D314D}" dt="2022-11-13T19:15:48.418" v="634" actId="115"/>
+          <ac:chgData name="Alison Kleffner" userId="0bed3509-e787-48f4-9a13-47afcd2529d5" providerId="ADAL" clId="{6BCA3D97-B095-4A0D-B4D5-BEE60F3D314D}" dt="2022-11-14T16:59:22.564" v="1534" actId="14100"/>
           <ac:spMkLst>
             <pc:docMk/>
             <pc:sldMk cId="3225062435" sldId="308"/>
@@ -793,7 +798,7 @@
           </ac:spMkLst>
         </pc:spChg>
         <pc:picChg chg="add mod">
-          <ac:chgData name="Alison Kleffner" userId="0bed3509-e787-48f4-9a13-47afcd2529d5" providerId="ADAL" clId="{6BCA3D97-B095-4A0D-B4D5-BEE60F3D314D}" dt="2022-11-13T19:15:22.405" v="630" actId="1076"/>
+          <ac:chgData name="Alison Kleffner" userId="0bed3509-e787-48f4-9a13-47afcd2529d5" providerId="ADAL" clId="{6BCA3D97-B095-4A0D-B4D5-BEE60F3D314D}" dt="2022-11-14T16:59:18.667" v="1533" actId="1076"/>
           <ac:picMkLst>
             <pc:docMk/>
             <pc:sldMk cId="3225062435" sldId="308"/>
@@ -902,13 +907,13 @@
         </pc:spChg>
       </pc:sldChg>
       <pc:sldChg chg="modSp add mod chgLayout">
-        <pc:chgData name="Alison Kleffner" userId="0bed3509-e787-48f4-9a13-47afcd2529d5" providerId="ADAL" clId="{6BCA3D97-B095-4A0D-B4D5-BEE60F3D314D}" dt="2022-11-13T19:07:46.520" v="542" actId="700"/>
+        <pc:chgData name="Alison Kleffner" userId="0bed3509-e787-48f4-9a13-47afcd2529d5" providerId="ADAL" clId="{6BCA3D97-B095-4A0D-B4D5-BEE60F3D314D}" dt="2022-11-14T16:58:07.622" v="1525" actId="14100"/>
         <pc:sldMkLst>
           <pc:docMk/>
           <pc:sldMk cId="1906055843" sldId="314"/>
         </pc:sldMkLst>
         <pc:spChg chg="mod ord">
-          <ac:chgData name="Alison Kleffner" userId="0bed3509-e787-48f4-9a13-47afcd2529d5" providerId="ADAL" clId="{6BCA3D97-B095-4A0D-B4D5-BEE60F3D314D}" dt="2022-11-13T19:07:46.520" v="542" actId="700"/>
+          <ac:chgData name="Alison Kleffner" userId="0bed3509-e787-48f4-9a13-47afcd2529d5" providerId="ADAL" clId="{6BCA3D97-B095-4A0D-B4D5-BEE60F3D314D}" dt="2022-11-14T16:58:04.089" v="1524" actId="14100"/>
           <ac:spMkLst>
             <pc:docMk/>
             <pc:sldMk cId="1906055843" sldId="314"/>
@@ -924,7 +929,7 @@
           </ac:spMkLst>
         </pc:spChg>
         <pc:spChg chg="mod ord">
-          <ac:chgData name="Alison Kleffner" userId="0bed3509-e787-48f4-9a13-47afcd2529d5" providerId="ADAL" clId="{6BCA3D97-B095-4A0D-B4D5-BEE60F3D314D}" dt="2022-11-13T19:07:46.520" v="542" actId="700"/>
+          <ac:chgData name="Alison Kleffner" userId="0bed3509-e787-48f4-9a13-47afcd2529d5" providerId="ADAL" clId="{6BCA3D97-B095-4A0D-B4D5-BEE60F3D314D}" dt="2022-11-14T16:58:07.622" v="1525" actId="14100"/>
           <ac:spMkLst>
             <pc:docMk/>
             <pc:sldMk cId="1906055843" sldId="314"/>
@@ -1152,7 +1157,7 @@
         </pc:spChg>
       </pc:sldChg>
       <pc:sldChg chg="addSp delSp modSp add mod chgLayout">
-        <pc:chgData name="Alison Kleffner" userId="0bed3509-e787-48f4-9a13-47afcd2529d5" providerId="ADAL" clId="{6BCA3D97-B095-4A0D-B4D5-BEE60F3D314D}" dt="2022-11-13T20:02:20.180" v="1031" actId="122"/>
+        <pc:chgData name="Alison Kleffner" userId="0bed3509-e787-48f4-9a13-47afcd2529d5" providerId="ADAL" clId="{6BCA3D97-B095-4A0D-B4D5-BEE60F3D314D}" dt="2022-11-14T17:01:19.197" v="1632" actId="113"/>
         <pc:sldMkLst>
           <pc:docMk/>
           <pc:sldMk cId="222055743" sldId="328"/>
@@ -1179,6 +1184,14 @@
             <pc:docMk/>
             <pc:sldMk cId="222055743" sldId="328"/>
             <ac:spMk id="4" creationId="{00000000-0000-0000-0000-000000000000}"/>
+          </ac:spMkLst>
+        </pc:spChg>
+        <pc:spChg chg="add mod">
+          <ac:chgData name="Alison Kleffner" userId="0bed3509-e787-48f4-9a13-47afcd2529d5" providerId="ADAL" clId="{6BCA3D97-B095-4A0D-B4D5-BEE60F3D314D}" dt="2022-11-14T17:01:19.197" v="1632" actId="113"/>
+          <ac:spMkLst>
+            <pc:docMk/>
+            <pc:sldMk cId="222055743" sldId="328"/>
+            <ac:spMk id="4" creationId="{7583A2A0-8222-237F-7AA3-52BE9E6F2655}"/>
           </ac:spMkLst>
         </pc:spChg>
         <pc:spChg chg="add del mod">
@@ -1222,7 +1235,7 @@
           </ac:spMkLst>
         </pc:spChg>
         <pc:picChg chg="mod modCrop">
-          <ac:chgData name="Alison Kleffner" userId="0bed3509-e787-48f4-9a13-47afcd2529d5" providerId="ADAL" clId="{6BCA3D97-B095-4A0D-B4D5-BEE60F3D314D}" dt="2022-11-13T20:00:51.878" v="982" actId="14100"/>
+          <ac:chgData name="Alison Kleffner" userId="0bed3509-e787-48f4-9a13-47afcd2529d5" providerId="ADAL" clId="{6BCA3D97-B095-4A0D-B4D5-BEE60F3D314D}" dt="2022-11-14T17:00:26.616" v="1537" actId="1076"/>
           <ac:picMkLst>
             <pc:docMk/>
             <pc:sldMk cId="222055743" sldId="328"/>
@@ -1230,7 +1243,7 @@
           </ac:picMkLst>
         </pc:picChg>
         <pc:picChg chg="mod">
-          <ac:chgData name="Alison Kleffner" userId="0bed3509-e787-48f4-9a13-47afcd2529d5" providerId="ADAL" clId="{6BCA3D97-B095-4A0D-B4D5-BEE60F3D314D}" dt="2022-11-13T20:00:49.378" v="981" actId="1076"/>
+          <ac:chgData name="Alison Kleffner" userId="0bed3509-e787-48f4-9a13-47afcd2529d5" providerId="ADAL" clId="{6BCA3D97-B095-4A0D-B4D5-BEE60F3D314D}" dt="2022-11-14T17:00:28.387" v="1538" actId="1076"/>
           <ac:picMkLst>
             <pc:docMk/>
             <pc:sldMk cId="222055743" sldId="328"/>
@@ -1330,7 +1343,7 @@
         </pc:spChg>
       </pc:sldChg>
       <pc:sldChg chg="addSp delSp modSp new mod modClrScheme chgLayout">
-        <pc:chgData name="Alison Kleffner" userId="0bed3509-e787-48f4-9a13-47afcd2529d5" providerId="ADAL" clId="{6BCA3D97-B095-4A0D-B4D5-BEE60F3D314D}" dt="2022-11-13T20:06:29.851" v="1296" actId="20577"/>
+        <pc:chgData name="Alison Kleffner" userId="0bed3509-e787-48f4-9a13-47afcd2529d5" providerId="ADAL" clId="{6BCA3D97-B095-4A0D-B4D5-BEE60F3D314D}" dt="2022-11-14T17:02:42.991" v="1633" actId="2711"/>
         <pc:sldMkLst>
           <pc:docMk/>
           <pc:sldMk cId="1794468377" sldId="338"/>
@@ -1384,7 +1397,7 @@
           </ac:spMkLst>
         </pc:spChg>
         <pc:spChg chg="add mod ord">
-          <ac:chgData name="Alison Kleffner" userId="0bed3509-e787-48f4-9a13-47afcd2529d5" providerId="ADAL" clId="{6BCA3D97-B095-4A0D-B4D5-BEE60F3D314D}" dt="2022-11-13T20:06:29.851" v="1296" actId="20577"/>
+          <ac:chgData name="Alison Kleffner" userId="0bed3509-e787-48f4-9a13-47afcd2529d5" providerId="ADAL" clId="{6BCA3D97-B095-4A0D-B4D5-BEE60F3D314D}" dt="2022-11-14T17:02:42.991" v="1633" actId="2711"/>
           <ac:spMkLst>
             <pc:docMk/>
             <pc:sldMk cId="1794468377" sldId="338"/>
@@ -1439,8 +1452,8 @@
           </ac:picMkLst>
         </pc:picChg>
       </pc:sldChg>
-      <pc:sldChg chg="modSp mod">
-        <pc:chgData name="Alison Kleffner" userId="0bed3509-e787-48f4-9a13-47afcd2529d5" providerId="ADAL" clId="{6BCA3D97-B095-4A0D-B4D5-BEE60F3D314D}" dt="2022-11-13T20:09:30.743" v="1425" actId="20577"/>
+      <pc:sldChg chg="delSp modSp mod">
+        <pc:chgData name="Alison Kleffner" userId="0bed3509-e787-48f4-9a13-47afcd2529d5" providerId="ADAL" clId="{6BCA3D97-B095-4A0D-B4D5-BEE60F3D314D}" dt="2022-11-14T16:55:48.893" v="1518" actId="478"/>
         <pc:sldMkLst>
           <pc:docMk/>
           <pc:sldMk cId="1525164173" sldId="368"/>
@@ -1451,6 +1464,14 @@
             <pc:docMk/>
             <pc:sldMk cId="1525164173" sldId="368"/>
             <ac:spMk id="2" creationId="{4DC9CBA9-226B-4D33-C9F3-024FF1F3F4D2}"/>
+          </ac:spMkLst>
+        </pc:spChg>
+        <pc:spChg chg="del">
+          <ac:chgData name="Alison Kleffner" userId="0bed3509-e787-48f4-9a13-47afcd2529d5" providerId="ADAL" clId="{6BCA3D97-B095-4A0D-B4D5-BEE60F3D314D}" dt="2022-11-14T16:55:48.893" v="1518" actId="478"/>
+          <ac:spMkLst>
+            <pc:docMk/>
+            <pc:sldMk cId="1525164173" sldId="368"/>
+            <ac:spMk id="3" creationId="{1CA04E0A-EB2C-4F3E-EBBD-45C7E567D2A0}"/>
           </ac:spMkLst>
         </pc:spChg>
       </pc:sldChg>
@@ -1685,7 +1706,7 @@
           <a:p>
             <a:fld id="{F4D57BDD-E64A-4D27-8978-82FFCA18A12C}" type="datetimeFigureOut">
               <a:rPr lang="en-US" smtClean="0"/>
-              <a:t>11/13/2022</a:t>
+              <a:t>11/14/2022</a:t>
             </a:fld>
             <a:endParaRPr lang="en-US"/>
           </a:p>
@@ -1893,7 +1914,7 @@
           <a:p>
             <a:fld id="{F4D57BDD-E64A-4D27-8978-82FFCA18A12C}" type="datetimeFigureOut">
               <a:rPr lang="en-US" smtClean="0"/>
-              <a:t>11/13/2022</a:t>
+              <a:t>11/14/2022</a:t>
             </a:fld>
             <a:endParaRPr lang="en-US"/>
           </a:p>
@@ -2149,7 +2170,7 @@
           <a:p>
             <a:fld id="{F4D57BDD-E64A-4D27-8978-82FFCA18A12C}" type="datetimeFigureOut">
               <a:rPr lang="en-US" smtClean="0"/>
-              <a:t>11/13/2022</a:t>
+              <a:t>11/14/2022</a:t>
             </a:fld>
             <a:endParaRPr lang="en-US"/>
           </a:p>
@@ -2323,7 +2344,7 @@
           <a:p>
             <a:fld id="{F4D57BDD-E64A-4D27-8978-82FFCA18A12C}" type="datetimeFigureOut">
               <a:rPr lang="en-US" smtClean="0"/>
-              <a:t>11/13/2022</a:t>
+              <a:t>11/14/2022</a:t>
             </a:fld>
             <a:endParaRPr lang="en-US"/>
           </a:p>
@@ -2666,7 +2687,7 @@
           <a:p>
             <a:fld id="{F4D57BDD-E64A-4D27-8978-82FFCA18A12C}" type="datetimeFigureOut">
               <a:rPr lang="en-US" smtClean="0"/>
-              <a:t>11/13/2022</a:t>
+              <a:t>11/14/2022</a:t>
             </a:fld>
             <a:endParaRPr lang="en-US"/>
           </a:p>
@@ -2941,7 +2962,7 @@
           <a:p>
             <a:fld id="{F4D57BDD-E64A-4D27-8978-82FFCA18A12C}" type="datetimeFigureOut">
               <a:rPr lang="en-US" smtClean="0"/>
-              <a:t>11/13/2022</a:t>
+              <a:t>11/14/2022</a:t>
             </a:fld>
             <a:endParaRPr lang="en-US"/>
           </a:p>
@@ -3320,7 +3341,7 @@
           <a:p>
             <a:fld id="{F4D57BDD-E64A-4D27-8978-82FFCA18A12C}" type="datetimeFigureOut">
               <a:rPr lang="en-US" smtClean="0"/>
-              <a:t>11/13/2022</a:t>
+              <a:t>11/14/2022</a:t>
             </a:fld>
             <a:endParaRPr lang="en-US"/>
           </a:p>
@@ -3438,7 +3459,7 @@
           <a:p>
             <a:fld id="{F4D57BDD-E64A-4D27-8978-82FFCA18A12C}" type="datetimeFigureOut">
               <a:rPr lang="en-US" smtClean="0"/>
-              <a:t>11/13/2022</a:t>
+              <a:t>11/14/2022</a:t>
             </a:fld>
             <a:endParaRPr lang="en-US"/>
           </a:p>
@@ -3609,7 +3630,7 @@
           <a:p>
             <a:fld id="{F4D57BDD-E64A-4D27-8978-82FFCA18A12C}" type="datetimeFigureOut">
               <a:rPr lang="en-US" smtClean="0"/>
-              <a:t>11/13/2022</a:t>
+              <a:t>11/14/2022</a:t>
             </a:fld>
             <a:endParaRPr lang="en-US"/>
           </a:p>
@@ -3963,7 +3984,7 @@
           <a:p>
             <a:fld id="{F4D57BDD-E64A-4D27-8978-82FFCA18A12C}" type="datetimeFigureOut">
               <a:rPr lang="en-US" smtClean="0"/>
-              <a:t>11/13/2022</a:t>
+              <a:t>11/14/2022</a:t>
             </a:fld>
             <a:endParaRPr lang="en-US"/>
           </a:p>
@@ -4345,7 +4366,7 @@
           <a:p>
             <a:fld id="{F4D57BDD-E64A-4D27-8978-82FFCA18A12C}" type="datetimeFigureOut">
               <a:rPr lang="en-US" smtClean="0"/>
-              <a:t>11/13/2022</a:t>
+              <a:t>11/14/2022</a:t>
             </a:fld>
             <a:endParaRPr lang="en-US"/>
           </a:p>
@@ -4633,7 +4654,7 @@
             <a:fld id="{F4D57BDD-E64A-4D27-8978-82FFCA18A12C}" type="datetimeFigureOut">
               <a:rPr lang="en-US" smtClean="0"/>
               <a:pPr/>
-              <a:t>11/13/2022</a:t>
+              <a:t>11/14/2022</a:t>
             </a:fld>
             <a:endParaRPr lang="en-US" dirty="0"/>
           </a:p>
@@ -8218,7 +8239,12 @@
             <p:ph type="title"/>
           </p:nvPr>
         </p:nvSpPr>
-        <p:spPr/>
+        <p:spPr>
+          <a:xfrm>
+            <a:off x="457200" y="594359"/>
+            <a:ext cx="3200400" cy="1163420"/>
+          </a:xfrm>
+        </p:spPr>
         <p:txBody>
           <a:bodyPr/>
           <a:lstStyle/>
@@ -8293,7 +8319,12 @@
             <p:ph type="body" sz="half" idx="2"/>
           </p:nvPr>
         </p:nvSpPr>
-        <p:spPr/>
+        <p:spPr>
+          <a:xfrm>
+            <a:off x="457200" y="1935332"/>
+            <a:ext cx="3200400" cy="4369872"/>
+          </a:xfrm>
+        </p:spPr>
         <p:txBody>
           <a:bodyPr>
             <a:normAutofit/>
@@ -8386,7 +8417,7 @@
           <a:p>
             <a:pPr>
               <a:lnSpc>
-                <a:spcPct val="150000"/>
+                <a:spcPct val="100000"/>
               </a:lnSpc>
             </a:pPr>
             <a:r>
@@ -8395,7 +8426,7 @@
             </a:r>
           </a:p>
           <a:p>
-            <a:pPr lvl="1">
+            <a:pPr marL="365760" lvl="1">
               <a:lnSpc>
                 <a:spcPct val="150000"/>
               </a:lnSpc>
@@ -8430,8 +8461,8 @@
         </p:nvSpPr>
         <p:spPr>
           <a:xfrm>
-            <a:off x="1097280" y="3684233"/>
-            <a:ext cx="5877018" cy="1292662"/>
+            <a:off x="1097278" y="3630967"/>
+            <a:ext cx="7025790" cy="1292662"/>
           </a:xfrm>
           <a:prstGeom prst="rect">
             <a:avLst/>
@@ -8522,8 +8553,8 @@
         </p:blipFill>
         <p:spPr>
           <a:xfrm>
-            <a:off x="7739349" y="3103269"/>
-            <a:ext cx="3833192" cy="2865368"/>
+            <a:off x="8220722" y="1966533"/>
+            <a:ext cx="3531350" cy="2639737"/>
           </a:xfrm>
           <a:prstGeom prst="rect">
             <a:avLst/>
@@ -9551,7 +9582,7 @@
         </p:blipFill>
         <p:spPr>
           <a:xfrm>
-            <a:off x="4617037" y="3880449"/>
+            <a:off x="4617037" y="3948484"/>
             <a:ext cx="4624829" cy="1765749"/>
           </a:xfrm>
           <a:prstGeom prst="rect">
@@ -9575,7 +9606,7 @@
         </p:blipFill>
         <p:spPr>
           <a:xfrm>
-            <a:off x="9707237" y="3697852"/>
+            <a:off x="9707237" y="4506396"/>
             <a:ext cx="2228420" cy="1580038"/>
           </a:xfrm>
           <a:prstGeom prst="rect">
@@ -10035,6 +10066,45 @@
           </a:p>
         </p:txBody>
       </p:sp>
+      <p:sp>
+        <p:nvSpPr>
+          <p:cNvPr id="4" name="TextBox 3">
+            <a:extLst>
+              <a:ext uri="{FF2B5EF4-FFF2-40B4-BE49-F238E27FC236}">
+                <a16:creationId xmlns:a16="http://schemas.microsoft.com/office/drawing/2014/main" id="{7583A2A0-8222-237F-7AA3-52BE9E6F2655}"/>
+              </a:ext>
+            </a:extLst>
+          </p:cNvPr>
+          <p:cNvSpPr txBox="1"/>
+          <p:nvPr/>
+        </p:nvSpPr>
+        <p:spPr>
+          <a:xfrm>
+            <a:off x="4438835" y="3169328"/>
+            <a:ext cx="7244179" cy="646331"/>
+          </a:xfrm>
+          <a:prstGeom prst="rect">
+            <a:avLst/>
+          </a:prstGeom>
+          <a:noFill/>
+        </p:spPr>
+        <p:txBody>
+          <a:bodyPr wrap="square" rtlCol="0">
+            <a:spAutoFit/>
+          </a:bodyPr>
+          <a:lstStyle/>
+          <a:p>
+            <a:r>
+              <a:rPr lang="en-US" b="1" dirty="0"/>
+              <a:t>Simulation</a:t>
+            </a:r>
+            <a:r>
+              <a:rPr lang="en-US" dirty="0"/>
+              <a:t>: Random Assignment between the two groups, simulated 100 times</a:t>
+            </a:r>
+          </a:p>
+        </p:txBody>
+      </p:sp>
     </p:spTree>
     <p:extLst>
       <p:ext uri="{BB962C8B-B14F-4D97-AF65-F5344CB8AC3E}">
@@ -10444,7 +10514,6 @@
             <a:r>
               <a:rPr lang="en-US" dirty="0">
                 <a:effectLst/>
-                <a:latin typeface="Times New Roman" panose="02020603050405020304" pitchFamily="18" charset="0"/>
                 <a:ea typeface="Calibri" panose="020F0502020204030204" pitchFamily="34" charset="0"/>
               </a:rPr>
               <a:t>Identify the explanatory and response variables in this study</a:t>
@@ -10456,7 +10525,6 @@
               <a:buChar char="•"/>
             </a:pPr>
             <a:endParaRPr lang="en-US" dirty="0">
-              <a:latin typeface="Times New Roman" panose="02020603050405020304" pitchFamily="18" charset="0"/>
               <a:ea typeface="Calibri" panose="020F0502020204030204" pitchFamily="34" charset="0"/>
             </a:endParaRPr>
           </a:p>
@@ -10467,7 +10535,6 @@
             </a:pPr>
             <a:endParaRPr lang="en-US" dirty="0">
               <a:effectLst/>
-              <a:latin typeface="Times New Roman" panose="02020603050405020304" pitchFamily="18" charset="0"/>
               <a:ea typeface="Calibri" panose="020F0502020204030204" pitchFamily="34" charset="0"/>
             </a:endParaRPr>
           </a:p>
@@ -10477,9 +10544,7 @@
               <a:buChar char="•"/>
             </a:pPr>
             <a:r>
-              <a:rPr lang="en-US" dirty="0">
-                <a:latin typeface="Times New Roman" panose="02020603050405020304" pitchFamily="18" charset="0"/>
-              </a:rPr>
+              <a:rPr lang="en-US" dirty="0"/>
               <a:t> Is this an experimental or observation study? How do you know?</a:t>
             </a:r>
           </a:p>
@@ -10488,18 +10553,14 @@
               <a:buFont typeface="Arial" panose="020B0604020202020204" pitchFamily="34" charset="0"/>
               <a:buChar char="•"/>
             </a:pPr>
-            <a:endParaRPr lang="en-US" dirty="0">
-              <a:latin typeface="Times New Roman" panose="02020603050405020304" pitchFamily="18" charset="0"/>
-            </a:endParaRPr>
+            <a:endParaRPr lang="en-US" dirty="0"/>
           </a:p>
           <a:p>
             <a:pPr>
               <a:buFont typeface="Arial" panose="020B0604020202020204" pitchFamily="34" charset="0"/>
               <a:buChar char="•"/>
             </a:pPr>
-            <a:endParaRPr lang="en-US" dirty="0">
-              <a:latin typeface="Times New Roman" panose="02020603050405020304" pitchFamily="18" charset="0"/>
-            </a:endParaRPr>
+            <a:endParaRPr lang="en-US" dirty="0"/>
           </a:p>
           <a:p>
             <a:pPr>
@@ -10507,12 +10568,9 @@
               <a:buChar char="•"/>
             </a:pPr>
             <a:r>
-              <a:rPr lang="en-US" dirty="0">
-                <a:latin typeface="Times New Roman" panose="02020603050405020304" pitchFamily="18" charset="0"/>
-              </a:rPr>
+              <a:rPr lang="en-US" dirty="0"/>
               <a:t> If this is an observational study, how would you turn this into an experiment? Is this possible/ethical?</a:t>
             </a:r>
-            <a:endParaRPr lang="en-US" dirty="0"/>
           </a:p>
         </p:txBody>
       </p:sp>
@@ -10788,38 +10846,6 @@
               </a:rPr>
               <a:t>Association vs Causation</a:t>
             </a:r>
-          </a:p>
-        </p:txBody>
-      </p:sp>
-      <p:sp>
-        <p:nvSpPr>
-          <p:cNvPr id="3" name="Content Placeholder 2">
-            <a:extLst>
-              <a:ext uri="{FF2B5EF4-FFF2-40B4-BE49-F238E27FC236}">
-                <a16:creationId xmlns:a16="http://schemas.microsoft.com/office/drawing/2014/main" id="{1CA04E0A-EB2C-4F3E-EBBD-45C7E567D2A0}"/>
-              </a:ext>
-            </a:extLst>
-          </p:cNvPr>
-          <p:cNvSpPr>
-            <a:spLocks noGrp="1"/>
-          </p:cNvSpPr>
-          <p:nvPr>
-            <p:ph idx="1"/>
-          </p:nvPr>
-        </p:nvSpPr>
-        <p:spPr>
-          <a:xfrm>
-            <a:off x="1097280" y="1086678"/>
-            <a:ext cx="10027920" cy="3471467"/>
-          </a:xfrm>
-        </p:spPr>
-        <p:txBody>
-          <a:bodyPr>
-            <a:normAutofit/>
-          </a:bodyPr>
-          <a:lstStyle/>
-          <a:p>
-            <a:endParaRPr lang="en-US"/>
           </a:p>
         </p:txBody>
       </p:sp>
@@ -12322,7 +12348,7 @@
           <a:p>
             <a:r>
               <a:rPr lang="en-US" b="1" dirty="0"/>
-              <a:t>Associated</a:t>
+              <a:t>Association</a:t>
             </a:r>
             <a:r>
               <a:rPr lang="en-US" dirty="0"/>

--- a/job/teaching/teaching-demonstration1.pptx
+++ b/job/teaching/teaching-demonstration1.pptx
@@ -12,8 +12,8 @@
     <p:sldId id="259" r:id="rId6"/>
     <p:sldId id="260" r:id="rId7"/>
     <p:sldId id="261" r:id="rId8"/>
-    <p:sldId id="262" r:id="rId9"/>
-    <p:sldId id="265" r:id="rId10"/>
+    <p:sldId id="265" r:id="rId9"/>
+    <p:sldId id="262" r:id="rId10"/>
     <p:sldId id="267" r:id="rId11"/>
     <p:sldId id="263" r:id="rId12"/>
     <p:sldId id="266" r:id="rId13"/>
@@ -22,19 +22,24 @@
     <p:sldId id="335" r:id="rId16"/>
     <p:sldId id="297" r:id="rId17"/>
     <p:sldId id="302" r:id="rId18"/>
-    <p:sldId id="336" r:id="rId19"/>
-    <p:sldId id="326" r:id="rId20"/>
-    <p:sldId id="305" r:id="rId21"/>
-    <p:sldId id="306" r:id="rId22"/>
-    <p:sldId id="307" r:id="rId23"/>
-    <p:sldId id="314" r:id="rId24"/>
-    <p:sldId id="308" r:id="rId25"/>
-    <p:sldId id="323" r:id="rId26"/>
-    <p:sldId id="324" r:id="rId27"/>
-    <p:sldId id="328" r:id="rId28"/>
-    <p:sldId id="311" r:id="rId29"/>
-    <p:sldId id="338" r:id="rId30"/>
-    <p:sldId id="367" r:id="rId31"/>
+    <p:sldId id="305" r:id="rId19"/>
+    <p:sldId id="373" r:id="rId20"/>
+    <p:sldId id="369" r:id="rId21"/>
+    <p:sldId id="370" r:id="rId22"/>
+    <p:sldId id="371" r:id="rId23"/>
+    <p:sldId id="336" r:id="rId24"/>
+    <p:sldId id="326" r:id="rId25"/>
+    <p:sldId id="306" r:id="rId26"/>
+    <p:sldId id="307" r:id="rId27"/>
+    <p:sldId id="314" r:id="rId28"/>
+    <p:sldId id="308" r:id="rId29"/>
+    <p:sldId id="323" r:id="rId30"/>
+    <p:sldId id="324" r:id="rId31"/>
+    <p:sldId id="328" r:id="rId32"/>
+    <p:sldId id="311" r:id="rId33"/>
+    <p:sldId id="329" r:id="rId34"/>
+    <p:sldId id="338" r:id="rId35"/>
+    <p:sldId id="367" r:id="rId36"/>
   </p:sldIdLst>
   <p:sldSz cx="12192000" cy="6858000"/>
   <p:notesSz cx="6858000" cy="9144000"/>
@@ -144,7 +149,7 @@
 <file path=ppt/revisionInfo.xml><?xml version="1.0" encoding="utf-8"?>
 <p1510:revInfo xmlns:a="http://schemas.openxmlformats.org/drawingml/2006/main" xmlns:r="http://schemas.openxmlformats.org/officeDocument/2006/relationships" xmlns:p1510="http://schemas.microsoft.com/office/powerpoint/2015/10/main">
   <p1510:revLst>
-    <p1510:client id="{6BCA3D97-B095-4A0D-B4D5-BEE60F3D314D}" v="93" dt="2022-11-14T17:00:43.033"/>
+    <p1510:client id="{6BCA3D97-B095-4A0D-B4D5-BEE60F3D314D}" v="150" dt="2022-11-25T20:46:48.820"/>
   </p1510:revLst>
 </p1510:revInfo>
 </file>
@@ -154,12 +159,12 @@
   <pc:docChgLst>
     <pc:chgData name="Alison Kleffner" userId="0bed3509-e787-48f4-9a13-47afcd2529d5" providerId="ADAL" clId="{6BCA3D97-B095-4A0D-B4D5-BEE60F3D314D}"/>
     <pc:docChg chg="undo custSel addSld delSld modSld sldOrd">
-      <pc:chgData name="Alison Kleffner" userId="0bed3509-e787-48f4-9a13-47afcd2529d5" providerId="ADAL" clId="{6BCA3D97-B095-4A0D-B4D5-BEE60F3D314D}" dt="2022-11-14T17:02:42.991" v="1633" actId="2711"/>
+      <pc:chgData name="Alison Kleffner" userId="0bed3509-e787-48f4-9a13-47afcd2529d5" providerId="ADAL" clId="{6BCA3D97-B095-4A0D-B4D5-BEE60F3D314D}" dt="2022-11-25T20:49:35.704" v="1864" actId="20577"/>
       <pc:docMkLst>
         <pc:docMk/>
       </pc:docMkLst>
       <pc:sldChg chg="modSp mod">
-        <pc:chgData name="Alison Kleffner" userId="0bed3509-e787-48f4-9a13-47afcd2529d5" providerId="ADAL" clId="{6BCA3D97-B095-4A0D-B4D5-BEE60F3D314D}" dt="2022-11-13T20:10:07.489" v="1469" actId="20577"/>
+        <pc:chgData name="Alison Kleffner" userId="0bed3509-e787-48f4-9a13-47afcd2529d5" providerId="ADAL" clId="{6BCA3D97-B095-4A0D-B4D5-BEE60F3D314D}" dt="2022-11-21T15:38:32.239" v="1649" actId="20577"/>
         <pc:sldMkLst>
           <pc:docMk/>
           <pc:sldMk cId="3731768391" sldId="256"/>
@@ -170,6 +175,14 @@
             <pc:docMk/>
             <pc:sldMk cId="3731768391" sldId="256"/>
             <ac:spMk id="2" creationId="{F98317C3-06F6-1B0D-C52C-8852D49765E6}"/>
+          </ac:spMkLst>
+        </pc:spChg>
+        <pc:spChg chg="mod">
+          <ac:chgData name="Alison Kleffner" userId="0bed3509-e787-48f4-9a13-47afcd2529d5" providerId="ADAL" clId="{6BCA3D97-B095-4A0D-B4D5-BEE60F3D314D}" dt="2022-11-21T15:38:32.239" v="1649" actId="20577"/>
+          <ac:spMkLst>
+            <pc:docMk/>
+            <pc:sldMk cId="3731768391" sldId="256"/>
+            <ac:spMk id="3" creationId="{1E824156-4C39-48CD-6B11-DC97EE0CA3BE}"/>
           </ac:spMkLst>
         </pc:spChg>
       </pc:sldChg>
@@ -288,8 +301,8 @@
           </ac:spMkLst>
         </pc:spChg>
       </pc:sldChg>
-      <pc:sldChg chg="modSp mod">
-        <pc:chgData name="Alison Kleffner" userId="0bed3509-e787-48f4-9a13-47afcd2529d5" providerId="ADAL" clId="{6BCA3D97-B095-4A0D-B4D5-BEE60F3D314D}" dt="2022-11-14T16:56:19.818" v="1523" actId="20577"/>
+      <pc:sldChg chg="modSp mod ord">
+        <pc:chgData name="Alison Kleffner" userId="0bed3509-e787-48f4-9a13-47afcd2529d5" providerId="ADAL" clId="{6BCA3D97-B095-4A0D-B4D5-BEE60F3D314D}" dt="2022-11-21T16:46:34.966" v="1651"/>
         <pc:sldMkLst>
           <pc:docMk/>
           <pc:sldMk cId="378857412" sldId="262"/>
@@ -678,7 +691,7 @@
         </pc:spChg>
       </pc:sldChg>
       <pc:sldChg chg="modSp add mod chgLayout">
-        <pc:chgData name="Alison Kleffner" userId="0bed3509-e787-48f4-9a13-47afcd2529d5" providerId="ADAL" clId="{6BCA3D97-B095-4A0D-B4D5-BEE60F3D314D}" dt="2022-11-13T19:03:22.055" v="476" actId="113"/>
+        <pc:chgData name="Alison Kleffner" userId="0bed3509-e787-48f4-9a13-47afcd2529d5" providerId="ADAL" clId="{6BCA3D97-B095-4A0D-B4D5-BEE60F3D314D}" dt="2022-11-25T20:36:58.383" v="1657" actId="20577"/>
         <pc:sldMkLst>
           <pc:docMk/>
           <pc:sldMk cId="1795438458" sldId="297"/>
@@ -692,7 +705,7 @@
           </ac:spMkLst>
         </pc:spChg>
         <pc:spChg chg="mod ord">
-          <ac:chgData name="Alison Kleffner" userId="0bed3509-e787-48f4-9a13-47afcd2529d5" providerId="ADAL" clId="{6BCA3D97-B095-4A0D-B4D5-BEE60F3D314D}" dt="2022-11-13T18:59:22.236" v="456" actId="27636"/>
+          <ac:chgData name="Alison Kleffner" userId="0bed3509-e787-48f4-9a13-47afcd2529d5" providerId="ADAL" clId="{6BCA3D97-B095-4A0D-B4D5-BEE60F3D314D}" dt="2022-11-25T20:36:58.383" v="1657" actId="20577"/>
           <ac:spMkLst>
             <pc:docMk/>
             <pc:sldMk cId="1795438458" sldId="297"/>
@@ -1094,8 +1107,8 @@
           </ac:picMkLst>
         </pc:picChg>
       </pc:sldChg>
-      <pc:sldChg chg="modSp add mod chgLayout">
-        <pc:chgData name="Alison Kleffner" userId="0bed3509-e787-48f4-9a13-47afcd2529d5" providerId="ADAL" clId="{6BCA3D97-B095-4A0D-B4D5-BEE60F3D314D}" dt="2022-11-13T19:46:22.987" v="693" actId="20577"/>
+      <pc:sldChg chg="modSp add mod ord chgLayout">
+        <pc:chgData name="Alison Kleffner" userId="0bed3509-e787-48f4-9a13-47afcd2529d5" providerId="ADAL" clId="{6BCA3D97-B095-4A0D-B4D5-BEE60F3D314D}" dt="2022-11-25T20:45:38.936" v="1804"/>
         <pc:sldMkLst>
           <pc:docMk/>
           <pc:sldMk cId="2724735028" sldId="326"/>
@@ -1251,12 +1264,20 @@
           </ac:picMkLst>
         </pc:picChg>
       </pc:sldChg>
-      <pc:sldChg chg="add del">
-        <pc:chgData name="Alison Kleffner" userId="0bed3509-e787-48f4-9a13-47afcd2529d5" providerId="ADAL" clId="{6BCA3D97-B095-4A0D-B4D5-BEE60F3D314D}" dt="2022-11-13T19:10:37.375" v="561" actId="47"/>
+      <pc:sldChg chg="modSp add del mod modClrScheme chgLayout">
+        <pc:chgData name="Alison Kleffner" userId="0bed3509-e787-48f4-9a13-47afcd2529d5" providerId="ADAL" clId="{6BCA3D97-B095-4A0D-B4D5-BEE60F3D314D}" dt="2022-11-25T20:47:08.829" v="1824" actId="1076"/>
         <pc:sldMkLst>
           <pc:docMk/>
           <pc:sldMk cId="3190472167" sldId="329"/>
         </pc:sldMkLst>
+        <pc:spChg chg="mod ord">
+          <ac:chgData name="Alison Kleffner" userId="0bed3509-e787-48f4-9a13-47afcd2529d5" providerId="ADAL" clId="{6BCA3D97-B095-4A0D-B4D5-BEE60F3D314D}" dt="2022-11-25T20:47:08.829" v="1824" actId="1076"/>
+          <ac:spMkLst>
+            <pc:docMk/>
+            <pc:sldMk cId="3190472167" sldId="329"/>
+            <ac:spMk id="2" creationId="{00000000-0000-0000-0000-000000000000}"/>
+          </ac:spMkLst>
+        </pc:spChg>
       </pc:sldChg>
       <pc:sldChg chg="modSp add mod">
         <pc:chgData name="Alison Kleffner" userId="0bed3509-e787-48f4-9a13-47afcd2529d5" providerId="ADAL" clId="{6BCA3D97-B095-4A0D-B4D5-BEE60F3D314D}" dt="2022-11-13T18:59:37.542" v="458" actId="1076"/>
@@ -1304,8 +1325,8 @@
           </ac:spMkLst>
         </pc:spChg>
       </pc:sldChg>
-      <pc:sldChg chg="delSp modSp mod">
-        <pc:chgData name="Alison Kleffner" userId="0bed3509-e787-48f4-9a13-47afcd2529d5" providerId="ADAL" clId="{6BCA3D97-B095-4A0D-B4D5-BEE60F3D314D}" dt="2022-11-13T20:09:09.481" v="1399" actId="20577"/>
+      <pc:sldChg chg="delSp modSp mod ord">
+        <pc:chgData name="Alison Kleffner" userId="0bed3509-e787-48f4-9a13-47afcd2529d5" providerId="ADAL" clId="{6BCA3D97-B095-4A0D-B4D5-BEE60F3D314D}" dt="2022-11-25T20:45:38.936" v="1804"/>
         <pc:sldMkLst>
           <pc:docMk/>
           <pc:sldMk cId="3161323200" sldId="336"/>
@@ -1414,7 +1435,7 @@
         </pc:spChg>
       </pc:sldChg>
       <pc:sldChg chg="delSp modSp add mod modClrScheme chgLayout">
-        <pc:chgData name="Alison Kleffner" userId="0bed3509-e787-48f4-9a13-47afcd2529d5" providerId="ADAL" clId="{6BCA3D97-B095-4A0D-B4D5-BEE60F3D314D}" dt="2022-11-13T20:08:41.212" v="1378" actId="12"/>
+        <pc:chgData name="Alison Kleffner" userId="0bed3509-e787-48f4-9a13-47afcd2529d5" providerId="ADAL" clId="{6BCA3D97-B095-4A0D-B4D5-BEE60F3D314D}" dt="2022-11-25T20:49:35.704" v="1864" actId="20577"/>
         <pc:sldMkLst>
           <pc:docMk/>
           <pc:sldMk cId="2813814558" sldId="367"/>
@@ -1428,7 +1449,7 @@
           </ac:spMkLst>
         </pc:spChg>
         <pc:spChg chg="mod ord">
-          <ac:chgData name="Alison Kleffner" userId="0bed3509-e787-48f4-9a13-47afcd2529d5" providerId="ADAL" clId="{6BCA3D97-B095-4A0D-B4D5-BEE60F3D314D}" dt="2022-11-13T20:08:41.212" v="1378" actId="12"/>
+          <ac:chgData name="Alison Kleffner" userId="0bed3509-e787-48f4-9a13-47afcd2529d5" providerId="ADAL" clId="{6BCA3D97-B095-4A0D-B4D5-BEE60F3D314D}" dt="2022-11-25T20:49:35.704" v="1864" actId="20577"/>
           <ac:spMkLst>
             <pc:docMk/>
             <pc:sldMk cId="2813814558" sldId="367"/>
@@ -1475,9 +1496,3364 @@
           </ac:spMkLst>
         </pc:spChg>
       </pc:sldChg>
+      <pc:sldChg chg="add">
+        <pc:chgData name="Alison Kleffner" userId="0bed3509-e787-48f4-9a13-47afcd2529d5" providerId="ADAL" clId="{6BCA3D97-B095-4A0D-B4D5-BEE60F3D314D}" dt="2022-11-25T20:39:12.548" v="1660"/>
+        <pc:sldMkLst>
+          <pc:docMk/>
+          <pc:sldMk cId="835985090" sldId="369"/>
+        </pc:sldMkLst>
+      </pc:sldChg>
+      <pc:sldChg chg="delSp modSp add mod setBg delDesignElem">
+        <pc:chgData name="Alison Kleffner" userId="0bed3509-e787-48f4-9a13-47afcd2529d5" providerId="ADAL" clId="{6BCA3D97-B095-4A0D-B4D5-BEE60F3D314D}" dt="2022-11-25T20:45:08.378" v="1802" actId="20577"/>
+        <pc:sldMkLst>
+          <pc:docMk/>
+          <pc:sldMk cId="3438414385" sldId="370"/>
+        </pc:sldMkLst>
+        <pc:spChg chg="mod">
+          <ac:chgData name="Alison Kleffner" userId="0bed3509-e787-48f4-9a13-47afcd2529d5" providerId="ADAL" clId="{6BCA3D97-B095-4A0D-B4D5-BEE60F3D314D}" dt="2022-11-25T20:39:22.592" v="1661" actId="1076"/>
+          <ac:spMkLst>
+            <pc:docMk/>
+            <pc:sldMk cId="3438414385" sldId="370"/>
+            <ac:spMk id="2" creationId="{00000000-0000-0000-0000-000000000000}"/>
+          </ac:spMkLst>
+        </pc:spChg>
+        <pc:spChg chg="del">
+          <ac:chgData name="Alison Kleffner" userId="0bed3509-e787-48f4-9a13-47afcd2529d5" providerId="ADAL" clId="{6BCA3D97-B095-4A0D-B4D5-BEE60F3D314D}" dt="2022-11-25T20:39:12.548" v="1660"/>
+          <ac:spMkLst>
+            <pc:docMk/>
+            <pc:sldMk cId="3438414385" sldId="370"/>
+            <ac:spMk id="8" creationId="{E009DD9B-5EE2-4C0D-8B2B-351C8C102205}"/>
+          </ac:spMkLst>
+        </pc:spChg>
+        <pc:spChg chg="del">
+          <ac:chgData name="Alison Kleffner" userId="0bed3509-e787-48f4-9a13-47afcd2529d5" providerId="ADAL" clId="{6BCA3D97-B095-4A0D-B4D5-BEE60F3D314D}" dt="2022-11-25T20:39:12.548" v="1660"/>
+          <ac:spMkLst>
+            <pc:docMk/>
+            <pc:sldMk cId="3438414385" sldId="370"/>
+            <ac:spMk id="10" creationId="{E720DB99-7745-4E75-9D96-AAB6D55C531E}"/>
+          </ac:spMkLst>
+        </pc:spChg>
+        <pc:spChg chg="mod">
+          <ac:chgData name="Alison Kleffner" userId="0bed3509-e787-48f4-9a13-47afcd2529d5" providerId="ADAL" clId="{6BCA3D97-B095-4A0D-B4D5-BEE60F3D314D}" dt="2022-11-25T20:45:08.378" v="1802" actId="20577"/>
+          <ac:spMkLst>
+            <pc:docMk/>
+            <pc:sldMk cId="3438414385" sldId="370"/>
+            <ac:spMk id="11" creationId="{00000000-0000-0000-0000-000000000000}"/>
+          </ac:spMkLst>
+        </pc:spChg>
+        <pc:spChg chg="del">
+          <ac:chgData name="Alison Kleffner" userId="0bed3509-e787-48f4-9a13-47afcd2529d5" providerId="ADAL" clId="{6BCA3D97-B095-4A0D-B4D5-BEE60F3D314D}" dt="2022-11-25T20:39:12.548" v="1660"/>
+          <ac:spMkLst>
+            <pc:docMk/>
+            <pc:sldMk cId="3438414385" sldId="370"/>
+            <ac:spMk id="12" creationId="{D68803C4-E159-4360-B7BB-74205C8F782D}"/>
+          </ac:spMkLst>
+        </pc:spChg>
+        <pc:spChg chg="del">
+          <ac:chgData name="Alison Kleffner" userId="0bed3509-e787-48f4-9a13-47afcd2529d5" providerId="ADAL" clId="{6BCA3D97-B095-4A0D-B4D5-BEE60F3D314D}" dt="2022-11-25T20:39:12.548" v="1660"/>
+          <ac:spMkLst>
+            <pc:docMk/>
+            <pc:sldMk cId="3438414385" sldId="370"/>
+            <ac:spMk id="14" creationId="{504B0465-3B07-49BF-BEA7-D81476246293}"/>
+          </ac:spMkLst>
+        </pc:spChg>
+        <pc:spChg chg="del">
+          <ac:chgData name="Alison Kleffner" userId="0bed3509-e787-48f4-9a13-47afcd2529d5" providerId="ADAL" clId="{6BCA3D97-B095-4A0D-B4D5-BEE60F3D314D}" dt="2022-11-25T20:39:12.548" v="1660"/>
+          <ac:spMkLst>
+            <pc:docMk/>
+            <pc:sldMk cId="3438414385" sldId="370"/>
+            <ac:spMk id="16" creationId="{49B7FFA5-14CB-4A4F-9BCC-CA3AA5D9D276}"/>
+          </ac:spMkLst>
+        </pc:spChg>
+        <pc:spChg chg="del">
+          <ac:chgData name="Alison Kleffner" userId="0bed3509-e787-48f4-9a13-47afcd2529d5" providerId="ADAL" clId="{6BCA3D97-B095-4A0D-B4D5-BEE60F3D314D}" dt="2022-11-25T20:39:12.548" v="1660"/>
+          <ac:spMkLst>
+            <pc:docMk/>
+            <pc:sldMk cId="3438414385" sldId="370"/>
+            <ac:spMk id="18" creationId="{04E48745-7512-4EC2-9E20-9092D12150CA}"/>
+          </ac:spMkLst>
+        </pc:spChg>
+      </pc:sldChg>
+      <pc:sldChg chg="addSp delSp modSp add mod setBg modClrScheme delDesignElem chgLayout">
+        <pc:chgData name="Alison Kleffner" userId="0bed3509-e787-48f4-9a13-47afcd2529d5" providerId="ADAL" clId="{6BCA3D97-B095-4A0D-B4D5-BEE60F3D314D}" dt="2022-11-25T20:47:29.038" v="1827" actId="1076"/>
+        <pc:sldMkLst>
+          <pc:docMk/>
+          <pc:sldMk cId="4048830489" sldId="371"/>
+        </pc:sldMkLst>
+        <pc:spChg chg="mod ord">
+          <ac:chgData name="Alison Kleffner" userId="0bed3509-e787-48f4-9a13-47afcd2529d5" providerId="ADAL" clId="{6BCA3D97-B095-4A0D-B4D5-BEE60F3D314D}" dt="2022-11-25T20:47:25.847" v="1826" actId="1076"/>
+          <ac:spMkLst>
+            <pc:docMk/>
+            <pc:sldMk cId="4048830489" sldId="371"/>
+            <ac:spMk id="2" creationId="{00000000-0000-0000-0000-000000000000}"/>
+          </ac:spMkLst>
+        </pc:spChg>
+        <pc:spChg chg="del">
+          <ac:chgData name="Alison Kleffner" userId="0bed3509-e787-48f4-9a13-47afcd2529d5" providerId="ADAL" clId="{6BCA3D97-B095-4A0D-B4D5-BEE60F3D314D}" dt="2022-11-25T20:39:48.004" v="1663" actId="26606"/>
+          <ac:spMkLst>
+            <pc:docMk/>
+            <pc:sldMk cId="4048830489" sldId="371"/>
+            <ac:spMk id="3" creationId="{00000000-0000-0000-0000-000000000000}"/>
+          </ac:spMkLst>
+        </pc:spChg>
+        <pc:spChg chg="del">
+          <ac:chgData name="Alison Kleffner" userId="0bed3509-e787-48f4-9a13-47afcd2529d5" providerId="ADAL" clId="{6BCA3D97-B095-4A0D-B4D5-BEE60F3D314D}" dt="2022-11-25T20:39:12.548" v="1660"/>
+          <ac:spMkLst>
+            <pc:docMk/>
+            <pc:sldMk cId="4048830489" sldId="371"/>
+            <ac:spMk id="8" creationId="{3C06EAFD-0C69-4B3B-BEA7-E7E11DDF9C43}"/>
+          </ac:spMkLst>
+        </pc:spChg>
+        <pc:spChg chg="add del">
+          <ac:chgData name="Alison Kleffner" userId="0bed3509-e787-48f4-9a13-47afcd2529d5" providerId="ADAL" clId="{6BCA3D97-B095-4A0D-B4D5-BEE60F3D314D}" dt="2022-11-25T20:40:55.855" v="1669" actId="26606"/>
+          <ac:spMkLst>
+            <pc:docMk/>
+            <pc:sldMk cId="4048830489" sldId="371"/>
+            <ac:spMk id="9" creationId="{FB5993E2-C02B-4335-ABA5-D8EC465551E3}"/>
+          </ac:spMkLst>
+        </pc:spChg>
+        <pc:spChg chg="del">
+          <ac:chgData name="Alison Kleffner" userId="0bed3509-e787-48f4-9a13-47afcd2529d5" providerId="ADAL" clId="{6BCA3D97-B095-4A0D-B4D5-BEE60F3D314D}" dt="2022-11-25T20:39:12.548" v="1660"/>
+          <ac:spMkLst>
+            <pc:docMk/>
+            <pc:sldMk cId="4048830489" sldId="371"/>
+            <ac:spMk id="10" creationId="{A4066C89-42FB-4624-9AFE-3A31B36491B5}"/>
+          </ac:spMkLst>
+        </pc:spChg>
+        <pc:spChg chg="add del">
+          <ac:chgData name="Alison Kleffner" userId="0bed3509-e787-48f4-9a13-47afcd2529d5" providerId="ADAL" clId="{6BCA3D97-B095-4A0D-B4D5-BEE60F3D314D}" dt="2022-11-25T20:40:55.855" v="1669" actId="26606"/>
+          <ac:spMkLst>
+            <pc:docMk/>
+            <pc:sldMk cId="4048830489" sldId="371"/>
+            <ac:spMk id="11" creationId="{C0B801A2-5622-4BE8-9AD2-C337A2CD0022}"/>
+          </ac:spMkLst>
+        </pc:spChg>
+        <pc:spChg chg="del">
+          <ac:chgData name="Alison Kleffner" userId="0bed3509-e787-48f4-9a13-47afcd2529d5" providerId="ADAL" clId="{6BCA3D97-B095-4A0D-B4D5-BEE60F3D314D}" dt="2022-11-25T20:39:12.548" v="1660"/>
+          <ac:spMkLst>
+            <pc:docMk/>
+            <pc:sldMk cId="4048830489" sldId="371"/>
+            <ac:spMk id="12" creationId="{BA218FBC-B2D6-48CA-9289-C4110162EDAD}"/>
+          </ac:spMkLst>
+        </pc:spChg>
+        <pc:spChg chg="add del">
+          <ac:chgData name="Alison Kleffner" userId="0bed3509-e787-48f4-9a13-47afcd2529d5" providerId="ADAL" clId="{6BCA3D97-B095-4A0D-B4D5-BEE60F3D314D}" dt="2022-11-25T20:40:55.855" v="1669" actId="26606"/>
+          <ac:spMkLst>
+            <pc:docMk/>
+            <pc:sldMk cId="4048830489" sldId="371"/>
+            <ac:spMk id="13" creationId="{B7AF614F-5BC3-4086-99F5-B87C5847A071}"/>
+          </ac:spMkLst>
+        </pc:spChg>
+        <pc:spChg chg="del">
+          <ac:chgData name="Alison Kleffner" userId="0bed3509-e787-48f4-9a13-47afcd2529d5" providerId="ADAL" clId="{6BCA3D97-B095-4A0D-B4D5-BEE60F3D314D}" dt="2022-11-25T20:39:12.548" v="1660"/>
+          <ac:spMkLst>
+            <pc:docMk/>
+            <pc:sldMk cId="4048830489" sldId="371"/>
+            <ac:spMk id="14" creationId="{2DED9084-49DA-4911-ACB7-5F9E4DEFA039}"/>
+          </ac:spMkLst>
+        </pc:spChg>
+        <pc:graphicFrameChg chg="add mod ord modGraphic">
+          <ac:chgData name="Alison Kleffner" userId="0bed3509-e787-48f4-9a13-47afcd2529d5" providerId="ADAL" clId="{6BCA3D97-B095-4A0D-B4D5-BEE60F3D314D}" dt="2022-11-25T20:47:29.038" v="1827" actId="1076"/>
+          <ac:graphicFrameMkLst>
+            <pc:docMk/>
+            <pc:sldMk cId="4048830489" sldId="371"/>
+            <ac:graphicFrameMk id="5" creationId="{F9A9A499-6895-9BD1-9E88-C7AFF2B5762F}"/>
+          </ac:graphicFrameMkLst>
+        </pc:graphicFrameChg>
+        <pc:picChg chg="add mod">
+          <ac:chgData name="Alison Kleffner" userId="0bed3509-e787-48f4-9a13-47afcd2529d5" providerId="ADAL" clId="{6BCA3D97-B095-4A0D-B4D5-BEE60F3D314D}" dt="2022-11-25T20:43:34.445" v="1719" actId="1076"/>
+          <ac:picMkLst>
+            <pc:docMk/>
+            <pc:sldMk cId="4048830489" sldId="371"/>
+            <ac:picMk id="4" creationId="{6E8F46E6-AC83-293D-2113-9659566FEB4F}"/>
+          </ac:picMkLst>
+        </pc:picChg>
+      </pc:sldChg>
+      <pc:sldChg chg="delSp add del ord setBg delDesignElem">
+        <pc:chgData name="Alison Kleffner" userId="0bed3509-e787-48f4-9a13-47afcd2529d5" providerId="ADAL" clId="{6BCA3D97-B095-4A0D-B4D5-BEE60F3D314D}" dt="2022-11-25T20:45:59.021" v="1810" actId="47"/>
+        <pc:sldMkLst>
+          <pc:docMk/>
+          <pc:sldMk cId="412307689" sldId="372"/>
+        </pc:sldMkLst>
+        <pc:spChg chg="del">
+          <ac:chgData name="Alison Kleffner" userId="0bed3509-e787-48f4-9a13-47afcd2529d5" providerId="ADAL" clId="{6BCA3D97-B095-4A0D-B4D5-BEE60F3D314D}" dt="2022-11-25T20:45:45.706" v="1806"/>
+          <ac:spMkLst>
+            <pc:docMk/>
+            <pc:sldMk cId="412307689" sldId="372"/>
+            <ac:spMk id="8" creationId="{3558DB37-9FEE-48A2-8578-ED0401573943}"/>
+          </ac:spMkLst>
+        </pc:spChg>
+        <pc:spChg chg="del">
+          <ac:chgData name="Alison Kleffner" userId="0bed3509-e787-48f4-9a13-47afcd2529d5" providerId="ADAL" clId="{6BCA3D97-B095-4A0D-B4D5-BEE60F3D314D}" dt="2022-11-25T20:45:45.706" v="1806"/>
+          <ac:spMkLst>
+            <pc:docMk/>
+            <pc:sldMk cId="412307689" sldId="372"/>
+            <ac:spMk id="10" creationId="{5F7FCCA6-00E2-4F74-A105-0D769872F243}"/>
+          </ac:spMkLst>
+        </pc:spChg>
+        <pc:spChg chg="del">
+          <ac:chgData name="Alison Kleffner" userId="0bed3509-e787-48f4-9a13-47afcd2529d5" providerId="ADAL" clId="{6BCA3D97-B095-4A0D-B4D5-BEE60F3D314D}" dt="2022-11-25T20:45:45.706" v="1806"/>
+          <ac:spMkLst>
+            <pc:docMk/>
+            <pc:sldMk cId="412307689" sldId="372"/>
+            <ac:spMk id="12" creationId="{5E1ED12F-9F06-4B37-87B7-F98F52937F86}"/>
+          </ac:spMkLst>
+        </pc:spChg>
+      </pc:sldChg>
+      <pc:sldChg chg="add del">
+        <pc:chgData name="Alison Kleffner" userId="0bed3509-e787-48f4-9a13-47afcd2529d5" providerId="ADAL" clId="{6BCA3D97-B095-4A0D-B4D5-BEE60F3D314D}" dt="2022-11-25T20:40:26.553" v="1664" actId="47"/>
+        <pc:sldMkLst>
+          <pc:docMk/>
+          <pc:sldMk cId="1040366920" sldId="372"/>
+        </pc:sldMkLst>
+      </pc:sldChg>
+      <pc:sldChg chg="modSp add mod">
+        <pc:chgData name="Alison Kleffner" userId="0bed3509-e787-48f4-9a13-47afcd2529d5" providerId="ADAL" clId="{6BCA3D97-B095-4A0D-B4D5-BEE60F3D314D}" dt="2022-11-25T20:46:05.738" v="1818" actId="20577"/>
+        <pc:sldMkLst>
+          <pc:docMk/>
+          <pc:sldMk cId="630199728" sldId="373"/>
+        </pc:sldMkLst>
+        <pc:spChg chg="mod">
+          <ac:chgData name="Alison Kleffner" userId="0bed3509-e787-48f4-9a13-47afcd2529d5" providerId="ADAL" clId="{6BCA3D97-B095-4A0D-B4D5-BEE60F3D314D}" dt="2022-11-25T20:46:05.738" v="1818" actId="20577"/>
+          <ac:spMkLst>
+            <pc:docMk/>
+            <pc:sldMk cId="630199728" sldId="373"/>
+            <ac:spMk id="2" creationId="{4DC9CBA9-226B-4D33-C9F3-024FF1F3F4D2}"/>
+          </ac:spMkLst>
+        </pc:spChg>
+      </pc:sldChg>
     </pc:docChg>
   </pc:docChgLst>
 </pc:chgInfo>
+</file>
+
+<file path=ppt/diagrams/colors1.xml><?xml version="1.0" encoding="utf-8"?>
+<dgm:colorsDef xmlns:dgm="http://schemas.openxmlformats.org/drawingml/2006/diagram" xmlns:a="http://schemas.openxmlformats.org/drawingml/2006/main" uniqueId="urn:microsoft.com/office/officeart/2005/8/colors/colorful1">
+  <dgm:title val=""/>
+  <dgm:desc val=""/>
+  <dgm:catLst>
+    <dgm:cat type="colorful" pri="10100"/>
+  </dgm:catLst>
+  <dgm:styleLbl name="node0">
+    <dgm:fillClrLst meth="repeat">
+      <a:schemeClr val="accent1"/>
+    </dgm:fillClrLst>
+    <dgm:linClrLst meth="repeat">
+      <a:schemeClr val="lt1"/>
+    </dgm:linClrLst>
+    <dgm:effectClrLst/>
+    <dgm:txLinClrLst/>
+    <dgm:txFillClrLst/>
+    <dgm:txEffectClrLst/>
+  </dgm:styleLbl>
+  <dgm:styleLbl name="node1">
+    <dgm:fillClrLst meth="repeat">
+      <a:schemeClr val="accent2"/>
+      <a:schemeClr val="accent3"/>
+      <a:schemeClr val="accent4"/>
+      <a:schemeClr val="accent5"/>
+      <a:schemeClr val="accent6"/>
+    </dgm:fillClrLst>
+    <dgm:linClrLst meth="repeat">
+      <a:schemeClr val="lt1"/>
+    </dgm:linClrLst>
+    <dgm:effectClrLst/>
+    <dgm:txLinClrLst/>
+    <dgm:txFillClrLst/>
+    <dgm:txEffectClrLst/>
+  </dgm:styleLbl>
+  <dgm:styleLbl name="alignNode1">
+    <dgm:fillClrLst meth="repeat">
+      <a:schemeClr val="accent2"/>
+      <a:schemeClr val="accent3"/>
+      <a:schemeClr val="accent4"/>
+      <a:schemeClr val="accent5"/>
+      <a:schemeClr val="accent6"/>
+    </dgm:fillClrLst>
+    <dgm:linClrLst meth="repeat">
+      <a:schemeClr val="accent2"/>
+      <a:schemeClr val="accent3"/>
+      <a:schemeClr val="accent4"/>
+      <a:schemeClr val="accent5"/>
+      <a:schemeClr val="accent6"/>
+    </dgm:linClrLst>
+    <dgm:effectClrLst/>
+    <dgm:txLinClrLst/>
+    <dgm:txFillClrLst/>
+    <dgm:txEffectClrLst/>
+  </dgm:styleLbl>
+  <dgm:styleLbl name="lnNode1">
+    <dgm:fillClrLst meth="repeat">
+      <a:schemeClr val="accent2"/>
+      <a:schemeClr val="accent3"/>
+      <a:schemeClr val="accent4"/>
+      <a:schemeClr val="accent5"/>
+      <a:schemeClr val="accent6"/>
+    </dgm:fillClrLst>
+    <dgm:linClrLst meth="repeat">
+      <a:schemeClr val="lt1"/>
+    </dgm:linClrLst>
+    <dgm:effectClrLst/>
+    <dgm:txLinClrLst/>
+    <dgm:txFillClrLst/>
+    <dgm:txEffectClrLst/>
+  </dgm:styleLbl>
+  <dgm:styleLbl name="vennNode1">
+    <dgm:fillClrLst meth="repeat">
+      <a:schemeClr val="accent2">
+        <a:alpha val="50000"/>
+      </a:schemeClr>
+      <a:schemeClr val="accent3">
+        <a:alpha val="50000"/>
+      </a:schemeClr>
+      <a:schemeClr val="accent4">
+        <a:alpha val="50000"/>
+      </a:schemeClr>
+      <a:schemeClr val="accent5">
+        <a:alpha val="50000"/>
+      </a:schemeClr>
+      <a:schemeClr val="accent6">
+        <a:alpha val="50000"/>
+      </a:schemeClr>
+    </dgm:fillClrLst>
+    <dgm:linClrLst meth="repeat">
+      <a:schemeClr val="lt1"/>
+    </dgm:linClrLst>
+    <dgm:effectClrLst/>
+    <dgm:txLinClrLst/>
+    <dgm:txFillClrLst/>
+    <dgm:txEffectClrLst/>
+  </dgm:styleLbl>
+  <dgm:styleLbl name="node2">
+    <dgm:fillClrLst>
+      <a:schemeClr val="accent2"/>
+    </dgm:fillClrLst>
+    <dgm:linClrLst meth="repeat">
+      <a:schemeClr val="lt1"/>
+    </dgm:linClrLst>
+    <dgm:effectClrLst/>
+    <dgm:txLinClrLst/>
+    <dgm:txFillClrLst/>
+    <dgm:txEffectClrLst/>
+  </dgm:styleLbl>
+  <dgm:styleLbl name="node3">
+    <dgm:fillClrLst>
+      <a:schemeClr val="accent3"/>
+    </dgm:fillClrLst>
+    <dgm:linClrLst meth="repeat">
+      <a:schemeClr val="lt1"/>
+    </dgm:linClrLst>
+    <dgm:effectClrLst/>
+    <dgm:txLinClrLst/>
+    <dgm:txFillClrLst/>
+    <dgm:txEffectClrLst/>
+  </dgm:styleLbl>
+  <dgm:styleLbl name="node4">
+    <dgm:fillClrLst>
+      <a:schemeClr val="accent4"/>
+    </dgm:fillClrLst>
+    <dgm:linClrLst meth="repeat">
+      <a:schemeClr val="lt1"/>
+    </dgm:linClrLst>
+    <dgm:effectClrLst/>
+    <dgm:txLinClrLst/>
+    <dgm:txFillClrLst/>
+    <dgm:txEffectClrLst/>
+  </dgm:styleLbl>
+  <dgm:styleLbl name="fgImgPlace1">
+    <dgm:fillClrLst meth="repeat">
+      <a:schemeClr val="accent2">
+        <a:tint val="50000"/>
+      </a:schemeClr>
+      <a:schemeClr val="accent3">
+        <a:tint val="50000"/>
+      </a:schemeClr>
+      <a:schemeClr val="accent4">
+        <a:tint val="50000"/>
+      </a:schemeClr>
+      <a:schemeClr val="accent5">
+        <a:tint val="50000"/>
+      </a:schemeClr>
+      <a:schemeClr val="accent6">
+        <a:tint val="50000"/>
+      </a:schemeClr>
+    </dgm:fillClrLst>
+    <dgm:linClrLst meth="repeat">
+      <a:schemeClr val="lt1"/>
+    </dgm:linClrLst>
+    <dgm:effectClrLst/>
+    <dgm:txLinClrLst/>
+    <dgm:txFillClrLst meth="repeat">
+      <a:schemeClr val="lt1"/>
+    </dgm:txFillClrLst>
+    <dgm:txEffectClrLst/>
+  </dgm:styleLbl>
+  <dgm:styleLbl name="alignImgPlace1">
+    <dgm:fillClrLst>
+      <a:schemeClr val="accent1">
+        <a:tint val="50000"/>
+      </a:schemeClr>
+      <a:schemeClr val="accent2">
+        <a:tint val="20000"/>
+      </a:schemeClr>
+    </dgm:fillClrLst>
+    <dgm:linClrLst meth="repeat">
+      <a:schemeClr val="lt1"/>
+    </dgm:linClrLst>
+    <dgm:effectClrLst/>
+    <dgm:txLinClrLst/>
+    <dgm:txFillClrLst meth="repeat">
+      <a:schemeClr val="lt1"/>
+    </dgm:txFillClrLst>
+    <dgm:txEffectClrLst/>
+  </dgm:styleLbl>
+  <dgm:styleLbl name="bgImgPlace1">
+    <dgm:fillClrLst>
+      <a:schemeClr val="accent1">
+        <a:tint val="50000"/>
+      </a:schemeClr>
+      <a:schemeClr val="accent2">
+        <a:tint val="20000"/>
+      </a:schemeClr>
+    </dgm:fillClrLst>
+    <dgm:linClrLst meth="repeat">
+      <a:schemeClr val="lt1"/>
+    </dgm:linClrLst>
+    <dgm:effectClrLst/>
+    <dgm:txLinClrLst/>
+    <dgm:txFillClrLst meth="repeat">
+      <a:schemeClr val="lt1"/>
+    </dgm:txFillClrLst>
+    <dgm:txEffectClrLst/>
+  </dgm:styleLbl>
+  <dgm:styleLbl name="sibTrans2D1">
+    <dgm:fillClrLst meth="repeat">
+      <a:schemeClr val="accent2"/>
+      <a:schemeClr val="accent3"/>
+      <a:schemeClr val="accent4"/>
+      <a:schemeClr val="accent5"/>
+      <a:schemeClr val="accent6"/>
+    </dgm:fillClrLst>
+    <dgm:linClrLst meth="cycle">
+      <a:schemeClr val="lt1"/>
+    </dgm:linClrLst>
+    <dgm:effectClrLst/>
+    <dgm:txLinClrLst/>
+    <dgm:txFillClrLst/>
+    <dgm:txEffectClrLst/>
+  </dgm:styleLbl>
+  <dgm:styleLbl name="fgSibTrans2D1">
+    <dgm:fillClrLst meth="repeat">
+      <a:schemeClr val="accent2"/>
+      <a:schemeClr val="accent3"/>
+      <a:schemeClr val="accent4"/>
+      <a:schemeClr val="accent5"/>
+      <a:schemeClr val="accent6"/>
+    </dgm:fillClrLst>
+    <dgm:linClrLst meth="cycle">
+      <a:schemeClr val="lt1"/>
+    </dgm:linClrLst>
+    <dgm:effectClrLst/>
+    <dgm:txLinClrLst/>
+    <dgm:txFillClrLst meth="repeat">
+      <a:schemeClr val="lt1"/>
+    </dgm:txFillClrLst>
+    <dgm:txEffectClrLst/>
+  </dgm:styleLbl>
+  <dgm:styleLbl name="bgSibTrans2D1">
+    <dgm:fillClrLst meth="repeat">
+      <a:schemeClr val="accent2"/>
+      <a:schemeClr val="accent3"/>
+      <a:schemeClr val="accent4"/>
+      <a:schemeClr val="accent5"/>
+      <a:schemeClr val="accent6"/>
+    </dgm:fillClrLst>
+    <dgm:linClrLst meth="cycle">
+      <a:schemeClr val="lt1"/>
+    </dgm:linClrLst>
+    <dgm:effectClrLst/>
+    <dgm:txLinClrLst/>
+    <dgm:txFillClrLst meth="repeat">
+      <a:schemeClr val="lt1"/>
+    </dgm:txFillClrLst>
+    <dgm:txEffectClrLst/>
+  </dgm:styleLbl>
+  <dgm:styleLbl name="sibTrans1D1">
+    <dgm:fillClrLst meth="repeat">
+      <a:schemeClr val="accent2"/>
+      <a:schemeClr val="accent3"/>
+      <a:schemeClr val="accent4"/>
+      <a:schemeClr val="accent5"/>
+      <a:schemeClr val="accent6"/>
+    </dgm:fillClrLst>
+    <dgm:linClrLst meth="repeat">
+      <a:schemeClr val="accent2"/>
+      <a:schemeClr val="accent3"/>
+      <a:schemeClr val="accent4"/>
+      <a:schemeClr val="accent5"/>
+      <a:schemeClr val="accent6"/>
+    </dgm:linClrLst>
+    <dgm:effectClrLst/>
+    <dgm:txLinClrLst/>
+    <dgm:txFillClrLst meth="repeat">
+      <a:schemeClr val="tx1"/>
+    </dgm:txFillClrLst>
+    <dgm:txEffectClrLst/>
+  </dgm:styleLbl>
+  <dgm:styleLbl name="callout">
+    <dgm:fillClrLst meth="repeat">
+      <a:schemeClr val="accent2"/>
+    </dgm:fillClrLst>
+    <dgm:linClrLst meth="repeat">
+      <a:schemeClr val="accent2">
+        <a:tint val="50000"/>
+      </a:schemeClr>
+    </dgm:linClrLst>
+    <dgm:effectClrLst/>
+    <dgm:txLinClrLst/>
+    <dgm:txFillClrLst meth="repeat">
+      <a:schemeClr val="tx1"/>
+    </dgm:txFillClrLst>
+    <dgm:txEffectClrLst/>
+  </dgm:styleLbl>
+  <dgm:styleLbl name="asst0">
+    <dgm:fillClrLst meth="repeat">
+      <a:schemeClr val="accent1"/>
+    </dgm:fillClrLst>
+    <dgm:linClrLst meth="repeat">
+      <a:schemeClr val="lt1"/>
+    </dgm:linClrLst>
+    <dgm:effectClrLst/>
+    <dgm:txLinClrLst/>
+    <dgm:txFillClrLst/>
+    <dgm:txEffectClrLst/>
+  </dgm:styleLbl>
+  <dgm:styleLbl name="asst1">
+    <dgm:fillClrLst meth="repeat">
+      <a:schemeClr val="accent2"/>
+    </dgm:fillClrLst>
+    <dgm:linClrLst meth="repeat">
+      <a:schemeClr val="lt1"/>
+    </dgm:linClrLst>
+    <dgm:effectClrLst/>
+    <dgm:txLinClrLst/>
+    <dgm:txFillClrLst/>
+    <dgm:txEffectClrLst/>
+  </dgm:styleLbl>
+  <dgm:styleLbl name="asst2">
+    <dgm:fillClrLst>
+      <a:schemeClr val="accent3"/>
+    </dgm:fillClrLst>
+    <dgm:linClrLst meth="repeat">
+      <a:schemeClr val="lt1"/>
+    </dgm:linClrLst>
+    <dgm:effectClrLst/>
+    <dgm:txLinClrLst/>
+    <dgm:txFillClrLst/>
+    <dgm:txEffectClrLst/>
+  </dgm:styleLbl>
+  <dgm:styleLbl name="asst3">
+    <dgm:fillClrLst>
+      <a:schemeClr val="accent4"/>
+    </dgm:fillClrLst>
+    <dgm:linClrLst meth="repeat">
+      <a:schemeClr val="lt1"/>
+    </dgm:linClrLst>
+    <dgm:effectClrLst/>
+    <dgm:txLinClrLst/>
+    <dgm:txFillClrLst/>
+    <dgm:txEffectClrLst/>
+  </dgm:styleLbl>
+  <dgm:styleLbl name="asst4">
+    <dgm:fillClrLst>
+      <a:schemeClr val="accent5"/>
+    </dgm:fillClrLst>
+    <dgm:linClrLst meth="repeat">
+      <a:schemeClr val="lt1"/>
+    </dgm:linClrLst>
+    <dgm:effectClrLst/>
+    <dgm:txLinClrLst/>
+    <dgm:txFillClrLst/>
+    <dgm:txEffectClrLst/>
+  </dgm:styleLbl>
+  <dgm:styleLbl name="parChTrans2D1">
+    <dgm:fillClrLst meth="repeat">
+      <a:schemeClr val="accent2"/>
+    </dgm:fillClrLst>
+    <dgm:linClrLst meth="repeat">
+      <a:schemeClr val="lt1"/>
+    </dgm:linClrLst>
+    <dgm:effectClrLst/>
+    <dgm:txLinClrLst/>
+    <dgm:txFillClrLst meth="repeat">
+      <a:schemeClr val="lt1"/>
+    </dgm:txFillClrLst>
+    <dgm:txEffectClrLst/>
+  </dgm:styleLbl>
+  <dgm:styleLbl name="parChTrans2D2">
+    <dgm:fillClrLst meth="repeat">
+      <a:schemeClr val="accent3"/>
+    </dgm:fillClrLst>
+    <dgm:linClrLst meth="repeat">
+      <a:schemeClr val="lt1"/>
+    </dgm:linClrLst>
+    <dgm:effectClrLst/>
+    <dgm:txLinClrLst/>
+    <dgm:txFillClrLst/>
+    <dgm:txEffectClrLst/>
+  </dgm:styleLbl>
+  <dgm:styleLbl name="parChTrans2D3">
+    <dgm:fillClrLst meth="repeat">
+      <a:schemeClr val="accent4"/>
+    </dgm:fillClrLst>
+    <dgm:linClrLst meth="repeat">
+      <a:schemeClr val="lt1"/>
+    </dgm:linClrLst>
+    <dgm:effectClrLst/>
+    <dgm:txLinClrLst/>
+    <dgm:txFillClrLst/>
+    <dgm:txEffectClrLst/>
+  </dgm:styleLbl>
+  <dgm:styleLbl name="parChTrans2D4">
+    <dgm:fillClrLst meth="repeat">
+      <a:schemeClr val="accent5"/>
+    </dgm:fillClrLst>
+    <dgm:linClrLst meth="repeat">
+      <a:schemeClr val="lt1"/>
+    </dgm:linClrLst>
+    <dgm:effectClrLst/>
+    <dgm:txLinClrLst/>
+    <dgm:txFillClrLst meth="repeat">
+      <a:schemeClr val="lt1"/>
+    </dgm:txFillClrLst>
+    <dgm:txEffectClrLst/>
+  </dgm:styleLbl>
+  <dgm:styleLbl name="parChTrans1D1">
+    <dgm:fillClrLst meth="repeat">
+      <a:schemeClr val="accent2"/>
+    </dgm:fillClrLst>
+    <dgm:linClrLst meth="repeat">
+      <a:schemeClr val="accent1"/>
+    </dgm:linClrLst>
+    <dgm:effectClrLst/>
+    <dgm:txLinClrLst/>
+    <dgm:txFillClrLst meth="repeat">
+      <a:schemeClr val="tx1"/>
+    </dgm:txFillClrLst>
+    <dgm:txEffectClrLst/>
+  </dgm:styleLbl>
+  <dgm:styleLbl name="parChTrans1D2">
+    <dgm:fillClrLst meth="repeat">
+      <a:schemeClr val="accent3">
+        <a:tint val="90000"/>
+      </a:schemeClr>
+    </dgm:fillClrLst>
+    <dgm:linClrLst meth="repeat">
+      <a:schemeClr val="accent2"/>
+    </dgm:linClrLst>
+    <dgm:effectClrLst/>
+    <dgm:txLinClrLst/>
+    <dgm:txFillClrLst meth="repeat">
+      <a:schemeClr val="tx1"/>
+    </dgm:txFillClrLst>
+    <dgm:txEffectClrLst/>
+  </dgm:styleLbl>
+  <dgm:styleLbl name="parChTrans1D3">
+    <dgm:fillClrLst meth="repeat">
+      <a:schemeClr val="accent4">
+        <a:tint val="70000"/>
+      </a:schemeClr>
+    </dgm:fillClrLst>
+    <dgm:linClrLst meth="repeat">
+      <a:schemeClr val="accent3"/>
+    </dgm:linClrLst>
+    <dgm:effectClrLst/>
+    <dgm:txLinClrLst/>
+    <dgm:txFillClrLst meth="repeat">
+      <a:schemeClr val="tx1"/>
+    </dgm:txFillClrLst>
+    <dgm:txEffectClrLst/>
+  </dgm:styleLbl>
+  <dgm:styleLbl name="parChTrans1D4">
+    <dgm:fillClrLst meth="repeat">
+      <a:schemeClr val="accent5">
+        <a:tint val="50000"/>
+      </a:schemeClr>
+    </dgm:fillClrLst>
+    <dgm:linClrLst meth="repeat">
+      <a:schemeClr val="accent4"/>
+    </dgm:linClrLst>
+    <dgm:effectClrLst/>
+    <dgm:txLinClrLst/>
+    <dgm:txFillClrLst meth="repeat">
+      <a:schemeClr val="tx1"/>
+    </dgm:txFillClrLst>
+    <dgm:txEffectClrLst/>
+  </dgm:styleLbl>
+  <dgm:styleLbl name="fgAcc1">
+    <dgm:fillClrLst meth="repeat">
+      <a:schemeClr val="lt1">
+        <a:alpha val="90000"/>
+      </a:schemeClr>
+    </dgm:fillClrLst>
+    <dgm:linClrLst meth="repeat">
+      <a:schemeClr val="accent2"/>
+      <a:schemeClr val="accent3"/>
+      <a:schemeClr val="accent4"/>
+      <a:schemeClr val="accent5"/>
+      <a:schemeClr val="accent6"/>
+    </dgm:linClrLst>
+    <dgm:effectClrLst/>
+    <dgm:txLinClrLst/>
+    <dgm:txFillClrLst meth="repeat">
+      <a:schemeClr val="dk1"/>
+    </dgm:txFillClrLst>
+    <dgm:txEffectClrLst/>
+  </dgm:styleLbl>
+  <dgm:styleLbl name="conFgAcc1">
+    <dgm:fillClrLst meth="repeat">
+      <a:schemeClr val="lt1">
+        <a:alpha val="90000"/>
+      </a:schemeClr>
+    </dgm:fillClrLst>
+    <dgm:linClrLst meth="repeat">
+      <a:schemeClr val="accent2"/>
+      <a:schemeClr val="accent3"/>
+      <a:schemeClr val="accent4"/>
+      <a:schemeClr val="accent5"/>
+      <a:schemeClr val="accent6"/>
+    </dgm:linClrLst>
+    <dgm:effectClrLst/>
+    <dgm:txLinClrLst/>
+    <dgm:txFillClrLst meth="repeat">
+      <a:schemeClr val="dk1"/>
+    </dgm:txFillClrLst>
+    <dgm:txEffectClrLst/>
+  </dgm:styleLbl>
+  <dgm:styleLbl name="alignAcc1">
+    <dgm:fillClrLst meth="repeat">
+      <a:schemeClr val="lt1">
+        <a:alpha val="90000"/>
+      </a:schemeClr>
+    </dgm:fillClrLst>
+    <dgm:linClrLst meth="repeat">
+      <a:schemeClr val="accent2"/>
+      <a:schemeClr val="accent3"/>
+      <a:schemeClr val="accent4"/>
+      <a:schemeClr val="accent5"/>
+      <a:schemeClr val="accent6"/>
+    </dgm:linClrLst>
+    <dgm:effectClrLst/>
+    <dgm:txLinClrLst/>
+    <dgm:txFillClrLst meth="repeat">
+      <a:schemeClr val="dk1"/>
+    </dgm:txFillClrLst>
+    <dgm:txEffectClrLst/>
+  </dgm:styleLbl>
+  <dgm:styleLbl name="trAlignAcc1">
+    <dgm:fillClrLst meth="repeat">
+      <a:schemeClr val="lt1">
+        <a:alpha val="40000"/>
+      </a:schemeClr>
+    </dgm:fillClrLst>
+    <dgm:linClrLst meth="repeat">
+      <a:schemeClr val="accent1"/>
+    </dgm:linClrLst>
+    <dgm:effectClrLst/>
+    <dgm:txLinClrLst/>
+    <dgm:txFillClrLst meth="repeat">
+      <a:schemeClr val="dk1"/>
+    </dgm:txFillClrLst>
+    <dgm:txEffectClrLst/>
+  </dgm:styleLbl>
+  <dgm:styleLbl name="bgAcc1">
+    <dgm:fillClrLst meth="repeat">
+      <a:schemeClr val="lt1">
+        <a:alpha val="90000"/>
+      </a:schemeClr>
+    </dgm:fillClrLst>
+    <dgm:linClrLst meth="repeat">
+      <a:schemeClr val="accent2"/>
+      <a:schemeClr val="accent3"/>
+      <a:schemeClr val="accent4"/>
+      <a:schemeClr val="accent5"/>
+      <a:schemeClr val="accent6"/>
+    </dgm:linClrLst>
+    <dgm:effectClrLst/>
+    <dgm:txLinClrLst/>
+    <dgm:txFillClrLst meth="repeat">
+      <a:schemeClr val="dk1"/>
+    </dgm:txFillClrLst>
+    <dgm:txEffectClrLst/>
+  </dgm:styleLbl>
+  <dgm:styleLbl name="solidFgAcc1">
+    <dgm:fillClrLst meth="repeat">
+      <a:schemeClr val="lt1"/>
+    </dgm:fillClrLst>
+    <dgm:linClrLst meth="repeat">
+      <a:schemeClr val="accent2"/>
+      <a:schemeClr val="accent3"/>
+      <a:schemeClr val="accent4"/>
+      <a:schemeClr val="accent5"/>
+      <a:schemeClr val="accent6"/>
+    </dgm:linClrLst>
+    <dgm:effectClrLst/>
+    <dgm:txLinClrLst/>
+    <dgm:txFillClrLst meth="repeat">
+      <a:schemeClr val="dk1"/>
+    </dgm:txFillClrLst>
+    <dgm:txEffectClrLst/>
+  </dgm:styleLbl>
+  <dgm:styleLbl name="solidAlignAcc1">
+    <dgm:fillClrLst meth="repeat">
+      <a:schemeClr val="lt1"/>
+    </dgm:fillClrLst>
+    <dgm:linClrLst meth="repeat">
+      <a:schemeClr val="accent2"/>
+      <a:schemeClr val="accent3"/>
+      <a:schemeClr val="accent4"/>
+      <a:schemeClr val="accent5"/>
+      <a:schemeClr val="accent6"/>
+    </dgm:linClrLst>
+    <dgm:effectClrLst/>
+    <dgm:txLinClrLst/>
+    <dgm:txFillClrLst meth="repeat">
+      <a:schemeClr val="dk1"/>
+    </dgm:txFillClrLst>
+    <dgm:txEffectClrLst/>
+  </dgm:styleLbl>
+  <dgm:styleLbl name="solidBgAcc1">
+    <dgm:fillClrLst meth="repeat">
+      <a:schemeClr val="lt1"/>
+    </dgm:fillClrLst>
+    <dgm:linClrLst meth="repeat">
+      <a:schemeClr val="accent2"/>
+      <a:schemeClr val="accent3"/>
+      <a:schemeClr val="accent4"/>
+      <a:schemeClr val="accent5"/>
+      <a:schemeClr val="accent6"/>
+    </dgm:linClrLst>
+    <dgm:effectClrLst/>
+    <dgm:txLinClrLst/>
+    <dgm:txFillClrLst meth="repeat">
+      <a:schemeClr val="dk1"/>
+    </dgm:txFillClrLst>
+    <dgm:txEffectClrLst/>
+  </dgm:styleLbl>
+  <dgm:styleLbl name="fgAccFollowNode1">
+    <dgm:fillClrLst meth="repeat">
+      <a:schemeClr val="accent2">
+        <a:tint val="40000"/>
+        <a:alpha val="90000"/>
+      </a:schemeClr>
+      <a:schemeClr val="accent3">
+        <a:tint val="40000"/>
+        <a:alpha val="90000"/>
+      </a:schemeClr>
+      <a:schemeClr val="accent4">
+        <a:tint val="40000"/>
+        <a:alpha val="90000"/>
+      </a:schemeClr>
+      <a:schemeClr val="accent5">
+        <a:tint val="40000"/>
+        <a:alpha val="90000"/>
+      </a:schemeClr>
+      <a:schemeClr val="accent6">
+        <a:tint val="40000"/>
+        <a:alpha val="90000"/>
+      </a:schemeClr>
+    </dgm:fillClrLst>
+    <dgm:linClrLst meth="repeat">
+      <a:schemeClr val="accent2">
+        <a:tint val="40000"/>
+        <a:alpha val="90000"/>
+      </a:schemeClr>
+      <a:schemeClr val="accent3">
+        <a:tint val="40000"/>
+        <a:alpha val="90000"/>
+      </a:schemeClr>
+      <a:schemeClr val="accent4">
+        <a:tint val="40000"/>
+        <a:alpha val="90000"/>
+      </a:schemeClr>
+      <a:schemeClr val="accent5">
+        <a:tint val="40000"/>
+        <a:alpha val="90000"/>
+      </a:schemeClr>
+      <a:schemeClr val="accent6">
+        <a:tint val="40000"/>
+        <a:alpha val="90000"/>
+      </a:schemeClr>
+    </dgm:linClrLst>
+    <dgm:effectClrLst/>
+    <dgm:txLinClrLst/>
+    <dgm:txFillClrLst meth="repeat">
+      <a:schemeClr val="dk1"/>
+    </dgm:txFillClrLst>
+    <dgm:txEffectClrLst/>
+  </dgm:styleLbl>
+  <dgm:styleLbl name="alignAccFollowNode1">
+    <dgm:fillClrLst meth="repeat">
+      <a:schemeClr val="accent2">
+        <a:tint val="40000"/>
+        <a:alpha val="90000"/>
+      </a:schemeClr>
+      <a:schemeClr val="accent3">
+        <a:tint val="40000"/>
+        <a:alpha val="90000"/>
+      </a:schemeClr>
+      <a:schemeClr val="accent4">
+        <a:tint val="40000"/>
+        <a:alpha val="90000"/>
+      </a:schemeClr>
+      <a:schemeClr val="accent5">
+        <a:tint val="40000"/>
+        <a:alpha val="90000"/>
+      </a:schemeClr>
+      <a:schemeClr val="accent6">
+        <a:tint val="40000"/>
+        <a:alpha val="90000"/>
+      </a:schemeClr>
+    </dgm:fillClrLst>
+    <dgm:linClrLst meth="repeat">
+      <a:schemeClr val="accent2">
+        <a:tint val="40000"/>
+        <a:alpha val="90000"/>
+      </a:schemeClr>
+      <a:schemeClr val="accent3">
+        <a:tint val="40000"/>
+        <a:alpha val="90000"/>
+      </a:schemeClr>
+      <a:schemeClr val="accent4">
+        <a:tint val="40000"/>
+        <a:alpha val="90000"/>
+      </a:schemeClr>
+      <a:schemeClr val="accent5">
+        <a:tint val="40000"/>
+        <a:alpha val="90000"/>
+      </a:schemeClr>
+      <a:schemeClr val="accent6">
+        <a:tint val="40000"/>
+        <a:alpha val="90000"/>
+      </a:schemeClr>
+    </dgm:linClrLst>
+    <dgm:effectClrLst/>
+    <dgm:txLinClrLst/>
+    <dgm:txFillClrLst meth="repeat">
+      <a:schemeClr val="dk1"/>
+    </dgm:txFillClrLst>
+    <dgm:txEffectClrLst/>
+  </dgm:styleLbl>
+  <dgm:styleLbl name="bgAccFollowNode1">
+    <dgm:fillClrLst meth="repeat">
+      <a:schemeClr val="accent2">
+        <a:tint val="40000"/>
+        <a:alpha val="90000"/>
+      </a:schemeClr>
+      <a:schemeClr val="accent3">
+        <a:tint val="40000"/>
+        <a:alpha val="90000"/>
+      </a:schemeClr>
+      <a:schemeClr val="accent4">
+        <a:tint val="40000"/>
+        <a:alpha val="90000"/>
+      </a:schemeClr>
+      <a:schemeClr val="accent5">
+        <a:tint val="40000"/>
+        <a:alpha val="90000"/>
+      </a:schemeClr>
+      <a:schemeClr val="accent6">
+        <a:tint val="40000"/>
+        <a:alpha val="90000"/>
+      </a:schemeClr>
+    </dgm:fillClrLst>
+    <dgm:linClrLst meth="repeat">
+      <a:schemeClr val="accent2">
+        <a:tint val="40000"/>
+        <a:alpha val="90000"/>
+      </a:schemeClr>
+      <a:schemeClr val="accent3">
+        <a:tint val="40000"/>
+        <a:alpha val="90000"/>
+      </a:schemeClr>
+      <a:schemeClr val="accent4">
+        <a:tint val="40000"/>
+        <a:alpha val="90000"/>
+      </a:schemeClr>
+      <a:schemeClr val="accent5">
+        <a:tint val="40000"/>
+        <a:alpha val="90000"/>
+      </a:schemeClr>
+      <a:schemeClr val="accent6">
+        <a:tint val="40000"/>
+        <a:alpha val="90000"/>
+      </a:schemeClr>
+    </dgm:linClrLst>
+    <dgm:effectClrLst/>
+    <dgm:txLinClrLst/>
+    <dgm:txFillClrLst meth="repeat">
+      <a:schemeClr val="dk1"/>
+    </dgm:txFillClrLst>
+    <dgm:txEffectClrLst/>
+  </dgm:styleLbl>
+  <dgm:styleLbl name="fgAcc0">
+    <dgm:fillClrLst meth="repeat">
+      <a:schemeClr val="lt1">
+        <a:alpha val="90000"/>
+      </a:schemeClr>
+    </dgm:fillClrLst>
+    <dgm:linClrLst>
+      <a:schemeClr val="accent1"/>
+    </dgm:linClrLst>
+    <dgm:effectClrLst/>
+    <dgm:txLinClrLst/>
+    <dgm:txFillClrLst meth="repeat">
+      <a:schemeClr val="dk1"/>
+    </dgm:txFillClrLst>
+    <dgm:txEffectClrLst/>
+  </dgm:styleLbl>
+  <dgm:styleLbl name="fgAcc2">
+    <dgm:fillClrLst meth="repeat">
+      <a:schemeClr val="lt1">
+        <a:alpha val="90000"/>
+      </a:schemeClr>
+    </dgm:fillClrLst>
+    <dgm:linClrLst>
+      <a:schemeClr val="accent2"/>
+    </dgm:linClrLst>
+    <dgm:effectClrLst/>
+    <dgm:txLinClrLst/>
+    <dgm:txFillClrLst meth="repeat">
+      <a:schemeClr val="dk1"/>
+    </dgm:txFillClrLst>
+    <dgm:txEffectClrLst/>
+  </dgm:styleLbl>
+  <dgm:styleLbl name="fgAcc3">
+    <dgm:fillClrLst meth="repeat">
+      <a:schemeClr val="lt1">
+        <a:alpha val="90000"/>
+      </a:schemeClr>
+    </dgm:fillClrLst>
+    <dgm:linClrLst>
+      <a:schemeClr val="accent3"/>
+    </dgm:linClrLst>
+    <dgm:effectClrLst/>
+    <dgm:txLinClrLst/>
+    <dgm:txFillClrLst meth="repeat">
+      <a:schemeClr val="dk1"/>
+    </dgm:txFillClrLst>
+    <dgm:txEffectClrLst/>
+  </dgm:styleLbl>
+  <dgm:styleLbl name="fgAcc4">
+    <dgm:fillClrLst meth="repeat">
+      <a:schemeClr val="lt1">
+        <a:alpha val="90000"/>
+      </a:schemeClr>
+    </dgm:fillClrLst>
+    <dgm:linClrLst>
+      <a:schemeClr val="accent4"/>
+    </dgm:linClrLst>
+    <dgm:effectClrLst/>
+    <dgm:txLinClrLst/>
+    <dgm:txFillClrLst meth="repeat">
+      <a:schemeClr val="dk1"/>
+    </dgm:txFillClrLst>
+    <dgm:txEffectClrLst/>
+  </dgm:styleLbl>
+  <dgm:styleLbl name="bgShp">
+    <dgm:fillClrLst meth="repeat">
+      <a:schemeClr val="accent2">
+        <a:tint val="40000"/>
+      </a:schemeClr>
+    </dgm:fillClrLst>
+    <dgm:linClrLst meth="repeat">
+      <a:schemeClr val="dk1"/>
+    </dgm:linClrLst>
+    <dgm:effectClrLst/>
+    <dgm:txLinClrLst/>
+    <dgm:txFillClrLst meth="repeat">
+      <a:schemeClr val="dk1"/>
+    </dgm:txFillClrLst>
+    <dgm:txEffectClrLst/>
+  </dgm:styleLbl>
+  <dgm:styleLbl name="dkBgShp">
+    <dgm:fillClrLst meth="repeat">
+      <a:schemeClr val="accent2">
+        <a:shade val="90000"/>
+      </a:schemeClr>
+    </dgm:fillClrLst>
+    <dgm:linClrLst meth="repeat">
+      <a:schemeClr val="dk1"/>
+    </dgm:linClrLst>
+    <dgm:effectClrLst/>
+    <dgm:txLinClrLst/>
+    <dgm:txFillClrLst meth="repeat">
+      <a:schemeClr val="lt1"/>
+    </dgm:txFillClrLst>
+    <dgm:txEffectClrLst/>
+  </dgm:styleLbl>
+  <dgm:styleLbl name="trBgShp">
+    <dgm:fillClrLst meth="repeat">
+      <a:schemeClr val="accent1">
+        <a:tint val="50000"/>
+        <a:alpha val="40000"/>
+      </a:schemeClr>
+    </dgm:fillClrLst>
+    <dgm:linClrLst meth="repeat">
+      <a:schemeClr val="accent2"/>
+    </dgm:linClrLst>
+    <dgm:effectClrLst/>
+    <dgm:txLinClrLst/>
+    <dgm:txFillClrLst meth="repeat">
+      <a:schemeClr val="lt1"/>
+    </dgm:txFillClrLst>
+    <dgm:txEffectClrLst/>
+  </dgm:styleLbl>
+  <dgm:styleLbl name="fgShp">
+    <dgm:fillClrLst meth="repeat">
+      <a:schemeClr val="accent2">
+        <a:tint val="40000"/>
+      </a:schemeClr>
+    </dgm:fillClrLst>
+    <dgm:linClrLst meth="repeat">
+      <a:schemeClr val="lt1"/>
+    </dgm:linClrLst>
+    <dgm:effectClrLst/>
+    <dgm:txLinClrLst/>
+    <dgm:txFillClrLst meth="repeat">
+      <a:schemeClr val="dk1"/>
+    </dgm:txFillClrLst>
+    <dgm:txEffectClrLst/>
+  </dgm:styleLbl>
+  <dgm:styleLbl name="revTx">
+    <dgm:fillClrLst meth="repeat">
+      <a:schemeClr val="lt1">
+        <a:alpha val="0"/>
+      </a:schemeClr>
+    </dgm:fillClrLst>
+    <dgm:linClrLst meth="repeat">
+      <a:schemeClr val="dk1">
+        <a:alpha val="0"/>
+      </a:schemeClr>
+    </dgm:linClrLst>
+    <dgm:effectClrLst/>
+    <dgm:txLinClrLst/>
+    <dgm:txFillClrLst meth="repeat">
+      <a:schemeClr val="tx1"/>
+    </dgm:txFillClrLst>
+    <dgm:txEffectClrLst/>
+  </dgm:styleLbl>
+</dgm:colorsDef>
+</file>
+
+<file path=ppt/diagrams/data1.xml><?xml version="1.0" encoding="utf-8"?>
+<dgm:dataModel xmlns:dgm="http://schemas.openxmlformats.org/drawingml/2006/diagram" xmlns:a="http://schemas.openxmlformats.org/drawingml/2006/main">
+  <dgm:ptLst>
+    <dgm:pt modelId="{B3D3DFBE-9239-45B0-BD1A-10BAB9D0D5CA}" type="doc">
+      <dgm:prSet loTypeId="urn:microsoft.com/office/officeart/2005/8/layout/list1" loCatId="list" qsTypeId="urn:microsoft.com/office/officeart/2005/8/quickstyle/simple1" qsCatId="simple" csTypeId="urn:microsoft.com/office/officeart/2005/8/colors/colorful1" csCatId="colorful" phldr="1"/>
+      <dgm:spPr/>
+      <dgm:t>
+        <a:bodyPr/>
+        <a:lstStyle/>
+        <a:p>
+          <a:endParaRPr lang="en-US"/>
+        </a:p>
+      </dgm:t>
+    </dgm:pt>
+    <dgm:pt modelId="{2C64552C-F3AC-48EA-8A40-8DD019A5F1E2}">
+      <dgm:prSet custT="1"/>
+      <dgm:spPr/>
+      <dgm:t>
+        <a:bodyPr/>
+        <a:lstStyle/>
+        <a:p>
+          <a:r>
+            <a:rPr lang="en-US" sz="1800" b="1" dirty="0"/>
+            <a:t>1. Convenience Sampling</a:t>
+          </a:r>
+          <a:endParaRPr lang="en-US" sz="1800" dirty="0"/>
+        </a:p>
+      </dgm:t>
+    </dgm:pt>
+    <dgm:pt modelId="{F5EEDA67-1D1B-442B-BEE9-B995DF2F4BCB}" type="parTrans" cxnId="{45417048-EF41-493F-AE9B-E11B8FD9E793}">
+      <dgm:prSet/>
+      <dgm:spPr/>
+      <dgm:t>
+        <a:bodyPr/>
+        <a:lstStyle/>
+        <a:p>
+          <a:endParaRPr lang="en-US"/>
+        </a:p>
+      </dgm:t>
+    </dgm:pt>
+    <dgm:pt modelId="{3D32E473-CCF1-4A0C-B87B-CE6AEAC37378}" type="sibTrans" cxnId="{45417048-EF41-493F-AE9B-E11B8FD9E793}">
+      <dgm:prSet/>
+      <dgm:spPr/>
+      <dgm:t>
+        <a:bodyPr/>
+        <a:lstStyle/>
+        <a:p>
+          <a:endParaRPr lang="en-US"/>
+        </a:p>
+      </dgm:t>
+    </dgm:pt>
+    <dgm:pt modelId="{9C14C10E-3BD3-46EC-BCEF-266DC654D5D2}">
+      <dgm:prSet custT="1"/>
+      <dgm:spPr/>
+      <dgm:t>
+        <a:bodyPr/>
+        <a:lstStyle/>
+        <a:p>
+          <a:r>
+            <a:rPr lang="en-US" sz="1800" dirty="0"/>
+            <a:t>Not a very good way to select a sample </a:t>
+          </a:r>
+        </a:p>
+      </dgm:t>
+    </dgm:pt>
+    <dgm:pt modelId="{2C09004A-3DB8-4D87-9BBD-374989AB79AB}" type="parTrans" cxnId="{365BF200-FCCD-43B7-843B-177EDD4AEA0C}">
+      <dgm:prSet/>
+      <dgm:spPr/>
+      <dgm:t>
+        <a:bodyPr/>
+        <a:lstStyle/>
+        <a:p>
+          <a:endParaRPr lang="en-US"/>
+        </a:p>
+      </dgm:t>
+    </dgm:pt>
+    <dgm:pt modelId="{8387861E-CDDD-4A83-BE6A-DC3D6E3B89D1}" type="sibTrans" cxnId="{365BF200-FCCD-43B7-843B-177EDD4AEA0C}">
+      <dgm:prSet/>
+      <dgm:spPr/>
+      <dgm:t>
+        <a:bodyPr/>
+        <a:lstStyle/>
+        <a:p>
+          <a:endParaRPr lang="en-US"/>
+        </a:p>
+      </dgm:t>
+    </dgm:pt>
+    <dgm:pt modelId="{3E7416E8-FDB5-4061-81E5-431D0294935F}">
+      <dgm:prSet custT="1"/>
+      <dgm:spPr/>
+      <dgm:t>
+        <a:bodyPr/>
+        <a:lstStyle/>
+        <a:p>
+          <a:r>
+            <a:rPr lang="en-US" sz="1800" dirty="0"/>
+            <a:t>Essentially just go out and pick a set observational units. </a:t>
+          </a:r>
+        </a:p>
+      </dgm:t>
+    </dgm:pt>
+    <dgm:pt modelId="{77382C44-3CAD-4B89-95ED-E7508EB667AF}" type="parTrans" cxnId="{F40D2E9D-8D22-48E6-AEBD-482574431230}">
+      <dgm:prSet/>
+      <dgm:spPr/>
+      <dgm:t>
+        <a:bodyPr/>
+        <a:lstStyle/>
+        <a:p>
+          <a:endParaRPr lang="en-US"/>
+        </a:p>
+      </dgm:t>
+    </dgm:pt>
+    <dgm:pt modelId="{D804BABD-25F2-4CDC-9F26-6209CD8DD377}" type="sibTrans" cxnId="{F40D2E9D-8D22-48E6-AEBD-482574431230}">
+      <dgm:prSet/>
+      <dgm:spPr/>
+      <dgm:t>
+        <a:bodyPr/>
+        <a:lstStyle/>
+        <a:p>
+          <a:endParaRPr lang="en-US"/>
+        </a:p>
+      </dgm:t>
+    </dgm:pt>
+    <dgm:pt modelId="{15CBE525-6B5A-4522-9D6F-47C0EF10F76A}">
+      <dgm:prSet custT="1"/>
+      <dgm:spPr/>
+      <dgm:t>
+        <a:bodyPr/>
+        <a:lstStyle/>
+        <a:p>
+          <a:r>
+            <a:rPr lang="en-US" sz="1800" dirty="0"/>
+            <a:t>Relies on human judgment</a:t>
+          </a:r>
+          <a:r>
+            <a:rPr lang="en-US" sz="1800" i="1" dirty="0"/>
+            <a:t>.</a:t>
+          </a:r>
+          <a:endParaRPr lang="en-US" sz="1800" dirty="0"/>
+        </a:p>
+      </dgm:t>
+    </dgm:pt>
+    <dgm:pt modelId="{BDCD06DA-FD78-408F-890A-494CAF5DFCA4}" type="parTrans" cxnId="{4C6C1016-0BE5-4D01-AD01-3BFA30623E2B}">
+      <dgm:prSet/>
+      <dgm:spPr/>
+      <dgm:t>
+        <a:bodyPr/>
+        <a:lstStyle/>
+        <a:p>
+          <a:endParaRPr lang="en-US"/>
+        </a:p>
+      </dgm:t>
+    </dgm:pt>
+    <dgm:pt modelId="{A48DD3C3-EC9D-492D-9DCB-48DC763F5262}" type="sibTrans" cxnId="{4C6C1016-0BE5-4D01-AD01-3BFA30623E2B}">
+      <dgm:prSet/>
+      <dgm:spPr/>
+      <dgm:t>
+        <a:bodyPr/>
+        <a:lstStyle/>
+        <a:p>
+          <a:endParaRPr lang="en-US"/>
+        </a:p>
+      </dgm:t>
+    </dgm:pt>
+    <dgm:pt modelId="{C18AEAE5-04FD-434D-BE72-A980054C0757}">
+      <dgm:prSet custT="1"/>
+      <dgm:spPr/>
+      <dgm:t>
+        <a:bodyPr/>
+        <a:lstStyle/>
+        <a:p>
+          <a:r>
+            <a:rPr lang="en-US" sz="1800" b="1" dirty="0"/>
+            <a:t>2.   Simple Random Sample</a:t>
+          </a:r>
+          <a:endParaRPr lang="en-US" sz="1800" dirty="0"/>
+        </a:p>
+      </dgm:t>
+    </dgm:pt>
+    <dgm:pt modelId="{5908BE4F-61E5-4B8C-ADF2-F81E6218AF13}" type="parTrans" cxnId="{5E1944D3-85D0-4155-B890-88BCAF322722}">
+      <dgm:prSet/>
+      <dgm:spPr/>
+      <dgm:t>
+        <a:bodyPr/>
+        <a:lstStyle/>
+        <a:p>
+          <a:endParaRPr lang="en-US"/>
+        </a:p>
+      </dgm:t>
+    </dgm:pt>
+    <dgm:pt modelId="{F1CC6523-044B-4308-8960-284AA09EFF8F}" type="sibTrans" cxnId="{5E1944D3-85D0-4155-B890-88BCAF322722}">
+      <dgm:prSet/>
+      <dgm:spPr/>
+      <dgm:t>
+        <a:bodyPr/>
+        <a:lstStyle/>
+        <a:p>
+          <a:endParaRPr lang="en-US"/>
+        </a:p>
+      </dgm:t>
+    </dgm:pt>
+    <dgm:pt modelId="{29ED82B8-244E-43A0-BAF3-F7DC10A69685}">
+      <dgm:prSet custT="1"/>
+      <dgm:spPr/>
+      <dgm:t>
+        <a:bodyPr/>
+        <a:lstStyle/>
+        <a:p>
+          <a:r>
+            <a:rPr lang="en-US" sz="1600" dirty="0"/>
+            <a:t>Every population member has an equal probability of being chosen</a:t>
+          </a:r>
+        </a:p>
+      </dgm:t>
+    </dgm:pt>
+    <dgm:pt modelId="{512D2C4C-F2C1-4259-9BB4-A8160488C45F}" type="parTrans" cxnId="{4A8B6275-E719-4C20-BFF8-14B503C8C86C}">
+      <dgm:prSet/>
+      <dgm:spPr/>
+      <dgm:t>
+        <a:bodyPr/>
+        <a:lstStyle/>
+        <a:p>
+          <a:endParaRPr lang="en-US"/>
+        </a:p>
+      </dgm:t>
+    </dgm:pt>
+    <dgm:pt modelId="{09CCCC7A-C4ED-4AEB-B5A7-D3A9BAD8D996}" type="sibTrans" cxnId="{4A8B6275-E719-4C20-BFF8-14B503C8C86C}">
+      <dgm:prSet/>
+      <dgm:spPr/>
+      <dgm:t>
+        <a:bodyPr/>
+        <a:lstStyle/>
+        <a:p>
+          <a:endParaRPr lang="en-US"/>
+        </a:p>
+      </dgm:t>
+    </dgm:pt>
+    <dgm:pt modelId="{9D33BEA8-64E3-49FA-B933-1E23B4FB5F26}">
+      <dgm:prSet custT="1"/>
+      <dgm:spPr/>
+      <dgm:t>
+        <a:bodyPr/>
+        <a:lstStyle/>
+        <a:p>
+          <a:r>
+            <a:rPr lang="en-US" sz="1600" b="1" dirty="0"/>
+            <a:t>Allows us to generalize our results to the entire population</a:t>
+          </a:r>
+          <a:endParaRPr lang="en-US" sz="1600" dirty="0"/>
+        </a:p>
+      </dgm:t>
+    </dgm:pt>
+    <dgm:pt modelId="{9798DFE8-E831-4167-A4CF-F6CF81507EBC}" type="parTrans" cxnId="{128DAD78-2B49-462C-BD4F-67C6ED1BD49E}">
+      <dgm:prSet/>
+      <dgm:spPr/>
+      <dgm:t>
+        <a:bodyPr/>
+        <a:lstStyle/>
+        <a:p>
+          <a:endParaRPr lang="en-US"/>
+        </a:p>
+      </dgm:t>
+    </dgm:pt>
+    <dgm:pt modelId="{BC4AD3E8-F61C-4735-807A-D54DBD34B758}" type="sibTrans" cxnId="{128DAD78-2B49-462C-BD4F-67C6ED1BD49E}">
+      <dgm:prSet/>
+      <dgm:spPr/>
+      <dgm:t>
+        <a:bodyPr/>
+        <a:lstStyle/>
+        <a:p>
+          <a:endParaRPr lang="en-US"/>
+        </a:p>
+      </dgm:t>
+    </dgm:pt>
+    <dgm:pt modelId="{B22BC579-0C17-4A91-8CAF-3B056EE00B7C}">
+      <dgm:prSet custT="1"/>
+      <dgm:spPr/>
+      <dgm:t>
+        <a:bodyPr/>
+        <a:lstStyle/>
+        <a:p>
+          <a:r>
+            <a:rPr lang="en-US" sz="1600"/>
+            <a:t>How does it work?</a:t>
+          </a:r>
+        </a:p>
+      </dgm:t>
+    </dgm:pt>
+    <dgm:pt modelId="{3D609035-7B27-4ECC-B9DD-E6F8A0F65272}" type="parTrans" cxnId="{BDAA2394-447D-497F-843D-BCEE7E927924}">
+      <dgm:prSet/>
+      <dgm:spPr/>
+      <dgm:t>
+        <a:bodyPr/>
+        <a:lstStyle/>
+        <a:p>
+          <a:endParaRPr lang="en-US"/>
+        </a:p>
+      </dgm:t>
+    </dgm:pt>
+    <dgm:pt modelId="{5569CE9C-3A28-48CE-86EA-07416FEBA77A}" type="sibTrans" cxnId="{BDAA2394-447D-497F-843D-BCEE7E927924}">
+      <dgm:prSet/>
+      <dgm:spPr/>
+      <dgm:t>
+        <a:bodyPr/>
+        <a:lstStyle/>
+        <a:p>
+          <a:endParaRPr lang="en-US"/>
+        </a:p>
+      </dgm:t>
+    </dgm:pt>
+    <dgm:pt modelId="{C4932C70-51A4-4B50-8C60-36C93E073D26}">
+      <dgm:prSet custT="1"/>
+      <dgm:spPr/>
+      <dgm:t>
+        <a:bodyPr/>
+        <a:lstStyle/>
+        <a:p>
+          <a:r>
+            <a:rPr lang="en-US" sz="1600" dirty="0"/>
+            <a:t>A simple random sample is when you choose individually randomly from the sampling frame and each individual has the same chance of being selected.</a:t>
+          </a:r>
+        </a:p>
+      </dgm:t>
+    </dgm:pt>
+    <dgm:pt modelId="{1ACE32E8-4C47-4E6A-AF01-03BEBCA48959}" type="parTrans" cxnId="{E568F070-9C54-42EA-B443-77CBFBE52043}">
+      <dgm:prSet/>
+      <dgm:spPr/>
+      <dgm:t>
+        <a:bodyPr/>
+        <a:lstStyle/>
+        <a:p>
+          <a:endParaRPr lang="en-US"/>
+        </a:p>
+      </dgm:t>
+    </dgm:pt>
+    <dgm:pt modelId="{C8166131-1F97-4725-A068-63B0C1A83198}" type="sibTrans" cxnId="{E568F070-9C54-42EA-B443-77CBFBE52043}">
+      <dgm:prSet/>
+      <dgm:spPr/>
+      <dgm:t>
+        <a:bodyPr/>
+        <a:lstStyle/>
+        <a:p>
+          <a:endParaRPr lang="en-US"/>
+        </a:p>
+      </dgm:t>
+    </dgm:pt>
+    <dgm:pt modelId="{32F4B372-AB36-4FDB-BF57-4B42A50C937A}">
+      <dgm:prSet custT="1"/>
+      <dgm:spPr/>
+      <dgm:t>
+        <a:bodyPr/>
+        <a:lstStyle/>
+        <a:p>
+          <a:r>
+            <a:rPr lang="en-US" sz="1600" dirty="0"/>
+            <a:t>A </a:t>
+          </a:r>
+          <a:r>
+            <a:rPr lang="en-US" sz="1600" b="1" dirty="0"/>
+            <a:t>sampling frame </a:t>
+          </a:r>
+          <a:r>
+            <a:rPr lang="en-US" sz="1600" dirty="0"/>
+            <a:t>is a list of all the individual in the population of interest</a:t>
+          </a:r>
+        </a:p>
+      </dgm:t>
+    </dgm:pt>
+    <dgm:pt modelId="{E73327F6-A81A-42AD-AF31-2CD9D7A04293}" type="parTrans" cxnId="{EC1FBEDC-5B22-442C-B66A-4A3AF51B8D83}">
+      <dgm:prSet/>
+      <dgm:spPr/>
+      <dgm:t>
+        <a:bodyPr/>
+        <a:lstStyle/>
+        <a:p>
+          <a:endParaRPr lang="en-US"/>
+        </a:p>
+      </dgm:t>
+    </dgm:pt>
+    <dgm:pt modelId="{BEE2A497-8116-4A45-B751-64B3F53E6F32}" type="sibTrans" cxnId="{EC1FBEDC-5B22-442C-B66A-4A3AF51B8D83}">
+      <dgm:prSet/>
+      <dgm:spPr/>
+      <dgm:t>
+        <a:bodyPr/>
+        <a:lstStyle/>
+        <a:p>
+          <a:endParaRPr lang="en-US"/>
+        </a:p>
+      </dgm:t>
+    </dgm:pt>
+    <dgm:pt modelId="{C6FAE2E8-3174-4517-A81A-12FA1541B4E9}" type="pres">
+      <dgm:prSet presAssocID="{B3D3DFBE-9239-45B0-BD1A-10BAB9D0D5CA}" presName="linear" presStyleCnt="0">
+        <dgm:presLayoutVars>
+          <dgm:dir/>
+          <dgm:animLvl val="lvl"/>
+          <dgm:resizeHandles val="exact"/>
+        </dgm:presLayoutVars>
+      </dgm:prSet>
+      <dgm:spPr/>
+    </dgm:pt>
+    <dgm:pt modelId="{84740B98-4DB6-4298-9D6C-606F05F1375C}" type="pres">
+      <dgm:prSet presAssocID="{2C64552C-F3AC-48EA-8A40-8DD019A5F1E2}" presName="parentLin" presStyleCnt="0"/>
+      <dgm:spPr/>
+    </dgm:pt>
+    <dgm:pt modelId="{1A881270-8259-4EFC-B071-11827DE7308E}" type="pres">
+      <dgm:prSet presAssocID="{2C64552C-F3AC-48EA-8A40-8DD019A5F1E2}" presName="parentLeftMargin" presStyleLbl="node1" presStyleIdx="0" presStyleCnt="2"/>
+      <dgm:spPr/>
+    </dgm:pt>
+    <dgm:pt modelId="{2A3A64C3-B7CB-4813-9713-7CDE9AAF90FB}" type="pres">
+      <dgm:prSet presAssocID="{2C64552C-F3AC-48EA-8A40-8DD019A5F1E2}" presName="parentText" presStyleLbl="node1" presStyleIdx="0" presStyleCnt="2" custLinFactNeighborX="-8252" custLinFactNeighborY="-3707">
+        <dgm:presLayoutVars>
+          <dgm:chMax val="0"/>
+          <dgm:bulletEnabled val="1"/>
+        </dgm:presLayoutVars>
+      </dgm:prSet>
+      <dgm:spPr/>
+    </dgm:pt>
+    <dgm:pt modelId="{C589C3CC-DA60-47B8-8777-96F19D92626D}" type="pres">
+      <dgm:prSet presAssocID="{2C64552C-F3AC-48EA-8A40-8DD019A5F1E2}" presName="negativeSpace" presStyleCnt="0"/>
+      <dgm:spPr/>
+    </dgm:pt>
+    <dgm:pt modelId="{FC315121-D442-4763-82BE-5AE66FA23E99}" type="pres">
+      <dgm:prSet presAssocID="{2C64552C-F3AC-48EA-8A40-8DD019A5F1E2}" presName="childText" presStyleLbl="conFgAcc1" presStyleIdx="0" presStyleCnt="2" custScaleX="100000" custScaleY="91742">
+        <dgm:presLayoutVars>
+          <dgm:bulletEnabled val="1"/>
+        </dgm:presLayoutVars>
+      </dgm:prSet>
+      <dgm:spPr/>
+    </dgm:pt>
+    <dgm:pt modelId="{91563015-0600-4070-B987-6FFEEA23960A}" type="pres">
+      <dgm:prSet presAssocID="{3D32E473-CCF1-4A0C-B87B-CE6AEAC37378}" presName="spaceBetweenRectangles" presStyleCnt="0"/>
+      <dgm:spPr/>
+    </dgm:pt>
+    <dgm:pt modelId="{4E8D687A-D463-4C6F-AC57-673BDF146635}" type="pres">
+      <dgm:prSet presAssocID="{C18AEAE5-04FD-434D-BE72-A980054C0757}" presName="parentLin" presStyleCnt="0"/>
+      <dgm:spPr/>
+    </dgm:pt>
+    <dgm:pt modelId="{5476CBB5-6818-488A-8DB4-001000A9B4A8}" type="pres">
+      <dgm:prSet presAssocID="{C18AEAE5-04FD-434D-BE72-A980054C0757}" presName="parentLeftMargin" presStyleLbl="node1" presStyleIdx="0" presStyleCnt="2"/>
+      <dgm:spPr/>
+    </dgm:pt>
+    <dgm:pt modelId="{615F456D-5F3D-4FBF-8C73-16465EB832A9}" type="pres">
+      <dgm:prSet presAssocID="{C18AEAE5-04FD-434D-BE72-A980054C0757}" presName="parentText" presStyleLbl="node1" presStyleIdx="1" presStyleCnt="2">
+        <dgm:presLayoutVars>
+          <dgm:chMax val="0"/>
+          <dgm:bulletEnabled val="1"/>
+        </dgm:presLayoutVars>
+      </dgm:prSet>
+      <dgm:spPr/>
+    </dgm:pt>
+    <dgm:pt modelId="{32E8A006-5911-43A9-921F-D9A8A75B751C}" type="pres">
+      <dgm:prSet presAssocID="{C18AEAE5-04FD-434D-BE72-A980054C0757}" presName="negativeSpace" presStyleCnt="0"/>
+      <dgm:spPr/>
+    </dgm:pt>
+    <dgm:pt modelId="{2EBB5B2C-93FD-435D-9479-60BC7EC9C22F}" type="pres">
+      <dgm:prSet presAssocID="{C18AEAE5-04FD-434D-BE72-A980054C0757}" presName="childText" presStyleLbl="conFgAcc1" presStyleIdx="1" presStyleCnt="2">
+        <dgm:presLayoutVars>
+          <dgm:bulletEnabled val="1"/>
+        </dgm:presLayoutVars>
+      </dgm:prSet>
+      <dgm:spPr/>
+    </dgm:pt>
+  </dgm:ptLst>
+  <dgm:cxnLst>
+    <dgm:cxn modelId="{365BF200-FCCD-43B7-843B-177EDD4AEA0C}" srcId="{2C64552C-F3AC-48EA-8A40-8DD019A5F1E2}" destId="{9C14C10E-3BD3-46EC-BCEF-266DC654D5D2}" srcOrd="0" destOrd="0" parTransId="{2C09004A-3DB8-4D87-9BBD-374989AB79AB}" sibTransId="{8387861E-CDDD-4A83-BE6A-DC3D6E3B89D1}"/>
+    <dgm:cxn modelId="{A9151B0A-D601-4FDE-B278-AD2A7BA7D35E}" type="presOf" srcId="{B3D3DFBE-9239-45B0-BD1A-10BAB9D0D5CA}" destId="{C6FAE2E8-3174-4517-A81A-12FA1541B4E9}" srcOrd="0" destOrd="0" presId="urn:microsoft.com/office/officeart/2005/8/layout/list1"/>
+    <dgm:cxn modelId="{69B88F11-C1F5-4B1F-832D-B3B43A39D826}" type="presOf" srcId="{B22BC579-0C17-4A91-8CAF-3B056EE00B7C}" destId="{2EBB5B2C-93FD-435D-9479-60BC7EC9C22F}" srcOrd="0" destOrd="2" presId="urn:microsoft.com/office/officeart/2005/8/layout/list1"/>
+    <dgm:cxn modelId="{43AD0416-0524-4F13-AE37-66872208EFAD}" type="presOf" srcId="{C18AEAE5-04FD-434D-BE72-A980054C0757}" destId="{615F456D-5F3D-4FBF-8C73-16465EB832A9}" srcOrd="1" destOrd="0" presId="urn:microsoft.com/office/officeart/2005/8/layout/list1"/>
+    <dgm:cxn modelId="{4C6C1016-0BE5-4D01-AD01-3BFA30623E2B}" srcId="{2C64552C-F3AC-48EA-8A40-8DD019A5F1E2}" destId="{15CBE525-6B5A-4522-9D6F-47C0EF10F76A}" srcOrd="2" destOrd="0" parTransId="{BDCD06DA-FD78-408F-890A-494CAF5DFCA4}" sibTransId="{A48DD3C3-EC9D-492D-9DCB-48DC763F5262}"/>
+    <dgm:cxn modelId="{DE47FF18-55C3-45C1-8015-379B9773A3C2}" type="presOf" srcId="{9C14C10E-3BD3-46EC-BCEF-266DC654D5D2}" destId="{FC315121-D442-4763-82BE-5AE66FA23E99}" srcOrd="0" destOrd="0" presId="urn:microsoft.com/office/officeart/2005/8/layout/list1"/>
+    <dgm:cxn modelId="{0DB26D2B-7B6E-4BCB-B93B-6B1078AF76AB}" type="presOf" srcId="{C4932C70-51A4-4B50-8C60-36C93E073D26}" destId="{2EBB5B2C-93FD-435D-9479-60BC7EC9C22F}" srcOrd="0" destOrd="3" presId="urn:microsoft.com/office/officeart/2005/8/layout/list1"/>
+    <dgm:cxn modelId="{96272E2D-30D1-4F49-B2E5-2B3D7A978B44}" type="presOf" srcId="{2C64552C-F3AC-48EA-8A40-8DD019A5F1E2}" destId="{2A3A64C3-B7CB-4813-9713-7CDE9AAF90FB}" srcOrd="1" destOrd="0" presId="urn:microsoft.com/office/officeart/2005/8/layout/list1"/>
+    <dgm:cxn modelId="{45417048-EF41-493F-AE9B-E11B8FD9E793}" srcId="{B3D3DFBE-9239-45B0-BD1A-10BAB9D0D5CA}" destId="{2C64552C-F3AC-48EA-8A40-8DD019A5F1E2}" srcOrd="0" destOrd="0" parTransId="{F5EEDA67-1D1B-442B-BEE9-B995DF2F4BCB}" sibTransId="{3D32E473-CCF1-4A0C-B87B-CE6AEAC37378}"/>
+    <dgm:cxn modelId="{B572994A-6FF8-47BA-A5DD-71CE9BF63C4B}" type="presOf" srcId="{3E7416E8-FDB5-4061-81E5-431D0294935F}" destId="{FC315121-D442-4763-82BE-5AE66FA23E99}" srcOrd="0" destOrd="1" presId="urn:microsoft.com/office/officeart/2005/8/layout/list1"/>
+    <dgm:cxn modelId="{B796556F-D1C5-45D5-88BF-06D058EEBFDF}" type="presOf" srcId="{32F4B372-AB36-4FDB-BF57-4B42A50C937A}" destId="{2EBB5B2C-93FD-435D-9479-60BC7EC9C22F}" srcOrd="0" destOrd="4" presId="urn:microsoft.com/office/officeart/2005/8/layout/list1"/>
+    <dgm:cxn modelId="{E568F070-9C54-42EA-B443-77CBFBE52043}" srcId="{B22BC579-0C17-4A91-8CAF-3B056EE00B7C}" destId="{C4932C70-51A4-4B50-8C60-36C93E073D26}" srcOrd="0" destOrd="0" parTransId="{1ACE32E8-4C47-4E6A-AF01-03BEBCA48959}" sibTransId="{C8166131-1F97-4725-A068-63B0C1A83198}"/>
+    <dgm:cxn modelId="{4A8B6275-E719-4C20-BFF8-14B503C8C86C}" srcId="{C18AEAE5-04FD-434D-BE72-A980054C0757}" destId="{29ED82B8-244E-43A0-BAF3-F7DC10A69685}" srcOrd="0" destOrd="0" parTransId="{512D2C4C-F2C1-4259-9BB4-A8160488C45F}" sibTransId="{09CCCC7A-C4ED-4AEB-B5A7-D3A9BAD8D996}"/>
+    <dgm:cxn modelId="{408EDA75-78B5-479A-96CA-0D77F2CFF270}" type="presOf" srcId="{29ED82B8-244E-43A0-BAF3-F7DC10A69685}" destId="{2EBB5B2C-93FD-435D-9479-60BC7EC9C22F}" srcOrd="0" destOrd="0" presId="urn:microsoft.com/office/officeart/2005/8/layout/list1"/>
+    <dgm:cxn modelId="{128DAD78-2B49-462C-BD4F-67C6ED1BD49E}" srcId="{C18AEAE5-04FD-434D-BE72-A980054C0757}" destId="{9D33BEA8-64E3-49FA-B933-1E23B4FB5F26}" srcOrd="1" destOrd="0" parTransId="{9798DFE8-E831-4167-A4CF-F6CF81507EBC}" sibTransId="{BC4AD3E8-F61C-4735-807A-D54DBD34B758}"/>
+    <dgm:cxn modelId="{A1220794-9516-49D8-9643-53E6192874E8}" type="presOf" srcId="{2C64552C-F3AC-48EA-8A40-8DD019A5F1E2}" destId="{1A881270-8259-4EFC-B071-11827DE7308E}" srcOrd="0" destOrd="0" presId="urn:microsoft.com/office/officeart/2005/8/layout/list1"/>
+    <dgm:cxn modelId="{BDAA2394-447D-497F-843D-BCEE7E927924}" srcId="{C18AEAE5-04FD-434D-BE72-A980054C0757}" destId="{B22BC579-0C17-4A91-8CAF-3B056EE00B7C}" srcOrd="2" destOrd="0" parTransId="{3D609035-7B27-4ECC-B9DD-E6F8A0F65272}" sibTransId="{5569CE9C-3A28-48CE-86EA-07416FEBA77A}"/>
+    <dgm:cxn modelId="{F40D2E9D-8D22-48E6-AEBD-482574431230}" srcId="{2C64552C-F3AC-48EA-8A40-8DD019A5F1E2}" destId="{3E7416E8-FDB5-4061-81E5-431D0294935F}" srcOrd="1" destOrd="0" parTransId="{77382C44-3CAD-4B89-95ED-E7508EB667AF}" sibTransId="{D804BABD-25F2-4CDC-9F26-6209CD8DD377}"/>
+    <dgm:cxn modelId="{4122B4A4-104F-48EB-AEFE-E3D29E823E99}" type="presOf" srcId="{C18AEAE5-04FD-434D-BE72-A980054C0757}" destId="{5476CBB5-6818-488A-8DB4-001000A9B4A8}" srcOrd="0" destOrd="0" presId="urn:microsoft.com/office/officeart/2005/8/layout/list1"/>
+    <dgm:cxn modelId="{D0C689C8-91F3-4F97-BBE3-C515064001B0}" type="presOf" srcId="{15CBE525-6B5A-4522-9D6F-47C0EF10F76A}" destId="{FC315121-D442-4763-82BE-5AE66FA23E99}" srcOrd="0" destOrd="2" presId="urn:microsoft.com/office/officeart/2005/8/layout/list1"/>
+    <dgm:cxn modelId="{5E1944D3-85D0-4155-B890-88BCAF322722}" srcId="{B3D3DFBE-9239-45B0-BD1A-10BAB9D0D5CA}" destId="{C18AEAE5-04FD-434D-BE72-A980054C0757}" srcOrd="1" destOrd="0" parTransId="{5908BE4F-61E5-4B8C-ADF2-F81E6218AF13}" sibTransId="{F1CC6523-044B-4308-8960-284AA09EFF8F}"/>
+    <dgm:cxn modelId="{55F196D9-1FA0-48A7-A4D3-26B504CA8621}" type="presOf" srcId="{9D33BEA8-64E3-49FA-B933-1E23B4FB5F26}" destId="{2EBB5B2C-93FD-435D-9479-60BC7EC9C22F}" srcOrd="0" destOrd="1" presId="urn:microsoft.com/office/officeart/2005/8/layout/list1"/>
+    <dgm:cxn modelId="{EC1FBEDC-5B22-442C-B66A-4A3AF51B8D83}" srcId="{B22BC579-0C17-4A91-8CAF-3B056EE00B7C}" destId="{32F4B372-AB36-4FDB-BF57-4B42A50C937A}" srcOrd="1" destOrd="0" parTransId="{E73327F6-A81A-42AD-AF31-2CD9D7A04293}" sibTransId="{BEE2A497-8116-4A45-B751-64B3F53E6F32}"/>
+    <dgm:cxn modelId="{BFB3D122-F066-4D67-88A6-A1FD15E758F6}" type="presParOf" srcId="{C6FAE2E8-3174-4517-A81A-12FA1541B4E9}" destId="{84740B98-4DB6-4298-9D6C-606F05F1375C}" srcOrd="0" destOrd="0" presId="urn:microsoft.com/office/officeart/2005/8/layout/list1"/>
+    <dgm:cxn modelId="{C547BB01-867D-4A32-8F0F-406C422202FA}" type="presParOf" srcId="{84740B98-4DB6-4298-9D6C-606F05F1375C}" destId="{1A881270-8259-4EFC-B071-11827DE7308E}" srcOrd="0" destOrd="0" presId="urn:microsoft.com/office/officeart/2005/8/layout/list1"/>
+    <dgm:cxn modelId="{89B2D91C-1F55-4126-AA99-734800A16253}" type="presParOf" srcId="{84740B98-4DB6-4298-9D6C-606F05F1375C}" destId="{2A3A64C3-B7CB-4813-9713-7CDE9AAF90FB}" srcOrd="1" destOrd="0" presId="urn:microsoft.com/office/officeart/2005/8/layout/list1"/>
+    <dgm:cxn modelId="{ADAD17D4-34F3-4371-B989-66AFCDA1289E}" type="presParOf" srcId="{C6FAE2E8-3174-4517-A81A-12FA1541B4E9}" destId="{C589C3CC-DA60-47B8-8777-96F19D92626D}" srcOrd="1" destOrd="0" presId="urn:microsoft.com/office/officeart/2005/8/layout/list1"/>
+    <dgm:cxn modelId="{CE2B449A-1308-459F-9EEB-7B326F9C19C4}" type="presParOf" srcId="{C6FAE2E8-3174-4517-A81A-12FA1541B4E9}" destId="{FC315121-D442-4763-82BE-5AE66FA23E99}" srcOrd="2" destOrd="0" presId="urn:microsoft.com/office/officeart/2005/8/layout/list1"/>
+    <dgm:cxn modelId="{5B883345-613F-4D47-B870-641BE4130CA1}" type="presParOf" srcId="{C6FAE2E8-3174-4517-A81A-12FA1541B4E9}" destId="{91563015-0600-4070-B987-6FFEEA23960A}" srcOrd="3" destOrd="0" presId="urn:microsoft.com/office/officeart/2005/8/layout/list1"/>
+    <dgm:cxn modelId="{C0654FB2-EA3F-4593-9140-A49CEE73C975}" type="presParOf" srcId="{C6FAE2E8-3174-4517-A81A-12FA1541B4E9}" destId="{4E8D687A-D463-4C6F-AC57-673BDF146635}" srcOrd="4" destOrd="0" presId="urn:microsoft.com/office/officeart/2005/8/layout/list1"/>
+    <dgm:cxn modelId="{3C7F2ADE-3772-4259-A349-829415C5ADBD}" type="presParOf" srcId="{4E8D687A-D463-4C6F-AC57-673BDF146635}" destId="{5476CBB5-6818-488A-8DB4-001000A9B4A8}" srcOrd="0" destOrd="0" presId="urn:microsoft.com/office/officeart/2005/8/layout/list1"/>
+    <dgm:cxn modelId="{4E553867-257F-4DEB-BBEB-7482D02F8BFC}" type="presParOf" srcId="{4E8D687A-D463-4C6F-AC57-673BDF146635}" destId="{615F456D-5F3D-4FBF-8C73-16465EB832A9}" srcOrd="1" destOrd="0" presId="urn:microsoft.com/office/officeart/2005/8/layout/list1"/>
+    <dgm:cxn modelId="{09BBFC02-4C0F-4061-BE92-C9AADC594D3D}" type="presParOf" srcId="{C6FAE2E8-3174-4517-A81A-12FA1541B4E9}" destId="{32E8A006-5911-43A9-921F-D9A8A75B751C}" srcOrd="5" destOrd="0" presId="urn:microsoft.com/office/officeart/2005/8/layout/list1"/>
+    <dgm:cxn modelId="{E322CFC2-BF03-4A0B-8ED0-C4DBFEBE6A4F}" type="presParOf" srcId="{C6FAE2E8-3174-4517-A81A-12FA1541B4E9}" destId="{2EBB5B2C-93FD-435D-9479-60BC7EC9C22F}" srcOrd="6" destOrd="0" presId="urn:microsoft.com/office/officeart/2005/8/layout/list1"/>
+  </dgm:cxnLst>
+  <dgm:bg/>
+  <dgm:whole/>
+  <dgm:extLst>
+    <a:ext uri="http://schemas.microsoft.com/office/drawing/2008/diagram">
+      <dsp:dataModelExt xmlns:dsp="http://schemas.microsoft.com/office/drawing/2008/diagram" relId="rId6" minVer="http://schemas.openxmlformats.org/drawingml/2006/diagram"/>
+    </a:ext>
+  </dgm:extLst>
+</dgm:dataModel>
+</file>
+
+<file path=ppt/diagrams/drawing1.xml><?xml version="1.0" encoding="utf-8"?>
+<dsp:drawing xmlns:dgm="http://schemas.openxmlformats.org/drawingml/2006/diagram" xmlns:dsp="http://schemas.microsoft.com/office/drawing/2008/diagram" xmlns:a="http://schemas.openxmlformats.org/drawingml/2006/main">
+  <dsp:spTree>
+    <dsp:nvGrpSpPr>
+      <dsp:cNvPr id="0" name=""/>
+      <dsp:cNvGrpSpPr/>
+    </dsp:nvGrpSpPr>
+    <dsp:grpSpPr/>
+    <dsp:sp modelId="{FC315121-D442-4763-82BE-5AE66FA23E99}">
+      <dsp:nvSpPr>
+        <dsp:cNvPr id="0" name=""/>
+        <dsp:cNvSpPr/>
+      </dsp:nvSpPr>
+      <dsp:spPr>
+        <a:xfrm>
+          <a:off x="0" y="413992"/>
+          <a:ext cx="7772400" cy="1404478"/>
+        </a:xfrm>
+        <a:prstGeom prst="rect">
+          <a:avLst/>
+        </a:prstGeom>
+        <a:solidFill>
+          <a:schemeClr val="lt1">
+            <a:alpha val="90000"/>
+            <a:hueOff val="0"/>
+            <a:satOff val="0"/>
+            <a:lumOff val="0"/>
+            <a:alphaOff val="0"/>
+          </a:schemeClr>
+        </a:solidFill>
+        <a:ln w="15875" cap="flat" cmpd="sng" algn="ctr">
+          <a:solidFill>
+            <a:schemeClr val="accent2">
+              <a:hueOff val="0"/>
+              <a:satOff val="0"/>
+              <a:lumOff val="0"/>
+              <a:alphaOff val="0"/>
+            </a:schemeClr>
+          </a:solidFill>
+          <a:prstDash val="solid"/>
+        </a:ln>
+        <a:effectLst/>
+      </dsp:spPr>
+      <dsp:style>
+        <a:lnRef idx="2">
+          <a:scrgbClr r="0" g="0" b="0"/>
+        </a:lnRef>
+        <a:fillRef idx="1">
+          <a:scrgbClr r="0" g="0" b="0"/>
+        </a:fillRef>
+        <a:effectRef idx="0">
+          <a:scrgbClr r="0" g="0" b="0"/>
+        </a:effectRef>
+        <a:fontRef idx="minor"/>
+      </dsp:style>
+      <dsp:txBody>
+        <a:bodyPr spcFirstLastPara="0" vert="horz" wrap="square" lIns="603225" tIns="437388" rIns="603225" bIns="128016" numCol="1" spcCol="1270" anchor="t" anchorCtr="0">
+          <a:noAutofit/>
+        </a:bodyPr>
+        <a:lstStyle/>
+        <a:p>
+          <a:pPr marL="171450" lvl="1" indent="-171450" algn="l" defTabSz="800100">
+            <a:lnSpc>
+              <a:spcPct val="90000"/>
+            </a:lnSpc>
+            <a:spcBef>
+              <a:spcPct val="0"/>
+            </a:spcBef>
+            <a:spcAft>
+              <a:spcPct val="15000"/>
+            </a:spcAft>
+            <a:buChar char="•"/>
+          </a:pPr>
+          <a:r>
+            <a:rPr lang="en-US" sz="1800" kern="1200" dirty="0"/>
+            <a:t>Not a very good way to select a sample </a:t>
+          </a:r>
+        </a:p>
+        <a:p>
+          <a:pPr marL="171450" lvl="1" indent="-171450" algn="l" defTabSz="800100">
+            <a:lnSpc>
+              <a:spcPct val="90000"/>
+            </a:lnSpc>
+            <a:spcBef>
+              <a:spcPct val="0"/>
+            </a:spcBef>
+            <a:spcAft>
+              <a:spcPct val="15000"/>
+            </a:spcAft>
+            <a:buChar char="•"/>
+          </a:pPr>
+          <a:r>
+            <a:rPr lang="en-US" sz="1800" kern="1200" dirty="0"/>
+            <a:t>Essentially just go out and pick a set observational units. </a:t>
+          </a:r>
+        </a:p>
+        <a:p>
+          <a:pPr marL="171450" lvl="1" indent="-171450" algn="l" defTabSz="800100">
+            <a:lnSpc>
+              <a:spcPct val="90000"/>
+            </a:lnSpc>
+            <a:spcBef>
+              <a:spcPct val="0"/>
+            </a:spcBef>
+            <a:spcAft>
+              <a:spcPct val="15000"/>
+            </a:spcAft>
+            <a:buChar char="•"/>
+          </a:pPr>
+          <a:r>
+            <a:rPr lang="en-US" sz="1800" kern="1200" dirty="0"/>
+            <a:t>Relies on human judgment</a:t>
+          </a:r>
+          <a:r>
+            <a:rPr lang="en-US" sz="1800" i="1" kern="1200" dirty="0"/>
+            <a:t>.</a:t>
+          </a:r>
+          <a:endParaRPr lang="en-US" sz="1800" kern="1200" dirty="0"/>
+        </a:p>
+      </dsp:txBody>
+      <dsp:txXfrm>
+        <a:off x="0" y="413992"/>
+        <a:ext cx="7772400" cy="1404478"/>
+      </dsp:txXfrm>
+    </dsp:sp>
+    <dsp:sp modelId="{2A3A64C3-B7CB-4813-9713-7CDE9AAF90FB}">
+      <dsp:nvSpPr>
+        <dsp:cNvPr id="0" name=""/>
+        <dsp:cNvSpPr/>
+      </dsp:nvSpPr>
+      <dsp:spPr>
+        <a:xfrm>
+          <a:off x="356551" y="0"/>
+          <a:ext cx="5440680" cy="797040"/>
+        </a:xfrm>
+        <a:prstGeom prst="roundRect">
+          <a:avLst/>
+        </a:prstGeom>
+        <a:solidFill>
+          <a:schemeClr val="accent2">
+            <a:hueOff val="0"/>
+            <a:satOff val="0"/>
+            <a:lumOff val="0"/>
+            <a:alphaOff val="0"/>
+          </a:schemeClr>
+        </a:solidFill>
+        <a:ln w="15875" cap="flat" cmpd="sng" algn="ctr">
+          <a:solidFill>
+            <a:schemeClr val="lt1">
+              <a:hueOff val="0"/>
+              <a:satOff val="0"/>
+              <a:lumOff val="0"/>
+              <a:alphaOff val="0"/>
+            </a:schemeClr>
+          </a:solidFill>
+          <a:prstDash val="solid"/>
+        </a:ln>
+        <a:effectLst/>
+      </dsp:spPr>
+      <dsp:style>
+        <a:lnRef idx="2">
+          <a:scrgbClr r="0" g="0" b="0"/>
+        </a:lnRef>
+        <a:fillRef idx="1">
+          <a:scrgbClr r="0" g="0" b="0"/>
+        </a:fillRef>
+        <a:effectRef idx="0">
+          <a:scrgbClr r="0" g="0" b="0"/>
+        </a:effectRef>
+        <a:fontRef idx="minor">
+          <a:schemeClr val="lt1"/>
+        </a:fontRef>
+      </dsp:style>
+      <dsp:txBody>
+        <a:bodyPr spcFirstLastPara="0" vert="horz" wrap="square" lIns="205645" tIns="0" rIns="205645" bIns="0" numCol="1" spcCol="1270" anchor="ctr" anchorCtr="0">
+          <a:noAutofit/>
+        </a:bodyPr>
+        <a:lstStyle/>
+        <a:p>
+          <a:pPr marL="0" lvl="0" indent="0" algn="l" defTabSz="800100">
+            <a:lnSpc>
+              <a:spcPct val="90000"/>
+            </a:lnSpc>
+            <a:spcBef>
+              <a:spcPct val="0"/>
+            </a:spcBef>
+            <a:spcAft>
+              <a:spcPct val="35000"/>
+            </a:spcAft>
+            <a:buNone/>
+          </a:pPr>
+          <a:r>
+            <a:rPr lang="en-US" sz="1800" b="1" kern="1200" dirty="0"/>
+            <a:t>1. Convenience Sampling</a:t>
+          </a:r>
+          <a:endParaRPr lang="en-US" sz="1800" kern="1200" dirty="0"/>
+        </a:p>
+      </dsp:txBody>
+      <dsp:txXfrm>
+        <a:off x="395459" y="38908"/>
+        <a:ext cx="5362864" cy="719224"/>
+      </dsp:txXfrm>
+    </dsp:sp>
+    <dsp:sp modelId="{2EBB5B2C-93FD-435D-9479-60BC7EC9C22F}">
+      <dsp:nvSpPr>
+        <dsp:cNvPr id="0" name=""/>
+        <dsp:cNvSpPr/>
+      </dsp:nvSpPr>
+      <dsp:spPr>
+        <a:xfrm>
+          <a:off x="0" y="2362790"/>
+          <a:ext cx="7772400" cy="2423925"/>
+        </a:xfrm>
+        <a:prstGeom prst="rect">
+          <a:avLst/>
+        </a:prstGeom>
+        <a:solidFill>
+          <a:schemeClr val="lt1">
+            <a:alpha val="90000"/>
+            <a:hueOff val="0"/>
+            <a:satOff val="0"/>
+            <a:lumOff val="0"/>
+            <a:alphaOff val="0"/>
+          </a:schemeClr>
+        </a:solidFill>
+        <a:ln w="15875" cap="flat" cmpd="sng" algn="ctr">
+          <a:solidFill>
+            <a:schemeClr val="accent3">
+              <a:hueOff val="0"/>
+              <a:satOff val="0"/>
+              <a:lumOff val="0"/>
+              <a:alphaOff val="0"/>
+            </a:schemeClr>
+          </a:solidFill>
+          <a:prstDash val="solid"/>
+        </a:ln>
+        <a:effectLst/>
+      </dsp:spPr>
+      <dsp:style>
+        <a:lnRef idx="2">
+          <a:scrgbClr r="0" g="0" b="0"/>
+        </a:lnRef>
+        <a:fillRef idx="1">
+          <a:scrgbClr r="0" g="0" b="0"/>
+        </a:fillRef>
+        <a:effectRef idx="0">
+          <a:scrgbClr r="0" g="0" b="0"/>
+        </a:effectRef>
+        <a:fontRef idx="minor"/>
+      </dsp:style>
+      <dsp:txBody>
+        <a:bodyPr spcFirstLastPara="0" vert="horz" wrap="square" lIns="603225" tIns="437388" rIns="603225" bIns="113792" numCol="1" spcCol="1270" anchor="t" anchorCtr="0">
+          <a:noAutofit/>
+        </a:bodyPr>
+        <a:lstStyle/>
+        <a:p>
+          <a:pPr marL="171450" lvl="1" indent="-171450" algn="l" defTabSz="711200">
+            <a:lnSpc>
+              <a:spcPct val="90000"/>
+            </a:lnSpc>
+            <a:spcBef>
+              <a:spcPct val="0"/>
+            </a:spcBef>
+            <a:spcAft>
+              <a:spcPct val="15000"/>
+            </a:spcAft>
+            <a:buChar char="•"/>
+          </a:pPr>
+          <a:r>
+            <a:rPr lang="en-US" sz="1600" kern="1200" dirty="0"/>
+            <a:t>Every population member has an equal probability of being chosen</a:t>
+          </a:r>
+        </a:p>
+        <a:p>
+          <a:pPr marL="171450" lvl="1" indent="-171450" algn="l" defTabSz="711200">
+            <a:lnSpc>
+              <a:spcPct val="90000"/>
+            </a:lnSpc>
+            <a:spcBef>
+              <a:spcPct val="0"/>
+            </a:spcBef>
+            <a:spcAft>
+              <a:spcPct val="15000"/>
+            </a:spcAft>
+            <a:buChar char="•"/>
+          </a:pPr>
+          <a:r>
+            <a:rPr lang="en-US" sz="1600" b="1" kern="1200" dirty="0"/>
+            <a:t>Allows us to generalize our results to the entire population</a:t>
+          </a:r>
+          <a:endParaRPr lang="en-US" sz="1600" kern="1200" dirty="0"/>
+        </a:p>
+        <a:p>
+          <a:pPr marL="171450" lvl="1" indent="-171450" algn="l" defTabSz="711200">
+            <a:lnSpc>
+              <a:spcPct val="90000"/>
+            </a:lnSpc>
+            <a:spcBef>
+              <a:spcPct val="0"/>
+            </a:spcBef>
+            <a:spcAft>
+              <a:spcPct val="15000"/>
+            </a:spcAft>
+            <a:buChar char="•"/>
+          </a:pPr>
+          <a:r>
+            <a:rPr lang="en-US" sz="1600" kern="1200"/>
+            <a:t>How does it work?</a:t>
+          </a:r>
+        </a:p>
+        <a:p>
+          <a:pPr marL="342900" lvl="2" indent="-171450" algn="l" defTabSz="711200">
+            <a:lnSpc>
+              <a:spcPct val="90000"/>
+            </a:lnSpc>
+            <a:spcBef>
+              <a:spcPct val="0"/>
+            </a:spcBef>
+            <a:spcAft>
+              <a:spcPct val="15000"/>
+            </a:spcAft>
+            <a:buChar char="•"/>
+          </a:pPr>
+          <a:r>
+            <a:rPr lang="en-US" sz="1600" kern="1200" dirty="0"/>
+            <a:t>A simple random sample is when you choose individually randomly from the sampling frame and each individual has the same chance of being selected.</a:t>
+          </a:r>
+        </a:p>
+        <a:p>
+          <a:pPr marL="342900" lvl="2" indent="-171450" algn="l" defTabSz="711200">
+            <a:lnSpc>
+              <a:spcPct val="90000"/>
+            </a:lnSpc>
+            <a:spcBef>
+              <a:spcPct val="0"/>
+            </a:spcBef>
+            <a:spcAft>
+              <a:spcPct val="15000"/>
+            </a:spcAft>
+            <a:buChar char="•"/>
+          </a:pPr>
+          <a:r>
+            <a:rPr lang="en-US" sz="1600" kern="1200" dirty="0"/>
+            <a:t>A </a:t>
+          </a:r>
+          <a:r>
+            <a:rPr lang="en-US" sz="1600" b="1" kern="1200" dirty="0"/>
+            <a:t>sampling frame </a:t>
+          </a:r>
+          <a:r>
+            <a:rPr lang="en-US" sz="1600" kern="1200" dirty="0"/>
+            <a:t>is a list of all the individual in the population of interest</a:t>
+          </a:r>
+        </a:p>
+      </dsp:txBody>
+      <dsp:txXfrm>
+        <a:off x="0" y="2362790"/>
+        <a:ext cx="7772400" cy="2423925"/>
+      </dsp:txXfrm>
+    </dsp:sp>
+    <dsp:sp modelId="{615F456D-5F3D-4FBF-8C73-16465EB832A9}">
+      <dsp:nvSpPr>
+        <dsp:cNvPr id="0" name=""/>
+        <dsp:cNvSpPr/>
+      </dsp:nvSpPr>
+      <dsp:spPr>
+        <a:xfrm>
+          <a:off x="388620" y="1964270"/>
+          <a:ext cx="5440680" cy="797040"/>
+        </a:xfrm>
+        <a:prstGeom prst="roundRect">
+          <a:avLst/>
+        </a:prstGeom>
+        <a:solidFill>
+          <a:schemeClr val="accent3">
+            <a:hueOff val="0"/>
+            <a:satOff val="0"/>
+            <a:lumOff val="0"/>
+            <a:alphaOff val="0"/>
+          </a:schemeClr>
+        </a:solidFill>
+        <a:ln w="15875" cap="flat" cmpd="sng" algn="ctr">
+          <a:solidFill>
+            <a:schemeClr val="lt1">
+              <a:hueOff val="0"/>
+              <a:satOff val="0"/>
+              <a:lumOff val="0"/>
+              <a:alphaOff val="0"/>
+            </a:schemeClr>
+          </a:solidFill>
+          <a:prstDash val="solid"/>
+        </a:ln>
+        <a:effectLst/>
+      </dsp:spPr>
+      <dsp:style>
+        <a:lnRef idx="2">
+          <a:scrgbClr r="0" g="0" b="0"/>
+        </a:lnRef>
+        <a:fillRef idx="1">
+          <a:scrgbClr r="0" g="0" b="0"/>
+        </a:fillRef>
+        <a:effectRef idx="0">
+          <a:scrgbClr r="0" g="0" b="0"/>
+        </a:effectRef>
+        <a:fontRef idx="minor">
+          <a:schemeClr val="lt1"/>
+        </a:fontRef>
+      </dsp:style>
+      <dsp:txBody>
+        <a:bodyPr spcFirstLastPara="0" vert="horz" wrap="square" lIns="205645" tIns="0" rIns="205645" bIns="0" numCol="1" spcCol="1270" anchor="ctr" anchorCtr="0">
+          <a:noAutofit/>
+        </a:bodyPr>
+        <a:lstStyle/>
+        <a:p>
+          <a:pPr marL="0" lvl="0" indent="0" algn="l" defTabSz="800100">
+            <a:lnSpc>
+              <a:spcPct val="90000"/>
+            </a:lnSpc>
+            <a:spcBef>
+              <a:spcPct val="0"/>
+            </a:spcBef>
+            <a:spcAft>
+              <a:spcPct val="35000"/>
+            </a:spcAft>
+            <a:buNone/>
+          </a:pPr>
+          <a:r>
+            <a:rPr lang="en-US" sz="1800" b="1" kern="1200" dirty="0"/>
+            <a:t>2.   Simple Random Sample</a:t>
+          </a:r>
+          <a:endParaRPr lang="en-US" sz="1800" kern="1200" dirty="0"/>
+        </a:p>
+      </dsp:txBody>
+      <dsp:txXfrm>
+        <a:off x="427528" y="2003178"/>
+        <a:ext cx="5362864" cy="719224"/>
+      </dsp:txXfrm>
+    </dsp:sp>
+  </dsp:spTree>
+</dsp:drawing>
+</file>
+
+<file path=ppt/diagrams/layout1.xml><?xml version="1.0" encoding="utf-8"?>
+<dgm:layoutDef xmlns:dgm="http://schemas.openxmlformats.org/drawingml/2006/diagram" xmlns:a="http://schemas.openxmlformats.org/drawingml/2006/main" uniqueId="urn:microsoft.com/office/officeart/2005/8/layout/list1">
+  <dgm:title val=""/>
+  <dgm:desc val=""/>
+  <dgm:catLst>
+    <dgm:cat type="list" pri="4000"/>
+  </dgm:catLst>
+  <dgm:sampData>
+    <dgm:dataModel>
+      <dgm:ptLst>
+        <dgm:pt modelId="0" type="doc"/>
+        <dgm:pt modelId="1">
+          <dgm:prSet phldr="1"/>
+        </dgm:pt>
+        <dgm:pt modelId="2">
+          <dgm:prSet phldr="1"/>
+        </dgm:pt>
+        <dgm:pt modelId="3">
+          <dgm:prSet phldr="1"/>
+        </dgm:pt>
+      </dgm:ptLst>
+      <dgm:cxnLst>
+        <dgm:cxn modelId="4" srcId="0" destId="1" srcOrd="0" destOrd="0"/>
+        <dgm:cxn modelId="5" srcId="0" destId="2" srcOrd="1" destOrd="0"/>
+        <dgm:cxn modelId="6" srcId="0" destId="3" srcOrd="2" destOrd="0"/>
+      </dgm:cxnLst>
+      <dgm:bg/>
+      <dgm:whole/>
+    </dgm:dataModel>
+  </dgm:sampData>
+  <dgm:styleData>
+    <dgm:dataModel>
+      <dgm:ptLst>
+        <dgm:pt modelId="0" type="doc"/>
+        <dgm:pt modelId="1"/>
+        <dgm:pt modelId="2"/>
+      </dgm:ptLst>
+      <dgm:cxnLst>
+        <dgm:cxn modelId="4" srcId="0" destId="1" srcOrd="0" destOrd="0"/>
+        <dgm:cxn modelId="5" srcId="0" destId="2" srcOrd="1" destOrd="0"/>
+      </dgm:cxnLst>
+      <dgm:bg/>
+      <dgm:whole/>
+    </dgm:dataModel>
+  </dgm:styleData>
+  <dgm:clrData>
+    <dgm:dataModel>
+      <dgm:ptLst>
+        <dgm:pt modelId="0" type="doc"/>
+        <dgm:pt modelId="1"/>
+        <dgm:pt modelId="2"/>
+        <dgm:pt modelId="3"/>
+        <dgm:pt modelId="4"/>
+      </dgm:ptLst>
+      <dgm:cxnLst>
+        <dgm:cxn modelId="5" srcId="0" destId="1" srcOrd="0" destOrd="0"/>
+        <dgm:cxn modelId="6" srcId="0" destId="2" srcOrd="1" destOrd="0"/>
+        <dgm:cxn modelId="7" srcId="0" destId="3" srcOrd="2" destOrd="0"/>
+        <dgm:cxn modelId="8" srcId="0" destId="4" srcOrd="3" destOrd="0"/>
+      </dgm:cxnLst>
+      <dgm:bg/>
+      <dgm:whole/>
+    </dgm:dataModel>
+  </dgm:clrData>
+  <dgm:layoutNode name="linear">
+    <dgm:varLst>
+      <dgm:dir/>
+      <dgm:animLvl val="lvl"/>
+      <dgm:resizeHandles val="exact"/>
+    </dgm:varLst>
+    <dgm:choose name="Name0">
+      <dgm:if name="Name1" func="var" arg="dir" op="equ" val="norm">
+        <dgm:alg type="lin">
+          <dgm:param type="linDir" val="fromT"/>
+          <dgm:param type="vertAlign" val="mid"/>
+          <dgm:param type="horzAlign" val="l"/>
+          <dgm:param type="nodeHorzAlign" val="l"/>
+        </dgm:alg>
+      </dgm:if>
+      <dgm:else name="Name2">
+        <dgm:alg type="lin">
+          <dgm:param type="linDir" val="fromT"/>
+          <dgm:param type="vertAlign" val="mid"/>
+          <dgm:param type="horzAlign" val="r"/>
+          <dgm:param type="nodeHorzAlign" val="r"/>
+        </dgm:alg>
+      </dgm:else>
+    </dgm:choose>
+    <dgm:shape xmlns:r="http://schemas.openxmlformats.org/officeDocument/2006/relationships" r:blip="">
+      <dgm:adjLst/>
+    </dgm:shape>
+    <dgm:presOf/>
+    <dgm:constrLst>
+      <dgm:constr type="w" for="ch" forName="parentLin" refType="w"/>
+      <dgm:constr type="h" for="ch" forName="parentLin" val="INF"/>
+      <dgm:constr type="w" for="des" forName="parentLeftMargin" refType="w" fact="0.05"/>
+      <dgm:constr type="w" for="des" forName="parentText" refType="w" fact="0.7"/>
+      <dgm:constr type="h" for="des" forName="parentText" refType="primFontSz" refFor="des" refForName="parentText" fact="0.82"/>
+      <dgm:constr type="h" for="ch" forName="negativeSpace" refType="primFontSz" refFor="des" refForName="parentText" fact="-0.41"/>
+      <dgm:constr type="h" for="ch" forName="negativeSpace" refType="h" refFor="des" refForName="parentText" op="lte" fact="-0.82"/>
+      <dgm:constr type="h" for="ch" forName="negativeSpace" refType="h" refFor="des" refForName="parentText" op="gte" fact="-0.82"/>
+      <dgm:constr type="w" for="ch" forName="childText" refType="w"/>
+      <dgm:constr type="h" for="ch" forName="childText" refType="primFontSz" refFor="des" refForName="parentText" fact="0.7"/>
+      <dgm:constr type="primFontSz" for="des" forName="parentText" val="65"/>
+      <dgm:constr type="primFontSz" for="ch" forName="childText" refType="primFontSz" refFor="des" refForName="parentText"/>
+      <dgm:constr type="tMarg" for="ch" forName="childText" refType="primFontSz" refFor="des" refForName="parentText" fact="1.64"/>
+      <dgm:constr type="tMarg" for="ch" forName="childText" refType="h" refFor="des" refForName="parentText" op="lte" fact="3.28"/>
+      <dgm:constr type="tMarg" for="ch" forName="childText" refType="h" refFor="des" refForName="parentText" op="gte" fact="3.28"/>
+      <dgm:constr type="lMarg" for="ch" forName="childText" refType="w" fact="0.22"/>
+      <dgm:constr type="rMarg" for="ch" forName="childText" refType="lMarg" refFor="ch" refForName="childText"/>
+      <dgm:constr type="lMarg" for="des" forName="parentText" refType="w" fact="0.075"/>
+      <dgm:constr type="rMarg" for="des" forName="parentText" refType="lMarg" refFor="des" refForName="parentText"/>
+      <dgm:constr type="h" for="ch" forName="spaceBetweenRectangles" refType="primFontSz" refFor="des" refForName="parentText" fact="0.15"/>
+    </dgm:constrLst>
+    <dgm:ruleLst>
+      <dgm:rule type="primFontSz" for="des" forName="parentText" val="5" fact="NaN" max="NaN"/>
+    </dgm:ruleLst>
+    <dgm:forEach name="Name3" axis="ch" ptType="node">
+      <dgm:layoutNode name="parentLin">
+        <dgm:choose name="Name4">
+          <dgm:if name="Name5" func="var" arg="dir" op="equ" val="norm">
+            <dgm:alg type="lin">
+              <dgm:param type="linDir" val="fromL"/>
+              <dgm:param type="horzAlign" val="l"/>
+              <dgm:param type="nodeHorzAlign" val="l"/>
+            </dgm:alg>
+          </dgm:if>
+          <dgm:else name="Name6">
+            <dgm:alg type="lin">
+              <dgm:param type="linDir" val="fromR"/>
+              <dgm:param type="horzAlign" val="r"/>
+              <dgm:param type="nodeHorzAlign" val="r"/>
+            </dgm:alg>
+          </dgm:else>
+        </dgm:choose>
+        <dgm:shape xmlns:r="http://schemas.openxmlformats.org/officeDocument/2006/relationships" r:blip="">
+          <dgm:adjLst/>
+        </dgm:shape>
+        <dgm:presOf/>
+        <dgm:constrLst/>
+        <dgm:ruleLst/>
+        <dgm:layoutNode name="parentLeftMargin">
+          <dgm:alg type="sp"/>
+          <dgm:shape xmlns:r="http://schemas.openxmlformats.org/officeDocument/2006/relationships" type="rect" r:blip="" hideGeom="1">
+            <dgm:adjLst/>
+          </dgm:shape>
+          <dgm:presOf axis="self"/>
+          <dgm:constrLst>
+            <dgm:constr type="h"/>
+          </dgm:constrLst>
+          <dgm:ruleLst/>
+        </dgm:layoutNode>
+        <dgm:layoutNode name="parentText" styleLbl="node1">
+          <dgm:varLst>
+            <dgm:chMax val="0"/>
+            <dgm:bulletEnabled val="1"/>
+          </dgm:varLst>
+          <dgm:choose name="Name7">
+            <dgm:if name="Name8" func="var" arg="dir" op="equ" val="norm">
+              <dgm:alg type="tx">
+                <dgm:param type="parTxLTRAlign" val="l"/>
+                <dgm:param type="parTxRTLAlign" val="l"/>
+              </dgm:alg>
+            </dgm:if>
+            <dgm:else name="Name9">
+              <dgm:alg type="tx">
+                <dgm:param type="parTxLTRAlign" val="r"/>
+                <dgm:param type="parTxRTLAlign" val="r"/>
+              </dgm:alg>
+            </dgm:else>
+          </dgm:choose>
+          <dgm:shape xmlns:r="http://schemas.openxmlformats.org/officeDocument/2006/relationships" type="roundRect" r:blip="">
+            <dgm:adjLst/>
+          </dgm:shape>
+          <dgm:presOf axis="self" ptType="node"/>
+          <dgm:constrLst>
+            <dgm:constr type="tMarg"/>
+            <dgm:constr type="bMarg"/>
+          </dgm:constrLst>
+          <dgm:ruleLst/>
+        </dgm:layoutNode>
+      </dgm:layoutNode>
+      <dgm:layoutNode name="negativeSpace">
+        <dgm:alg type="sp"/>
+        <dgm:shape xmlns:r="http://schemas.openxmlformats.org/officeDocument/2006/relationships" r:blip="">
+          <dgm:adjLst/>
+        </dgm:shape>
+        <dgm:presOf/>
+        <dgm:constrLst/>
+        <dgm:ruleLst/>
+      </dgm:layoutNode>
+      <dgm:layoutNode name="childText" styleLbl="conFgAcc1">
+        <dgm:varLst>
+          <dgm:bulletEnabled val="1"/>
+        </dgm:varLst>
+        <dgm:alg type="tx">
+          <dgm:param type="stBulletLvl" val="1"/>
+        </dgm:alg>
+        <dgm:shape xmlns:r="http://schemas.openxmlformats.org/officeDocument/2006/relationships" type="rect" r:blip="" zOrderOff="-2">
+          <dgm:adjLst/>
+        </dgm:shape>
+        <dgm:presOf axis="des" ptType="node"/>
+        <dgm:constrLst>
+          <dgm:constr type="secFontSz" refType="primFontSz"/>
+        </dgm:constrLst>
+        <dgm:ruleLst>
+          <dgm:rule type="h" val="INF" fact="NaN" max="NaN"/>
+        </dgm:ruleLst>
+      </dgm:layoutNode>
+      <dgm:forEach name="Name10" axis="followSib" ptType="sibTrans" cnt="1">
+        <dgm:layoutNode name="spaceBetweenRectangles">
+          <dgm:alg type="sp"/>
+          <dgm:shape xmlns:r="http://schemas.openxmlformats.org/officeDocument/2006/relationships" r:blip="">
+            <dgm:adjLst/>
+          </dgm:shape>
+          <dgm:presOf/>
+          <dgm:constrLst/>
+          <dgm:ruleLst/>
+        </dgm:layoutNode>
+      </dgm:forEach>
+    </dgm:forEach>
+  </dgm:layoutNode>
+</dgm:layoutDef>
+</file>
+
+<file path=ppt/diagrams/quickStyle1.xml><?xml version="1.0" encoding="utf-8"?>
+<dgm:styleDef xmlns:dgm="http://schemas.openxmlformats.org/drawingml/2006/diagram" xmlns:a="http://schemas.openxmlformats.org/drawingml/2006/main" uniqueId="urn:microsoft.com/office/officeart/2005/8/quickstyle/simple1">
+  <dgm:title val=""/>
+  <dgm:desc val=""/>
+  <dgm:catLst>
+    <dgm:cat type="simple" pri="10100"/>
+  </dgm:catLst>
+  <dgm:scene3d>
+    <a:camera prst="orthographicFront"/>
+    <a:lightRig rig="threePt" dir="t"/>
+  </dgm:scene3d>
+  <dgm:styleLbl name="node0">
+    <dgm:scene3d>
+      <a:camera prst="orthographicFront"/>
+      <a:lightRig rig="threePt" dir="t"/>
+    </dgm:scene3d>
+    <dgm:sp3d/>
+    <dgm:txPr/>
+    <dgm:style>
+      <a:lnRef idx="2">
+        <a:scrgbClr r="0" g="0" b="0"/>
+      </a:lnRef>
+      <a:fillRef idx="1">
+        <a:scrgbClr r="0" g="0" b="0"/>
+      </a:fillRef>
+      <a:effectRef idx="0">
+        <a:scrgbClr r="0" g="0" b="0"/>
+      </a:effectRef>
+      <a:fontRef idx="minor">
+        <a:schemeClr val="lt1"/>
+      </a:fontRef>
+    </dgm:style>
+  </dgm:styleLbl>
+  <dgm:styleLbl name="lnNode1">
+    <dgm:scene3d>
+      <a:camera prst="orthographicFront"/>
+      <a:lightRig rig="threePt" dir="t"/>
+    </dgm:scene3d>
+    <dgm:sp3d/>
+    <dgm:txPr/>
+    <dgm:style>
+      <a:lnRef idx="2">
+        <a:scrgbClr r="0" g="0" b="0"/>
+      </a:lnRef>
+      <a:fillRef idx="1">
+        <a:scrgbClr r="0" g="0" b="0"/>
+      </a:fillRef>
+      <a:effectRef idx="0">
+        <a:scrgbClr r="0" g="0" b="0"/>
+      </a:effectRef>
+      <a:fontRef idx="minor">
+        <a:schemeClr val="lt1"/>
+      </a:fontRef>
+    </dgm:style>
+  </dgm:styleLbl>
+  <dgm:styleLbl name="vennNode1">
+    <dgm:scene3d>
+      <a:camera prst="orthographicFront"/>
+      <a:lightRig rig="threePt" dir="t"/>
+    </dgm:scene3d>
+    <dgm:sp3d/>
+    <dgm:txPr/>
+    <dgm:style>
+      <a:lnRef idx="2">
+        <a:scrgbClr r="0" g="0" b="0"/>
+      </a:lnRef>
+      <a:fillRef idx="1">
+        <a:scrgbClr r="0" g="0" b="0"/>
+      </a:fillRef>
+      <a:effectRef idx="0">
+        <a:scrgbClr r="0" g="0" b="0"/>
+      </a:effectRef>
+      <a:fontRef idx="minor">
+        <a:schemeClr val="tx1"/>
+      </a:fontRef>
+    </dgm:style>
+  </dgm:styleLbl>
+  <dgm:styleLbl name="alignNode1">
+    <dgm:scene3d>
+      <a:camera prst="orthographicFront"/>
+      <a:lightRig rig="threePt" dir="t"/>
+    </dgm:scene3d>
+    <dgm:sp3d/>
+    <dgm:txPr/>
+    <dgm:style>
+      <a:lnRef idx="2">
+        <a:scrgbClr r="0" g="0" b="0"/>
+      </a:lnRef>
+      <a:fillRef idx="1">
+        <a:scrgbClr r="0" g="0" b="0"/>
+      </a:fillRef>
+      <a:effectRef idx="0">
+        <a:scrgbClr r="0" g="0" b="0"/>
+      </a:effectRef>
+      <a:fontRef idx="minor">
+        <a:schemeClr val="lt1"/>
+      </a:fontRef>
+    </dgm:style>
+  </dgm:styleLbl>
+  <dgm:styleLbl name="node1">
+    <dgm:scene3d>
+      <a:camera prst="orthographicFront"/>
+      <a:lightRig rig="threePt" dir="t"/>
+    </dgm:scene3d>
+    <dgm:sp3d/>
+    <dgm:txPr/>
+    <dgm:style>
+      <a:lnRef idx="2">
+        <a:scrgbClr r="0" g="0" b="0"/>
+      </a:lnRef>
+      <a:fillRef idx="1">
+        <a:scrgbClr r="0" g="0" b="0"/>
+      </a:fillRef>
+      <a:effectRef idx="0">
+        <a:scrgbClr r="0" g="0" b="0"/>
+      </a:effectRef>
+      <a:fontRef idx="minor">
+        <a:schemeClr val="lt1"/>
+      </a:fontRef>
+    </dgm:style>
+  </dgm:styleLbl>
+  <dgm:styleLbl name="node2">
+    <dgm:scene3d>
+      <a:camera prst="orthographicFront"/>
+      <a:lightRig rig="threePt" dir="t"/>
+    </dgm:scene3d>
+    <dgm:sp3d/>
+    <dgm:txPr/>
+    <dgm:style>
+      <a:lnRef idx="2">
+        <a:scrgbClr r="0" g="0" b="0"/>
+      </a:lnRef>
+      <a:fillRef idx="1">
+        <a:scrgbClr r="0" g="0" b="0"/>
+      </a:fillRef>
+      <a:effectRef idx="0">
+        <a:scrgbClr r="0" g="0" b="0"/>
+      </a:effectRef>
+      <a:fontRef idx="minor">
+        <a:schemeClr val="lt1"/>
+      </a:fontRef>
+    </dgm:style>
+  </dgm:styleLbl>
+  <dgm:styleLbl name="node3">
+    <dgm:scene3d>
+      <a:camera prst="orthographicFront"/>
+      <a:lightRig rig="threePt" dir="t"/>
+    </dgm:scene3d>
+    <dgm:sp3d/>
+    <dgm:txPr/>
+    <dgm:style>
+      <a:lnRef idx="2">
+        <a:scrgbClr r="0" g="0" b="0"/>
+      </a:lnRef>
+      <a:fillRef idx="1">
+        <a:scrgbClr r="0" g="0" b="0"/>
+      </a:fillRef>
+      <a:effectRef idx="0">
+        <a:scrgbClr r="0" g="0" b="0"/>
+      </a:effectRef>
+      <a:fontRef idx="minor">
+        <a:schemeClr val="lt1"/>
+      </a:fontRef>
+    </dgm:style>
+  </dgm:styleLbl>
+  <dgm:styleLbl name="node4">
+    <dgm:scene3d>
+      <a:camera prst="orthographicFront"/>
+      <a:lightRig rig="threePt" dir="t"/>
+    </dgm:scene3d>
+    <dgm:sp3d/>
+    <dgm:txPr/>
+    <dgm:style>
+      <a:lnRef idx="2">
+        <a:scrgbClr r="0" g="0" b="0"/>
+      </a:lnRef>
+      <a:fillRef idx="1">
+        <a:scrgbClr r="0" g="0" b="0"/>
+      </a:fillRef>
+      <a:effectRef idx="0">
+        <a:scrgbClr r="0" g="0" b="0"/>
+      </a:effectRef>
+      <a:fontRef idx="minor">
+        <a:schemeClr val="lt1"/>
+      </a:fontRef>
+    </dgm:style>
+  </dgm:styleLbl>
+  <dgm:styleLbl name="fgImgPlace1">
+    <dgm:scene3d>
+      <a:camera prst="orthographicFront"/>
+      <a:lightRig rig="threePt" dir="t"/>
+    </dgm:scene3d>
+    <dgm:sp3d/>
+    <dgm:txPr/>
+    <dgm:style>
+      <a:lnRef idx="2">
+        <a:scrgbClr r="0" g="0" b="0"/>
+      </a:lnRef>
+      <a:fillRef idx="1">
+        <a:scrgbClr r="0" g="0" b="0"/>
+      </a:fillRef>
+      <a:effectRef idx="0">
+        <a:scrgbClr r="0" g="0" b="0"/>
+      </a:effectRef>
+      <a:fontRef idx="minor"/>
+    </dgm:style>
+  </dgm:styleLbl>
+  <dgm:styleLbl name="alignImgPlace1">
+    <dgm:scene3d>
+      <a:camera prst="orthographicFront"/>
+      <a:lightRig rig="threePt" dir="t"/>
+    </dgm:scene3d>
+    <dgm:sp3d/>
+    <dgm:txPr/>
+    <dgm:style>
+      <a:lnRef idx="2">
+        <a:scrgbClr r="0" g="0" b="0"/>
+      </a:lnRef>
+      <a:fillRef idx="1">
+        <a:scrgbClr r="0" g="0" b="0"/>
+      </a:fillRef>
+      <a:effectRef idx="0">
+        <a:scrgbClr r="0" g="0" b="0"/>
+      </a:effectRef>
+      <a:fontRef idx="minor"/>
+    </dgm:style>
+  </dgm:styleLbl>
+  <dgm:styleLbl name="bgImgPlace1">
+    <dgm:scene3d>
+      <a:camera prst="orthographicFront"/>
+      <a:lightRig rig="threePt" dir="t"/>
+    </dgm:scene3d>
+    <dgm:sp3d/>
+    <dgm:txPr/>
+    <dgm:style>
+      <a:lnRef idx="2">
+        <a:scrgbClr r="0" g="0" b="0"/>
+      </a:lnRef>
+      <a:fillRef idx="1">
+        <a:scrgbClr r="0" g="0" b="0"/>
+      </a:fillRef>
+      <a:effectRef idx="0">
+        <a:scrgbClr r="0" g="0" b="0"/>
+      </a:effectRef>
+      <a:fontRef idx="minor"/>
+    </dgm:style>
+  </dgm:styleLbl>
+  <dgm:styleLbl name="sibTrans2D1">
+    <dgm:scene3d>
+      <a:camera prst="orthographicFront"/>
+      <a:lightRig rig="threePt" dir="t"/>
+    </dgm:scene3d>
+    <dgm:sp3d/>
+    <dgm:txPr/>
+    <dgm:style>
+      <a:lnRef idx="0">
+        <a:scrgbClr r="0" g="0" b="0"/>
+      </a:lnRef>
+      <a:fillRef idx="1">
+        <a:scrgbClr r="0" g="0" b="0"/>
+      </a:fillRef>
+      <a:effectRef idx="0">
+        <a:scrgbClr r="0" g="0" b="0"/>
+      </a:effectRef>
+      <a:fontRef idx="minor">
+        <a:schemeClr val="lt1"/>
+      </a:fontRef>
+    </dgm:style>
+  </dgm:styleLbl>
+  <dgm:styleLbl name="fgSibTrans2D1">
+    <dgm:scene3d>
+      <a:camera prst="orthographicFront"/>
+      <a:lightRig rig="threePt" dir="t"/>
+    </dgm:scene3d>
+    <dgm:sp3d/>
+    <dgm:txPr/>
+    <dgm:style>
+      <a:lnRef idx="0">
+        <a:scrgbClr r="0" g="0" b="0"/>
+      </a:lnRef>
+      <a:fillRef idx="1">
+        <a:scrgbClr r="0" g="0" b="0"/>
+      </a:fillRef>
+      <a:effectRef idx="0">
+        <a:scrgbClr r="0" g="0" b="0"/>
+      </a:effectRef>
+      <a:fontRef idx="minor">
+        <a:schemeClr val="lt1"/>
+      </a:fontRef>
+    </dgm:style>
+  </dgm:styleLbl>
+  <dgm:styleLbl name="bgSibTrans2D1">
+    <dgm:scene3d>
+      <a:camera prst="orthographicFront"/>
+      <a:lightRig rig="threePt" dir="t"/>
+    </dgm:scene3d>
+    <dgm:sp3d/>
+    <dgm:txPr/>
+    <dgm:style>
+      <a:lnRef idx="0">
+        <a:scrgbClr r="0" g="0" b="0"/>
+      </a:lnRef>
+      <a:fillRef idx="1">
+        <a:scrgbClr r="0" g="0" b="0"/>
+      </a:fillRef>
+      <a:effectRef idx="0">
+        <a:scrgbClr r="0" g="0" b="0"/>
+      </a:effectRef>
+      <a:fontRef idx="minor">
+        <a:schemeClr val="lt1"/>
+      </a:fontRef>
+    </dgm:style>
+  </dgm:styleLbl>
+  <dgm:styleLbl name="sibTrans1D1">
+    <dgm:scene3d>
+      <a:camera prst="orthographicFront"/>
+      <a:lightRig rig="threePt" dir="t"/>
+    </dgm:scene3d>
+    <dgm:sp3d/>
+    <dgm:txPr/>
+    <dgm:style>
+      <a:lnRef idx="1">
+        <a:scrgbClr r="0" g="0" b="0"/>
+      </a:lnRef>
+      <a:fillRef idx="0">
+        <a:scrgbClr r="0" g="0" b="0"/>
+      </a:fillRef>
+      <a:effectRef idx="0">
+        <a:scrgbClr r="0" g="0" b="0"/>
+      </a:effectRef>
+      <a:fontRef idx="minor"/>
+    </dgm:style>
+  </dgm:styleLbl>
+  <dgm:styleLbl name="callout">
+    <dgm:scene3d>
+      <a:camera prst="orthographicFront"/>
+      <a:lightRig rig="threePt" dir="t"/>
+    </dgm:scene3d>
+    <dgm:sp3d/>
+    <dgm:txPr/>
+    <dgm:style>
+      <a:lnRef idx="2">
+        <a:scrgbClr r="0" g="0" b="0"/>
+      </a:lnRef>
+      <a:fillRef idx="1">
+        <a:scrgbClr r="0" g="0" b="0"/>
+      </a:fillRef>
+      <a:effectRef idx="0">
+        <a:scrgbClr r="0" g="0" b="0"/>
+      </a:effectRef>
+      <a:fontRef idx="minor"/>
+    </dgm:style>
+  </dgm:styleLbl>
+  <dgm:styleLbl name="asst0">
+    <dgm:scene3d>
+      <a:camera prst="orthographicFront"/>
+      <a:lightRig rig="threePt" dir="t"/>
+    </dgm:scene3d>
+    <dgm:sp3d/>
+    <dgm:txPr/>
+    <dgm:style>
+      <a:lnRef idx="2">
+        <a:scrgbClr r="0" g="0" b="0"/>
+      </a:lnRef>
+      <a:fillRef idx="1">
+        <a:scrgbClr r="0" g="0" b="0"/>
+      </a:fillRef>
+      <a:effectRef idx="0">
+        <a:scrgbClr r="0" g="0" b="0"/>
+      </a:effectRef>
+      <a:fontRef idx="minor">
+        <a:schemeClr val="lt1"/>
+      </a:fontRef>
+    </dgm:style>
+  </dgm:styleLbl>
+  <dgm:styleLbl name="asst1">
+    <dgm:scene3d>
+      <a:camera prst="orthographicFront"/>
+      <a:lightRig rig="threePt" dir="t"/>
+    </dgm:scene3d>
+    <dgm:sp3d/>
+    <dgm:txPr/>
+    <dgm:style>
+      <a:lnRef idx="2">
+        <a:scrgbClr r="0" g="0" b="0"/>
+      </a:lnRef>
+      <a:fillRef idx="1">
+        <a:scrgbClr r="0" g="0" b="0"/>
+      </a:fillRef>
+      <a:effectRef idx="0">
+        <a:scrgbClr r="0" g="0" b="0"/>
+      </a:effectRef>
+      <a:fontRef idx="minor">
+        <a:schemeClr val="lt1"/>
+      </a:fontRef>
+    </dgm:style>
+  </dgm:styleLbl>
+  <dgm:styleLbl name="asst2">
+    <dgm:scene3d>
+      <a:camera prst="orthographicFront"/>
+      <a:lightRig rig="threePt" dir="t"/>
+    </dgm:scene3d>
+    <dgm:sp3d/>
+    <dgm:txPr/>
+    <dgm:style>
+      <a:lnRef idx="2">
+        <a:scrgbClr r="0" g="0" b="0"/>
+      </a:lnRef>
+      <a:fillRef idx="1">
+        <a:scrgbClr r="0" g="0" b="0"/>
+      </a:fillRef>
+      <a:effectRef idx="0">
+        <a:scrgbClr r="0" g="0" b="0"/>
+      </a:effectRef>
+      <a:fontRef idx="minor">
+        <a:schemeClr val="lt1"/>
+      </a:fontRef>
+    </dgm:style>
+  </dgm:styleLbl>
+  <dgm:styleLbl name="asst3">
+    <dgm:scene3d>
+      <a:camera prst="orthographicFront"/>
+      <a:lightRig rig="threePt" dir="t"/>
+    </dgm:scene3d>
+    <dgm:sp3d/>
+    <dgm:txPr/>
+    <dgm:style>
+      <a:lnRef idx="2">
+        <a:scrgbClr r="0" g="0" b="0"/>
+      </a:lnRef>
+      <a:fillRef idx="1">
+        <a:scrgbClr r="0" g="0" b="0"/>
+      </a:fillRef>
+      <a:effectRef idx="0">
+        <a:scrgbClr r="0" g="0" b="0"/>
+      </a:effectRef>
+      <a:fontRef idx="minor">
+        <a:schemeClr val="lt1"/>
+      </a:fontRef>
+    </dgm:style>
+  </dgm:styleLbl>
+  <dgm:styleLbl name="asst4">
+    <dgm:scene3d>
+      <a:camera prst="orthographicFront"/>
+      <a:lightRig rig="threePt" dir="t"/>
+    </dgm:scene3d>
+    <dgm:sp3d/>
+    <dgm:txPr/>
+    <dgm:style>
+      <a:lnRef idx="2">
+        <a:scrgbClr r="0" g="0" b="0"/>
+      </a:lnRef>
+      <a:fillRef idx="1">
+        <a:scrgbClr r="0" g="0" b="0"/>
+      </a:fillRef>
+      <a:effectRef idx="0">
+        <a:scrgbClr r="0" g="0" b="0"/>
+      </a:effectRef>
+      <a:fontRef idx="minor">
+        <a:schemeClr val="lt1"/>
+      </a:fontRef>
+    </dgm:style>
+  </dgm:styleLbl>
+  <dgm:styleLbl name="parChTrans2D1">
+    <dgm:scene3d>
+      <a:camera prst="orthographicFront"/>
+      <a:lightRig rig="threePt" dir="t"/>
+    </dgm:scene3d>
+    <dgm:sp3d/>
+    <dgm:txPr/>
+    <dgm:style>
+      <a:lnRef idx="2">
+        <a:scrgbClr r="0" g="0" b="0"/>
+      </a:lnRef>
+      <a:fillRef idx="1">
+        <a:scrgbClr r="0" g="0" b="0"/>
+      </a:fillRef>
+      <a:effectRef idx="0">
+        <a:scrgbClr r="0" g="0" b="0"/>
+      </a:effectRef>
+      <a:fontRef idx="minor">
+        <a:schemeClr val="lt1"/>
+      </a:fontRef>
+    </dgm:style>
+  </dgm:styleLbl>
+  <dgm:styleLbl name="parChTrans2D2">
+    <dgm:scene3d>
+      <a:camera prst="orthographicFront"/>
+      <a:lightRig rig="threePt" dir="t"/>
+    </dgm:scene3d>
+    <dgm:sp3d/>
+    <dgm:txPr/>
+    <dgm:style>
+      <a:lnRef idx="2">
+        <a:scrgbClr r="0" g="0" b="0"/>
+      </a:lnRef>
+      <a:fillRef idx="1">
+        <a:scrgbClr r="0" g="0" b="0"/>
+      </a:fillRef>
+      <a:effectRef idx="0">
+        <a:scrgbClr r="0" g="0" b="0"/>
+      </a:effectRef>
+      <a:fontRef idx="minor">
+        <a:schemeClr val="lt1"/>
+      </a:fontRef>
+    </dgm:style>
+  </dgm:styleLbl>
+  <dgm:styleLbl name="parChTrans2D3">
+    <dgm:scene3d>
+      <a:camera prst="orthographicFront"/>
+      <a:lightRig rig="threePt" dir="t"/>
+    </dgm:scene3d>
+    <dgm:sp3d/>
+    <dgm:txPr/>
+    <dgm:style>
+      <a:lnRef idx="2">
+        <a:scrgbClr r="0" g="0" b="0"/>
+      </a:lnRef>
+      <a:fillRef idx="1">
+        <a:scrgbClr r="0" g="0" b="0"/>
+      </a:fillRef>
+      <a:effectRef idx="0">
+        <a:scrgbClr r="0" g="0" b="0"/>
+      </a:effectRef>
+      <a:fontRef idx="minor">
+        <a:schemeClr val="lt1"/>
+      </a:fontRef>
+    </dgm:style>
+  </dgm:styleLbl>
+  <dgm:styleLbl name="parChTrans2D4">
+    <dgm:scene3d>
+      <a:camera prst="orthographicFront"/>
+      <a:lightRig rig="threePt" dir="t"/>
+    </dgm:scene3d>
+    <dgm:sp3d/>
+    <dgm:txPr/>
+    <dgm:style>
+      <a:lnRef idx="2">
+        <a:scrgbClr r="0" g="0" b="0"/>
+      </a:lnRef>
+      <a:fillRef idx="1">
+        <a:scrgbClr r="0" g="0" b="0"/>
+      </a:fillRef>
+      <a:effectRef idx="0">
+        <a:scrgbClr r="0" g="0" b="0"/>
+      </a:effectRef>
+      <a:fontRef idx="minor">
+        <a:schemeClr val="lt1"/>
+      </a:fontRef>
+    </dgm:style>
+  </dgm:styleLbl>
+  <dgm:styleLbl name="parChTrans1D1">
+    <dgm:scene3d>
+      <a:camera prst="orthographicFront"/>
+      <a:lightRig rig="threePt" dir="t"/>
+    </dgm:scene3d>
+    <dgm:sp3d/>
+    <dgm:txPr/>
+    <dgm:style>
+      <a:lnRef idx="2">
+        <a:scrgbClr r="0" g="0" b="0"/>
+      </a:lnRef>
+      <a:fillRef idx="0">
+        <a:scrgbClr r="0" g="0" b="0"/>
+      </a:fillRef>
+      <a:effectRef idx="0">
+        <a:scrgbClr r="0" g="0" b="0"/>
+      </a:effectRef>
+      <a:fontRef idx="minor"/>
+    </dgm:style>
+  </dgm:styleLbl>
+  <dgm:styleLbl name="parChTrans1D2">
+    <dgm:scene3d>
+      <a:camera prst="orthographicFront"/>
+      <a:lightRig rig="threePt" dir="t"/>
+    </dgm:scene3d>
+    <dgm:sp3d/>
+    <dgm:txPr/>
+    <dgm:style>
+      <a:lnRef idx="2">
+        <a:scrgbClr r="0" g="0" b="0"/>
+      </a:lnRef>
+      <a:fillRef idx="0">
+        <a:scrgbClr r="0" g="0" b="0"/>
+      </a:fillRef>
+      <a:effectRef idx="0">
+        <a:scrgbClr r="0" g="0" b="0"/>
+      </a:effectRef>
+      <a:fontRef idx="minor"/>
+    </dgm:style>
+  </dgm:styleLbl>
+  <dgm:styleLbl name="parChTrans1D3">
+    <dgm:scene3d>
+      <a:camera prst="orthographicFront"/>
+      <a:lightRig rig="threePt" dir="t"/>
+    </dgm:scene3d>
+    <dgm:sp3d/>
+    <dgm:txPr/>
+    <dgm:style>
+      <a:lnRef idx="2">
+        <a:scrgbClr r="0" g="0" b="0"/>
+      </a:lnRef>
+      <a:fillRef idx="0">
+        <a:scrgbClr r="0" g="0" b="0"/>
+      </a:fillRef>
+      <a:effectRef idx="0">
+        <a:scrgbClr r="0" g="0" b="0"/>
+      </a:effectRef>
+      <a:fontRef idx="minor"/>
+    </dgm:style>
+  </dgm:styleLbl>
+  <dgm:styleLbl name="parChTrans1D4">
+    <dgm:scene3d>
+      <a:camera prst="orthographicFront"/>
+      <a:lightRig rig="threePt" dir="t"/>
+    </dgm:scene3d>
+    <dgm:sp3d/>
+    <dgm:txPr/>
+    <dgm:style>
+      <a:lnRef idx="2">
+        <a:scrgbClr r="0" g="0" b="0"/>
+      </a:lnRef>
+      <a:fillRef idx="0">
+        <a:scrgbClr r="0" g="0" b="0"/>
+      </a:fillRef>
+      <a:effectRef idx="0">
+        <a:scrgbClr r="0" g="0" b="0"/>
+      </a:effectRef>
+      <a:fontRef idx="minor"/>
+    </dgm:style>
+  </dgm:styleLbl>
+  <dgm:styleLbl name="fgAcc1">
+    <dgm:scene3d>
+      <a:camera prst="orthographicFront"/>
+      <a:lightRig rig="threePt" dir="t"/>
+    </dgm:scene3d>
+    <dgm:sp3d/>
+    <dgm:txPr/>
+    <dgm:style>
+      <a:lnRef idx="2">
+        <a:scrgbClr r="0" g="0" b="0"/>
+      </a:lnRef>
+      <a:fillRef idx="1">
+        <a:scrgbClr r="0" g="0" b="0"/>
+      </a:fillRef>
+      <a:effectRef idx="0">
+        <a:scrgbClr r="0" g="0" b="0"/>
+      </a:effectRef>
+      <a:fontRef idx="minor"/>
+    </dgm:style>
+  </dgm:styleLbl>
+  <dgm:styleLbl name="conFgAcc1">
+    <dgm:scene3d>
+      <a:camera prst="orthographicFront"/>
+      <a:lightRig rig="threePt" dir="t"/>
+    </dgm:scene3d>
+    <dgm:sp3d/>
+    <dgm:txPr/>
+    <dgm:style>
+      <a:lnRef idx="2">
+        <a:scrgbClr r="0" g="0" b="0"/>
+      </a:lnRef>
+      <a:fillRef idx="1">
+        <a:scrgbClr r="0" g="0" b="0"/>
+      </a:fillRef>
+      <a:effectRef idx="0">
+        <a:scrgbClr r="0" g="0" b="0"/>
+      </a:effectRef>
+      <a:fontRef idx="minor"/>
+    </dgm:style>
+  </dgm:styleLbl>
+  <dgm:styleLbl name="alignAcc1">
+    <dgm:scene3d>
+      <a:camera prst="orthographicFront"/>
+      <a:lightRig rig="threePt" dir="t"/>
+    </dgm:scene3d>
+    <dgm:sp3d/>
+    <dgm:txPr/>
+    <dgm:style>
+      <a:lnRef idx="2">
+        <a:scrgbClr r="0" g="0" b="0"/>
+      </a:lnRef>
+      <a:fillRef idx="1">
+        <a:scrgbClr r="0" g="0" b="0"/>
+      </a:fillRef>
+      <a:effectRef idx="0">
+        <a:scrgbClr r="0" g="0" b="0"/>
+      </a:effectRef>
+      <a:fontRef idx="minor"/>
+    </dgm:style>
+  </dgm:styleLbl>
+  <dgm:styleLbl name="trAlignAcc1">
+    <dgm:scene3d>
+      <a:camera prst="orthographicFront"/>
+      <a:lightRig rig="threePt" dir="t"/>
+    </dgm:scene3d>
+    <dgm:sp3d/>
+    <dgm:txPr/>
+    <dgm:style>
+      <a:lnRef idx="1">
+        <a:scrgbClr r="0" g="0" b="0"/>
+      </a:lnRef>
+      <a:fillRef idx="1">
+        <a:scrgbClr r="0" g="0" b="0"/>
+      </a:fillRef>
+      <a:effectRef idx="0">
+        <a:scrgbClr r="0" g="0" b="0"/>
+      </a:effectRef>
+      <a:fontRef idx="minor"/>
+    </dgm:style>
+  </dgm:styleLbl>
+  <dgm:styleLbl name="bgAcc1">
+    <dgm:scene3d>
+      <a:camera prst="orthographicFront"/>
+      <a:lightRig rig="threePt" dir="t"/>
+    </dgm:scene3d>
+    <dgm:sp3d/>
+    <dgm:txPr/>
+    <dgm:style>
+      <a:lnRef idx="2">
+        <a:scrgbClr r="0" g="0" b="0"/>
+      </a:lnRef>
+      <a:fillRef idx="1">
+        <a:scrgbClr r="0" g="0" b="0"/>
+      </a:fillRef>
+      <a:effectRef idx="0">
+        <a:scrgbClr r="0" g="0" b="0"/>
+      </a:effectRef>
+      <a:fontRef idx="minor"/>
+    </dgm:style>
+  </dgm:styleLbl>
+  <dgm:styleLbl name="solidFgAcc1">
+    <dgm:scene3d>
+      <a:camera prst="orthographicFront"/>
+      <a:lightRig rig="threePt" dir="t"/>
+    </dgm:scene3d>
+    <dgm:sp3d/>
+    <dgm:txPr/>
+    <dgm:style>
+      <a:lnRef idx="2">
+        <a:scrgbClr r="0" g="0" b="0"/>
+      </a:lnRef>
+      <a:fillRef idx="1">
+        <a:scrgbClr r="0" g="0" b="0"/>
+      </a:fillRef>
+      <a:effectRef idx="0">
+        <a:scrgbClr r="0" g="0" b="0"/>
+      </a:effectRef>
+      <a:fontRef idx="minor"/>
+    </dgm:style>
+  </dgm:styleLbl>
+  <dgm:styleLbl name="solidAlignAcc1">
+    <dgm:scene3d>
+      <a:camera prst="orthographicFront"/>
+      <a:lightRig rig="threePt" dir="t"/>
+    </dgm:scene3d>
+    <dgm:sp3d/>
+    <dgm:txPr/>
+    <dgm:style>
+      <a:lnRef idx="2">
+        <a:scrgbClr r="0" g="0" b="0"/>
+      </a:lnRef>
+      <a:fillRef idx="1">
+        <a:scrgbClr r="0" g="0" b="0"/>
+      </a:fillRef>
+      <a:effectRef idx="0">
+        <a:scrgbClr r="0" g="0" b="0"/>
+      </a:effectRef>
+      <a:fontRef idx="minor"/>
+    </dgm:style>
+  </dgm:styleLbl>
+  <dgm:styleLbl name="solidBgAcc1">
+    <dgm:scene3d>
+      <a:camera prst="orthographicFront"/>
+      <a:lightRig rig="threePt" dir="t"/>
+    </dgm:scene3d>
+    <dgm:sp3d/>
+    <dgm:txPr/>
+    <dgm:style>
+      <a:lnRef idx="2">
+        <a:scrgbClr r="0" g="0" b="0"/>
+      </a:lnRef>
+      <a:fillRef idx="1">
+        <a:scrgbClr r="0" g="0" b="0"/>
+      </a:fillRef>
+      <a:effectRef idx="0">
+        <a:scrgbClr r="0" g="0" b="0"/>
+      </a:effectRef>
+      <a:fontRef idx="minor"/>
+    </dgm:style>
+  </dgm:styleLbl>
+  <dgm:styleLbl name="fgAccFollowNode1">
+    <dgm:scene3d>
+      <a:camera prst="orthographicFront"/>
+      <a:lightRig rig="threePt" dir="t"/>
+    </dgm:scene3d>
+    <dgm:sp3d/>
+    <dgm:txPr/>
+    <dgm:style>
+      <a:lnRef idx="2">
+        <a:scrgbClr r="0" g="0" b="0"/>
+      </a:lnRef>
+      <a:fillRef idx="1">
+        <a:scrgbClr r="0" g="0" b="0"/>
+      </a:fillRef>
+      <a:effectRef idx="0">
+        <a:scrgbClr r="0" g="0" b="0"/>
+      </a:effectRef>
+      <a:fontRef idx="minor"/>
+    </dgm:style>
+  </dgm:styleLbl>
+  <dgm:styleLbl name="alignAccFollowNode1">
+    <dgm:scene3d>
+      <a:camera prst="orthographicFront"/>
+      <a:lightRig rig="threePt" dir="t"/>
+    </dgm:scene3d>
+    <dgm:sp3d/>
+    <dgm:txPr/>
+    <dgm:style>
+      <a:lnRef idx="2">
+        <a:scrgbClr r="0" g="0" b="0"/>
+      </a:lnRef>
+      <a:fillRef idx="1">
+        <a:scrgbClr r="0" g="0" b="0"/>
+      </a:fillRef>
+      <a:effectRef idx="0">
+        <a:scrgbClr r="0" g="0" b="0"/>
+      </a:effectRef>
+      <a:fontRef idx="minor"/>
+    </dgm:style>
+  </dgm:styleLbl>
+  <dgm:styleLbl name="bgAccFollowNode1">
+    <dgm:scene3d>
+      <a:camera prst="orthographicFront"/>
+      <a:lightRig rig="threePt" dir="t"/>
+    </dgm:scene3d>
+    <dgm:sp3d/>
+    <dgm:txPr/>
+    <dgm:style>
+      <a:lnRef idx="2">
+        <a:scrgbClr r="0" g="0" b="0"/>
+      </a:lnRef>
+      <a:fillRef idx="1">
+        <a:scrgbClr r="0" g="0" b="0"/>
+      </a:fillRef>
+      <a:effectRef idx="0">
+        <a:scrgbClr r="0" g="0" b="0"/>
+      </a:effectRef>
+      <a:fontRef idx="minor"/>
+    </dgm:style>
+  </dgm:styleLbl>
+  <dgm:styleLbl name="fgAcc0">
+    <dgm:scene3d>
+      <a:camera prst="orthographicFront"/>
+      <a:lightRig rig="threePt" dir="t"/>
+    </dgm:scene3d>
+    <dgm:sp3d/>
+    <dgm:txPr/>
+    <dgm:style>
+      <a:lnRef idx="2">
+        <a:scrgbClr r="0" g="0" b="0"/>
+      </a:lnRef>
+      <a:fillRef idx="1">
+        <a:scrgbClr r="0" g="0" b="0"/>
+      </a:fillRef>
+      <a:effectRef idx="0">
+        <a:scrgbClr r="0" g="0" b="0"/>
+      </a:effectRef>
+      <a:fontRef idx="minor"/>
+    </dgm:style>
+  </dgm:styleLbl>
+  <dgm:styleLbl name="fgAcc2">
+    <dgm:scene3d>
+      <a:camera prst="orthographicFront"/>
+      <a:lightRig rig="threePt" dir="t"/>
+    </dgm:scene3d>
+    <dgm:sp3d/>
+    <dgm:txPr/>
+    <dgm:style>
+      <a:lnRef idx="2">
+        <a:scrgbClr r="0" g="0" b="0"/>
+      </a:lnRef>
+      <a:fillRef idx="1">
+        <a:scrgbClr r="0" g="0" b="0"/>
+      </a:fillRef>
+      <a:effectRef idx="0">
+        <a:scrgbClr r="0" g="0" b="0"/>
+      </a:effectRef>
+      <a:fontRef idx="minor"/>
+    </dgm:style>
+  </dgm:styleLbl>
+  <dgm:styleLbl name="fgAcc3">
+    <dgm:scene3d>
+      <a:camera prst="orthographicFront"/>
+      <a:lightRig rig="threePt" dir="t"/>
+    </dgm:scene3d>
+    <dgm:sp3d/>
+    <dgm:txPr/>
+    <dgm:style>
+      <a:lnRef idx="2">
+        <a:scrgbClr r="0" g="0" b="0"/>
+      </a:lnRef>
+      <a:fillRef idx="1">
+        <a:scrgbClr r="0" g="0" b="0"/>
+      </a:fillRef>
+      <a:effectRef idx="0">
+        <a:scrgbClr r="0" g="0" b="0"/>
+      </a:effectRef>
+      <a:fontRef idx="minor"/>
+    </dgm:style>
+  </dgm:styleLbl>
+  <dgm:styleLbl name="fgAcc4">
+    <dgm:scene3d>
+      <a:camera prst="orthographicFront"/>
+      <a:lightRig rig="threePt" dir="t"/>
+    </dgm:scene3d>
+    <dgm:sp3d/>
+    <dgm:txPr/>
+    <dgm:style>
+      <a:lnRef idx="2">
+        <a:scrgbClr r="0" g="0" b="0"/>
+      </a:lnRef>
+      <a:fillRef idx="1">
+        <a:scrgbClr r="0" g="0" b="0"/>
+      </a:fillRef>
+      <a:effectRef idx="0">
+        <a:scrgbClr r="0" g="0" b="0"/>
+      </a:effectRef>
+      <a:fontRef idx="minor"/>
+    </dgm:style>
+  </dgm:styleLbl>
+  <dgm:styleLbl name="bgShp">
+    <dgm:scene3d>
+      <a:camera prst="orthographicFront"/>
+      <a:lightRig rig="threePt" dir="t"/>
+    </dgm:scene3d>
+    <dgm:sp3d/>
+    <dgm:txPr/>
+    <dgm:style>
+      <a:lnRef idx="0">
+        <a:scrgbClr r="0" g="0" b="0"/>
+      </a:lnRef>
+      <a:fillRef idx="1">
+        <a:scrgbClr r="0" g="0" b="0"/>
+      </a:fillRef>
+      <a:effectRef idx="0">
+        <a:scrgbClr r="0" g="0" b="0"/>
+      </a:effectRef>
+      <a:fontRef idx="minor"/>
+    </dgm:style>
+  </dgm:styleLbl>
+  <dgm:styleLbl name="dkBgShp">
+    <dgm:scene3d>
+      <a:camera prst="orthographicFront"/>
+      <a:lightRig rig="threePt" dir="t"/>
+    </dgm:scene3d>
+    <dgm:sp3d/>
+    <dgm:txPr/>
+    <dgm:style>
+      <a:lnRef idx="0">
+        <a:scrgbClr r="0" g="0" b="0"/>
+      </a:lnRef>
+      <a:fillRef idx="1">
+        <a:scrgbClr r="0" g="0" b="0"/>
+      </a:fillRef>
+      <a:effectRef idx="0">
+        <a:scrgbClr r="0" g="0" b="0"/>
+      </a:effectRef>
+      <a:fontRef idx="minor"/>
+    </dgm:style>
+  </dgm:styleLbl>
+  <dgm:styleLbl name="trBgShp">
+    <dgm:scene3d>
+      <a:camera prst="orthographicFront"/>
+      <a:lightRig rig="threePt" dir="t"/>
+    </dgm:scene3d>
+    <dgm:sp3d/>
+    <dgm:txPr/>
+    <dgm:style>
+      <a:lnRef idx="0">
+        <a:scrgbClr r="0" g="0" b="0"/>
+      </a:lnRef>
+      <a:fillRef idx="1">
+        <a:scrgbClr r="0" g="0" b="0"/>
+      </a:fillRef>
+      <a:effectRef idx="0">
+        <a:scrgbClr r="0" g="0" b="0"/>
+      </a:effectRef>
+      <a:fontRef idx="minor"/>
+    </dgm:style>
+  </dgm:styleLbl>
+  <dgm:styleLbl name="fgShp">
+    <dgm:scene3d>
+      <a:camera prst="orthographicFront"/>
+      <a:lightRig rig="threePt" dir="t"/>
+    </dgm:scene3d>
+    <dgm:sp3d/>
+    <dgm:txPr/>
+    <dgm:style>
+      <a:lnRef idx="2">
+        <a:scrgbClr r="0" g="0" b="0"/>
+      </a:lnRef>
+      <a:fillRef idx="1">
+        <a:scrgbClr r="0" g="0" b="0"/>
+      </a:fillRef>
+      <a:effectRef idx="0">
+        <a:scrgbClr r="0" g="0" b="0"/>
+      </a:effectRef>
+      <a:fontRef idx="minor"/>
+    </dgm:style>
+  </dgm:styleLbl>
+  <dgm:styleLbl name="revTx">
+    <dgm:scene3d>
+      <a:camera prst="orthographicFront"/>
+      <a:lightRig rig="threePt" dir="t"/>
+    </dgm:scene3d>
+    <dgm:sp3d/>
+    <dgm:txPr/>
+    <dgm:style>
+      <a:lnRef idx="0">
+        <a:scrgbClr r="0" g="0" b="0"/>
+      </a:lnRef>
+      <a:fillRef idx="0">
+        <a:scrgbClr r="0" g="0" b="0"/>
+      </a:fillRef>
+      <a:effectRef idx="0">
+        <a:scrgbClr r="0" g="0" b="0"/>
+      </a:effectRef>
+      <a:fontRef idx="minor"/>
+    </dgm:style>
+  </dgm:styleLbl>
+</dgm:styleDef>
 </file>
 
 <file path=ppt/slideLayouts/slideLayout1.xml><?xml version="1.0" encoding="utf-8"?>
@@ -1706,7 +5082,7 @@
           <a:p>
             <a:fld id="{F4D57BDD-E64A-4D27-8978-82FFCA18A12C}" type="datetimeFigureOut">
               <a:rPr lang="en-US" smtClean="0"/>
-              <a:t>11/14/2022</a:t>
+              <a:t>11/25/2022</a:t>
             </a:fld>
             <a:endParaRPr lang="en-US"/>
           </a:p>
@@ -1914,7 +5290,7 @@
           <a:p>
             <a:fld id="{F4D57BDD-E64A-4D27-8978-82FFCA18A12C}" type="datetimeFigureOut">
               <a:rPr lang="en-US" smtClean="0"/>
-              <a:t>11/14/2022</a:t>
+              <a:t>11/25/2022</a:t>
             </a:fld>
             <a:endParaRPr lang="en-US"/>
           </a:p>
@@ -2170,7 +5546,7 @@
           <a:p>
             <a:fld id="{F4D57BDD-E64A-4D27-8978-82FFCA18A12C}" type="datetimeFigureOut">
               <a:rPr lang="en-US" smtClean="0"/>
-              <a:t>11/14/2022</a:t>
+              <a:t>11/25/2022</a:t>
             </a:fld>
             <a:endParaRPr lang="en-US"/>
           </a:p>
@@ -2344,7 +5720,7 @@
           <a:p>
             <a:fld id="{F4D57BDD-E64A-4D27-8978-82FFCA18A12C}" type="datetimeFigureOut">
               <a:rPr lang="en-US" smtClean="0"/>
-              <a:t>11/14/2022</a:t>
+              <a:t>11/25/2022</a:t>
             </a:fld>
             <a:endParaRPr lang="en-US"/>
           </a:p>
@@ -2687,7 +6063,7 @@
           <a:p>
             <a:fld id="{F4D57BDD-E64A-4D27-8978-82FFCA18A12C}" type="datetimeFigureOut">
               <a:rPr lang="en-US" smtClean="0"/>
-              <a:t>11/14/2022</a:t>
+              <a:t>11/25/2022</a:t>
             </a:fld>
             <a:endParaRPr lang="en-US"/>
           </a:p>
@@ -2962,7 +6338,7 @@
           <a:p>
             <a:fld id="{F4D57BDD-E64A-4D27-8978-82FFCA18A12C}" type="datetimeFigureOut">
               <a:rPr lang="en-US" smtClean="0"/>
-              <a:t>11/14/2022</a:t>
+              <a:t>11/25/2022</a:t>
             </a:fld>
             <a:endParaRPr lang="en-US"/>
           </a:p>
@@ -3341,7 +6717,7 @@
           <a:p>
             <a:fld id="{F4D57BDD-E64A-4D27-8978-82FFCA18A12C}" type="datetimeFigureOut">
               <a:rPr lang="en-US" smtClean="0"/>
-              <a:t>11/14/2022</a:t>
+              <a:t>11/25/2022</a:t>
             </a:fld>
             <a:endParaRPr lang="en-US"/>
           </a:p>
@@ -3459,7 +6835,7 @@
           <a:p>
             <a:fld id="{F4D57BDD-E64A-4D27-8978-82FFCA18A12C}" type="datetimeFigureOut">
               <a:rPr lang="en-US" smtClean="0"/>
-              <a:t>11/14/2022</a:t>
+              <a:t>11/25/2022</a:t>
             </a:fld>
             <a:endParaRPr lang="en-US"/>
           </a:p>
@@ -3630,7 +7006,7 @@
           <a:p>
             <a:fld id="{F4D57BDD-E64A-4D27-8978-82FFCA18A12C}" type="datetimeFigureOut">
               <a:rPr lang="en-US" smtClean="0"/>
-              <a:t>11/14/2022</a:t>
+              <a:t>11/25/2022</a:t>
             </a:fld>
             <a:endParaRPr lang="en-US"/>
           </a:p>
@@ -3984,7 +7360,7 @@
           <a:p>
             <a:fld id="{F4D57BDD-E64A-4D27-8978-82FFCA18A12C}" type="datetimeFigureOut">
               <a:rPr lang="en-US" smtClean="0"/>
-              <a:t>11/14/2022</a:t>
+              <a:t>11/25/2022</a:t>
             </a:fld>
             <a:endParaRPr lang="en-US"/>
           </a:p>
@@ -4366,7 +7742,7 @@
           <a:p>
             <a:fld id="{F4D57BDD-E64A-4D27-8978-82FFCA18A12C}" type="datetimeFigureOut">
               <a:rPr lang="en-US" smtClean="0"/>
-              <a:t>11/14/2022</a:t>
+              <a:t>11/25/2022</a:t>
             </a:fld>
             <a:endParaRPr lang="en-US"/>
           </a:p>
@@ -4654,7 +8030,7 @@
             <a:fld id="{F4D57BDD-E64A-4D27-8978-82FFCA18A12C}" type="datetimeFigureOut">
               <a:rPr lang="en-US" smtClean="0"/>
               <a:pPr/>
-              <a:t>11/14/2022</a:t>
+              <a:t>11/25/2022</a:t>
             </a:fld>
             <a:endParaRPr lang="en-US" dirty="0"/>
           </a:p>
@@ -5247,7 +8623,7 @@
           <a:p>
             <a:r>
               <a:rPr lang="en-US" dirty="0"/>
-              <a:t>TCU, November 2022</a:t>
+              <a:t>Alison Kleffner</a:t>
             </a:r>
           </a:p>
         </p:txBody>
@@ -6329,7 +9705,7 @@
         <p:spPr/>
         <p:txBody>
           <a:bodyPr>
-            <a:normAutofit lnSpcReduction="10000"/>
+            <a:normAutofit/>
           </a:bodyPr>
           <a:lstStyle/>
           <a:p>
@@ -6366,6 +9742,28 @@
             </a:r>
           </a:p>
           <a:p>
+            <a:pPr lvl="1">
+              <a:lnSpc>
+                <a:spcPct val="150000"/>
+              </a:lnSpc>
+            </a:pPr>
+            <a:r>
+              <a:rPr lang="en-US" sz="2000" dirty="0"/>
+              <a:t>Response variable- </a:t>
+            </a:r>
+          </a:p>
+          <a:p>
+            <a:pPr lvl="1">
+              <a:lnSpc>
+                <a:spcPct val="150000"/>
+              </a:lnSpc>
+            </a:pPr>
+            <a:r>
+              <a:rPr lang="en-US" sz="2000" dirty="0"/>
+              <a:t>Potential confounding variable-</a:t>
+            </a:r>
+          </a:p>
+          <a:p>
             <a:pPr lvl="2">
               <a:lnSpc>
                 <a:spcPct val="150000"/>
@@ -6373,63 +9771,14 @@
             </a:pPr>
             <a:r>
               <a:rPr lang="en-US" sz="1800" dirty="0"/>
-              <a:t>Categorical or Quantitative</a:t>
-            </a:r>
-          </a:p>
-          <a:p>
-            <a:pPr lvl="1">
-              <a:lnSpc>
-                <a:spcPct val="150000"/>
-              </a:lnSpc>
-            </a:pPr>
-            <a:r>
-              <a:rPr lang="en-US" sz="2000" dirty="0"/>
-              <a:t>Response variable- </a:t>
-            </a:r>
-          </a:p>
-          <a:p>
-            <a:pPr lvl="2">
-              <a:lnSpc>
-                <a:spcPct val="150000"/>
-              </a:lnSpc>
-            </a:pPr>
-            <a:r>
-              <a:rPr lang="en-US" sz="1800" dirty="0"/>
-              <a:t>Categorical or Quantitative</a:t>
-            </a:r>
-          </a:p>
-          <a:p>
-            <a:pPr lvl="1">
-              <a:lnSpc>
-                <a:spcPct val="150000"/>
-              </a:lnSpc>
-            </a:pPr>
-            <a:r>
-              <a:rPr lang="en-US" sz="2000" dirty="0"/>
-              <a:t>Potential confounding variable-</a:t>
-            </a:r>
-          </a:p>
-          <a:p>
-            <a:pPr lvl="2">
-              <a:lnSpc>
-                <a:spcPct val="150000"/>
-              </a:lnSpc>
-            </a:pPr>
-            <a:r>
-              <a:rPr lang="en-US" sz="1800" dirty="0"/>
               <a:t>Explain Bias</a:t>
             </a:r>
           </a:p>
           <a:p>
-            <a:pPr lvl="2">
-              <a:lnSpc>
-                <a:spcPct val="150000"/>
-              </a:lnSpc>
-            </a:pPr>
-            <a:r>
-              <a:rPr lang="en-US" sz="1800" dirty="0"/>
-              <a:t>Draw relationship chart</a:t>
-            </a:r>
+            <a:endParaRPr lang="en-US" b="1" i="1" dirty="0"/>
+          </a:p>
+          <a:p>
+            <a:endParaRPr lang="en-US" b="1" i="1" dirty="0"/>
           </a:p>
           <a:p>
             <a:r>
@@ -6655,6 +10004,181 @@
 </file>
 
 <file path=ppt/slides/slide18.xml><?xml version="1.0" encoding="utf-8"?>
+<p:sld xmlns:a="http://schemas.openxmlformats.org/drawingml/2006/main" xmlns:r="http://schemas.openxmlformats.org/officeDocument/2006/relationships" xmlns:p="http://schemas.openxmlformats.org/presentationml/2006/main">
+  <p:cSld>
+    <p:spTree>
+      <p:nvGrpSpPr>
+        <p:cNvPr id="1" name=""/>
+        <p:cNvGrpSpPr/>
+        <p:nvPr/>
+      </p:nvGrpSpPr>
+      <p:grpSpPr>
+        <a:xfrm>
+          <a:off x="0" y="0"/>
+          <a:ext cx="0" cy="0"/>
+          <a:chOff x="0" y="0"/>
+          <a:chExt cx="0" cy="0"/>
+        </a:xfrm>
+      </p:grpSpPr>
+      <p:sp>
+        <p:nvSpPr>
+          <p:cNvPr id="2" name="Title 1"/>
+          <p:cNvSpPr>
+            <a:spLocks noGrp="1"/>
+          </p:cNvSpPr>
+          <p:nvPr>
+            <p:ph type="title"/>
+          </p:nvPr>
+        </p:nvSpPr>
+        <p:spPr>
+          <a:xfrm>
+            <a:off x="1069848" y="147281"/>
+            <a:ext cx="10383243" cy="1609344"/>
+          </a:xfrm>
+        </p:spPr>
+        <p:txBody>
+          <a:bodyPr>
+            <a:normAutofit/>
+          </a:bodyPr>
+          <a:lstStyle/>
+          <a:p>
+            <a:r>
+              <a:rPr lang="en-US" dirty="0"/>
+              <a:t>Introduction</a:t>
+            </a:r>
+          </a:p>
+        </p:txBody>
+      </p:sp>
+      <p:sp>
+        <p:nvSpPr>
+          <p:cNvPr id="3" name="Content Placeholder 2"/>
+          <p:cNvSpPr>
+            <a:spLocks noGrp="1"/>
+          </p:cNvSpPr>
+          <p:nvPr>
+            <p:ph idx="1"/>
+          </p:nvPr>
+        </p:nvSpPr>
+        <p:spPr>
+          <a:xfrm>
+            <a:off x="1069848" y="1838036"/>
+            <a:ext cx="10058400" cy="4334164"/>
+          </a:xfrm>
+        </p:spPr>
+        <p:txBody>
+          <a:bodyPr>
+            <a:normAutofit/>
+          </a:bodyPr>
+          <a:lstStyle/>
+          <a:p>
+            <a:pPr>
+              <a:lnSpc>
+                <a:spcPct val="150000"/>
+              </a:lnSpc>
+            </a:pPr>
+            <a:r>
+              <a:rPr lang="en-US" dirty="0"/>
+              <a:t>How can we </a:t>
+            </a:r>
+            <a:r>
+              <a:rPr lang="en-US" b="1" dirty="0"/>
+              <a:t>take a sample </a:t>
+            </a:r>
+            <a:r>
+              <a:rPr lang="en-US" dirty="0"/>
+              <a:t>so that we can </a:t>
+            </a:r>
+            <a:r>
+              <a:rPr lang="en-US" b="1" dirty="0"/>
+              <a:t>reduce the risk </a:t>
+            </a:r>
+            <a:r>
+              <a:rPr lang="en-US" dirty="0"/>
+              <a:t>of having confounding variables?</a:t>
+            </a:r>
+          </a:p>
+          <a:p>
+            <a:pPr>
+              <a:lnSpc>
+                <a:spcPct val="150000"/>
+              </a:lnSpc>
+            </a:pPr>
+            <a:r>
+              <a:rPr lang="en-US" dirty="0"/>
+              <a:t>Confounding variable add </a:t>
+            </a:r>
+            <a:r>
+              <a:rPr lang="en-US" b="1" dirty="0"/>
+              <a:t>bias</a:t>
+            </a:r>
+            <a:r>
+              <a:rPr lang="en-US" dirty="0"/>
+              <a:t> to our study</a:t>
+            </a:r>
+          </a:p>
+          <a:p>
+            <a:pPr lvl="1">
+              <a:lnSpc>
+                <a:spcPct val="150000"/>
+              </a:lnSpc>
+            </a:pPr>
+            <a:r>
+              <a:rPr lang="en-US" dirty="0"/>
+              <a:t>Additional factor we’re not accounting for that affects our results.</a:t>
+            </a:r>
+          </a:p>
+          <a:p>
+            <a:pPr>
+              <a:lnSpc>
+                <a:spcPct val="150000"/>
+              </a:lnSpc>
+            </a:pPr>
+            <a:r>
+              <a:rPr lang="en-US" b="1" dirty="0"/>
+              <a:t>Big picture</a:t>
+            </a:r>
+          </a:p>
+          <a:p>
+            <a:pPr lvl="1">
+              <a:lnSpc>
+                <a:spcPct val="150000"/>
+              </a:lnSpc>
+            </a:pPr>
+            <a:r>
+              <a:rPr lang="en-US" dirty="0"/>
+              <a:t>Observational vs. Experimental Studies</a:t>
+            </a:r>
+          </a:p>
+          <a:p>
+            <a:pPr lvl="1">
+              <a:lnSpc>
+                <a:spcPct val="150000"/>
+              </a:lnSpc>
+            </a:pPr>
+            <a:r>
+              <a:rPr lang="en-US" dirty="0"/>
+              <a:t>Random Sampling vs. Random Assignment</a:t>
+            </a:r>
+          </a:p>
+          <a:p>
+            <a:endParaRPr lang="en-US" dirty="0"/>
+          </a:p>
+        </p:txBody>
+      </p:sp>
+    </p:spTree>
+    <p:extLst>
+      <p:ext uri="{BB962C8B-B14F-4D97-AF65-F5344CB8AC3E}">
+        <p14:creationId xmlns:p14="http://schemas.microsoft.com/office/powerpoint/2010/main" val="2030056960"/>
+      </p:ext>
+    </p:extLst>
+  </p:cSld>
+  <p:clrMapOvr>
+    <a:masterClrMapping/>
+  </p:clrMapOvr>
+</p:sld>
+</file>
+
+<file path=ppt/slides/slide19.xml><?xml version="1.0" encoding="utf-8"?>
 <p:sld xmlns:a="http://schemas.openxmlformats.org/drawingml/2006/main" xmlns:r="http://schemas.openxmlformats.org/officeDocument/2006/relationships" xmlns:p="http://schemas.openxmlformats.org/presentationml/2006/main">
   <p:cSld>
     <p:bg>
@@ -6858,7 +10382,7 @@
                   <a:srgbClr val="FFFFFF"/>
                 </a:solidFill>
               </a:rPr>
-              <a:t>Experimental vs Observational Studies</a:t>
+              <a:t>Sampling</a:t>
             </a:r>
           </a:p>
         </p:txBody>
@@ -6921,245 +10445,7 @@
     </p:spTree>
     <p:extLst>
       <p:ext uri="{BB962C8B-B14F-4D97-AF65-F5344CB8AC3E}">
-        <p14:creationId xmlns:p14="http://schemas.microsoft.com/office/powerpoint/2010/main" val="3161323200"/>
-      </p:ext>
-    </p:extLst>
-  </p:cSld>
-  <p:clrMapOvr>
-    <a:masterClrMapping/>
-  </p:clrMapOvr>
-</p:sld>
-</file>
-
-<file path=ppt/slides/slide19.xml><?xml version="1.0" encoding="utf-8"?>
-<p:sld xmlns:a="http://schemas.openxmlformats.org/drawingml/2006/main" xmlns:r="http://schemas.openxmlformats.org/officeDocument/2006/relationships" xmlns:p="http://schemas.openxmlformats.org/presentationml/2006/main">
-  <p:cSld>
-    <p:spTree>
-      <p:nvGrpSpPr>
-        <p:cNvPr id="1" name=""/>
-        <p:cNvGrpSpPr/>
-        <p:nvPr/>
-      </p:nvGrpSpPr>
-      <p:grpSpPr>
-        <a:xfrm>
-          <a:off x="0" y="0"/>
-          <a:ext cx="0" cy="0"/>
-          <a:chOff x="0" y="0"/>
-          <a:chExt cx="0" cy="0"/>
-        </a:xfrm>
-      </p:grpSpPr>
-      <p:sp>
-        <p:nvSpPr>
-          <p:cNvPr id="2" name="Title 1"/>
-          <p:cNvSpPr>
-            <a:spLocks noGrp="1"/>
-          </p:cNvSpPr>
-          <p:nvPr>
-            <p:ph type="title"/>
-          </p:nvPr>
-        </p:nvSpPr>
-        <p:spPr>
-          <a:xfrm>
-            <a:off x="261891" y="287414"/>
-            <a:ext cx="3573262" cy="893316"/>
-          </a:xfrm>
-        </p:spPr>
-        <p:txBody>
-          <a:bodyPr>
-            <a:normAutofit fontScale="90000"/>
-          </a:bodyPr>
-          <a:lstStyle/>
-          <a:p>
-            <a:br>
-              <a:rPr lang="en-US" dirty="0"/>
-            </a:br>
-            <a:r>
-              <a:rPr lang="en-US" sz="4000" b="1" dirty="0"/>
-              <a:t>Have a nice trip</a:t>
-            </a:r>
-          </a:p>
-        </p:txBody>
-      </p:sp>
-      <p:sp>
-        <p:nvSpPr>
-          <p:cNvPr id="3" name="Content Placeholder 2"/>
-          <p:cNvSpPr>
-            <a:spLocks noGrp="1"/>
-          </p:cNvSpPr>
-          <p:nvPr>
-            <p:ph idx="1"/>
-          </p:nvPr>
-        </p:nvSpPr>
-        <p:spPr/>
-        <p:txBody>
-          <a:bodyPr>
-            <a:normAutofit fontScale="92500" lnSpcReduction="20000"/>
-          </a:bodyPr>
-          <a:lstStyle/>
-          <a:p>
-            <a:pPr>
-              <a:lnSpc>
-                <a:spcPct val="150000"/>
-              </a:lnSpc>
-            </a:pPr>
-            <a:r>
-              <a:rPr lang="en-US" dirty="0"/>
-              <a:t>Researchers want to compare two recovery strategies:</a:t>
-            </a:r>
-          </a:p>
-          <a:p>
-            <a:pPr lvl="1">
-              <a:lnSpc>
-                <a:spcPct val="150000"/>
-              </a:lnSpc>
-            </a:pPr>
-            <a:r>
-              <a:rPr lang="en-US" dirty="0"/>
-              <a:t>Lowering (quickly stepping down with front leg and then raising back leg over the object) </a:t>
-            </a:r>
-          </a:p>
-          <a:p>
-            <a:pPr lvl="1">
-              <a:lnSpc>
-                <a:spcPct val="150000"/>
-              </a:lnSpc>
-            </a:pPr>
-            <a:r>
-              <a:rPr lang="en-US" dirty="0"/>
-              <a:t>Elevating (lifting front leg over the object). </a:t>
-            </a:r>
-          </a:p>
-          <a:p>
-            <a:pPr>
-              <a:lnSpc>
-                <a:spcPct val="150000"/>
-              </a:lnSpc>
-            </a:pPr>
-            <a:r>
-              <a:rPr lang="en-US" dirty="0"/>
-              <a:t>24 subjects have agreed to participate in such a study: </a:t>
-            </a:r>
-          </a:p>
-          <a:p>
-            <a:pPr lvl="1">
-              <a:lnSpc>
-                <a:spcPct val="150000"/>
-              </a:lnSpc>
-            </a:pPr>
-            <a:r>
-              <a:rPr lang="en-US" dirty="0"/>
-              <a:t>8 between the ages of 21-40</a:t>
-            </a:r>
-          </a:p>
-          <a:p>
-            <a:pPr lvl="1">
-              <a:lnSpc>
-                <a:spcPct val="150000"/>
-              </a:lnSpc>
-            </a:pPr>
-            <a:r>
-              <a:rPr lang="en-US" dirty="0"/>
-              <a:t>16 between the ages of 41-60</a:t>
-            </a:r>
-          </a:p>
-          <a:p>
-            <a:pPr marL="274320" lvl="1" indent="0">
-              <a:lnSpc>
-                <a:spcPct val="150000"/>
-              </a:lnSpc>
-              <a:buNone/>
-            </a:pPr>
-            <a:endParaRPr lang="en-US" dirty="0"/>
-          </a:p>
-          <a:p>
-            <a:pPr>
-              <a:lnSpc>
-                <a:spcPct val="150000"/>
-              </a:lnSpc>
-            </a:pPr>
-            <a:r>
-              <a:rPr lang="en-US" dirty="0"/>
-              <a:t>Identify the following:</a:t>
-            </a:r>
-          </a:p>
-          <a:p>
-            <a:pPr lvl="1">
-              <a:lnSpc>
-                <a:spcPct val="150000"/>
-              </a:lnSpc>
-            </a:pPr>
-            <a:r>
-              <a:rPr lang="en-US" dirty="0"/>
-              <a:t>Explanatory Variable</a:t>
-            </a:r>
-          </a:p>
-          <a:p>
-            <a:pPr lvl="1">
-              <a:lnSpc>
-                <a:spcPct val="150000"/>
-              </a:lnSpc>
-            </a:pPr>
-            <a:r>
-              <a:rPr lang="en-US" dirty="0"/>
-              <a:t>Response Variable</a:t>
-            </a:r>
-          </a:p>
-          <a:p>
-            <a:pPr lvl="1">
-              <a:lnSpc>
-                <a:spcPct val="150000"/>
-              </a:lnSpc>
-            </a:pPr>
-            <a:r>
-              <a:rPr lang="en-US" dirty="0"/>
-              <a:t>Potential Confounding Variable</a:t>
-            </a:r>
-          </a:p>
-          <a:p>
-            <a:endParaRPr lang="en-US" dirty="0"/>
-          </a:p>
-          <a:p>
-            <a:endParaRPr lang="en-US" dirty="0"/>
-          </a:p>
-        </p:txBody>
-      </p:sp>
-      <p:sp>
-        <p:nvSpPr>
-          <p:cNvPr id="4" name="Text Placeholder 3"/>
-          <p:cNvSpPr>
-            <a:spLocks noGrp="1"/>
-          </p:cNvSpPr>
-          <p:nvPr>
-            <p:ph type="body" sz="half" idx="2"/>
-          </p:nvPr>
-        </p:nvSpPr>
-        <p:spPr>
-          <a:xfrm>
-            <a:off x="457200" y="1651247"/>
-            <a:ext cx="3200400" cy="4653957"/>
-          </a:xfrm>
-        </p:spPr>
-        <p:txBody>
-          <a:bodyPr>
-            <a:normAutofit/>
-          </a:bodyPr>
-          <a:lstStyle/>
-          <a:p>
-            <a:r>
-              <a:rPr lang="en-US" dirty="0"/>
-              <a:t> </a:t>
-            </a:r>
-            <a:r>
-              <a:rPr lang="en-US" sz="2200" dirty="0"/>
-              <a:t>An area of research in biomechanics and gerontology concerns falls and fall-related injuries, especially for elderly people. Recent studies have focused on how individuals respond to large postural disturbances (e.g., tripping, induced slips). One question is whether subjects can be instructed to improve their recovery from such disturbances. </a:t>
-            </a:r>
-          </a:p>
-        </p:txBody>
-      </p:sp>
-    </p:spTree>
-    <p:extLst>
-      <p:ext uri="{BB962C8B-B14F-4D97-AF65-F5344CB8AC3E}">
-        <p14:creationId xmlns:p14="http://schemas.microsoft.com/office/powerpoint/2010/main" val="2724735028"/>
+        <p14:creationId xmlns:p14="http://schemas.microsoft.com/office/powerpoint/2010/main" val="630199728"/>
       </p:ext>
     </p:extLst>
   </p:cSld>
@@ -7777,21 +11063,14 @@
             <p:ph type="title"/>
           </p:nvPr>
         </p:nvSpPr>
-        <p:spPr>
-          <a:xfrm>
-            <a:off x="1069848" y="147281"/>
-            <a:ext cx="10383243" cy="1609344"/>
-          </a:xfrm>
-        </p:spPr>
+        <p:spPr/>
         <p:txBody>
-          <a:bodyPr>
-            <a:normAutofit/>
-          </a:bodyPr>
+          <a:bodyPr/>
           <a:lstStyle/>
           <a:p>
             <a:r>
               <a:rPr lang="en-US" dirty="0"/>
-              <a:t>Introduction</a:t>
+              <a:t>Definitions:</a:t>
             </a:r>
           </a:p>
         </p:txBody>
@@ -7806,16 +11085,9 @@
             <p:ph idx="1"/>
           </p:nvPr>
         </p:nvSpPr>
-        <p:spPr>
-          <a:xfrm>
-            <a:off x="1069848" y="1838036"/>
-            <a:ext cx="10058400" cy="4334164"/>
-          </a:xfrm>
-        </p:spPr>
+        <p:spPr/>
         <p:txBody>
-          <a:bodyPr>
-            <a:normAutofit/>
-          </a:bodyPr>
+          <a:bodyPr/>
           <a:lstStyle/>
           <a:p>
             <a:pPr>
@@ -7825,23 +11097,18 @@
             </a:pPr>
             <a:r>
               <a:rPr lang="en-US" dirty="0"/>
-              <a:t>How can we </a:t>
-            </a:r>
-            <a:r>
-              <a:rPr lang="en-US" b="1" dirty="0"/>
-              <a:t>take a sample </a:t>
-            </a:r>
+              <a:t>Population: entire collection of observational units we are interested in </a:t>
+            </a:r>
+          </a:p>
+          <a:p>
+            <a:pPr lvl="1">
+              <a:lnSpc>
+                <a:spcPct val="150000"/>
+              </a:lnSpc>
+            </a:pPr>
             <a:r>
               <a:rPr lang="en-US" dirty="0"/>
-              <a:t>so that we can </a:t>
-            </a:r>
-            <a:r>
-              <a:rPr lang="en-US" b="1" dirty="0"/>
-              <a:t>reduce the risk </a:t>
-            </a:r>
-            <a:r>
-              <a:rPr lang="en-US" dirty="0"/>
-              <a:t>of having confounding variables?</a:t>
+              <a:t>Relates to Parameter</a:t>
             </a:r>
           </a:p>
           <a:p>
@@ -7852,15 +11119,7 @@
             </a:pPr>
             <a:r>
               <a:rPr lang="en-US" dirty="0"/>
-              <a:t>Confounding variable add </a:t>
-            </a:r>
-            <a:r>
-              <a:rPr lang="en-US" b="1" dirty="0"/>
-              <a:t>bias</a:t>
-            </a:r>
-            <a:r>
-              <a:rPr lang="en-US" dirty="0"/>
-              <a:t> to our study</a:t>
+              <a:t>Sample: A subset of the population</a:t>
             </a:r>
           </a:p>
           <a:p>
@@ -7871,43 +11130,58 @@
             </a:pPr>
             <a:r>
               <a:rPr lang="en-US" dirty="0"/>
-              <a:t>Additional factor we’re not accounting for that affects our results.</a:t>
-            </a:r>
-          </a:p>
-          <a:p>
-            <a:pPr>
+              <a:t>Relates to Statistic</a:t>
+            </a:r>
+          </a:p>
+          <a:p>
+            <a:pPr marL="182880" lvl="1">
               <a:lnSpc>
                 <a:spcPct val="150000"/>
               </a:lnSpc>
+              <a:spcBef>
+                <a:spcPts val="1200"/>
+              </a:spcBef>
+              <a:spcAft>
+                <a:spcPts val="0"/>
+              </a:spcAft>
             </a:pPr>
             <a:r>
-              <a:rPr lang="en-US" b="1" dirty="0"/>
-              <a:t>Big picture</a:t>
-            </a:r>
-          </a:p>
-          <a:p>
-            <a:pPr lvl="1">
+              <a:rPr lang="en-US" sz="2000" b="1" dirty="0"/>
+              <a:t>Goal: Generalization</a:t>
+            </a:r>
+          </a:p>
+          <a:p>
+            <a:pPr marL="457200" lvl="2">
               <a:lnSpc>
                 <a:spcPct val="150000"/>
               </a:lnSpc>
+              <a:spcBef>
+                <a:spcPts val="1200"/>
+              </a:spcBef>
+              <a:spcAft>
+                <a:spcPts val="0"/>
+              </a:spcAft>
             </a:pPr>
             <a:r>
-              <a:rPr lang="en-US" dirty="0"/>
-              <a:t>Observational vs. Experimental Studies</a:t>
-            </a:r>
-          </a:p>
-          <a:p>
-            <a:pPr lvl="1">
-              <a:lnSpc>
-                <a:spcPct val="150000"/>
-              </a:lnSpc>
+              <a:rPr lang="en-US" sz="1800" dirty="0"/>
+              <a:t>Not only to describe the sample but to generalize characteristics of the sample to a much larger population</a:t>
+            </a:r>
+          </a:p>
+          <a:p>
+            <a:pPr marL="457200" lvl="2">
+              <a:spcBef>
+                <a:spcPts val="1200"/>
+              </a:spcBef>
+              <a:spcAft>
+                <a:spcPts val="0"/>
+              </a:spcAft>
             </a:pPr>
-            <a:r>
-              <a:rPr lang="en-US" dirty="0"/>
-              <a:t>Random Sampling vs. Random Assignment</a:t>
-            </a:r>
-          </a:p>
-          <a:p>
+            <a:endParaRPr lang="en-US" sz="2000" dirty="0"/>
+          </a:p>
+          <a:p>
+            <a:pPr marL="0" indent="0">
+              <a:buNone/>
+            </a:pPr>
             <a:endParaRPr lang="en-US" dirty="0"/>
           </a:p>
         </p:txBody>
@@ -7915,7 +11189,7 @@
     </p:spTree>
     <p:extLst>
       <p:ext uri="{BB962C8B-B14F-4D97-AF65-F5344CB8AC3E}">
-        <p14:creationId xmlns:p14="http://schemas.microsoft.com/office/powerpoint/2010/main" val="2030056960"/>
+        <p14:creationId xmlns:p14="http://schemas.microsoft.com/office/powerpoint/2010/main" val="835985090"/>
       </p:ext>
     </p:extLst>
   </p:cSld>
@@ -7952,6 +11226,805 @@
             <p:ph type="title"/>
           </p:nvPr>
         </p:nvSpPr>
+        <p:spPr>
+          <a:xfrm>
+            <a:off x="1069848" y="165036"/>
+            <a:ext cx="10058400" cy="1609344"/>
+          </a:xfrm>
+        </p:spPr>
+        <p:txBody>
+          <a:bodyPr>
+            <a:normAutofit/>
+          </a:bodyPr>
+          <a:lstStyle/>
+          <a:p>
+            <a:r>
+              <a:rPr lang="en-US" dirty="0"/>
+              <a:t>Sampling</a:t>
+            </a:r>
+          </a:p>
+        </p:txBody>
+      </p:sp>
+      <p:sp>
+        <p:nvSpPr>
+          <p:cNvPr id="11" name="Content Placeholder 2"/>
+          <p:cNvSpPr>
+            <a:spLocks noGrp="1"/>
+          </p:cNvSpPr>
+          <p:nvPr>
+            <p:ph idx="1"/>
+          </p:nvPr>
+        </p:nvSpPr>
+        <p:spPr>
+          <a:xfrm>
+            <a:off x="1066800" y="2089592"/>
+            <a:ext cx="10058400" cy="3851787"/>
+          </a:xfrm>
+        </p:spPr>
+        <p:txBody>
+          <a:bodyPr>
+            <a:normAutofit/>
+          </a:bodyPr>
+          <a:lstStyle/>
+          <a:p>
+            <a:pPr lvl="0"/>
+            <a:r>
+              <a:rPr lang="en-US" b="1" dirty="0"/>
+              <a:t>Representative sample: </a:t>
+            </a:r>
+            <a:r>
+              <a:rPr lang="en-US" dirty="0"/>
+              <a:t>A sample is representative if it is similar to or represents the whole population from which it has been drawn</a:t>
+            </a:r>
+          </a:p>
+          <a:p>
+            <a:pPr lvl="1"/>
+            <a:r>
+              <a:rPr lang="en-US" i="1" u="sng" dirty="0"/>
+              <a:t>Example:</a:t>
+            </a:r>
+            <a:r>
+              <a:rPr lang="en-US" i="1" dirty="0"/>
+              <a:t> Would data from this class be representative of all TCU students?</a:t>
+            </a:r>
+          </a:p>
+          <a:p>
+            <a:pPr marL="274320" lvl="1" indent="0">
+              <a:buNone/>
+            </a:pPr>
+            <a:endParaRPr lang="en-US" dirty="0"/>
+          </a:p>
+          <a:p>
+            <a:pPr lvl="0"/>
+            <a:r>
+              <a:rPr lang="en-US" b="1" dirty="0"/>
+              <a:t>Bias:</a:t>
+            </a:r>
+            <a:r>
+              <a:rPr lang="en-US" dirty="0"/>
+              <a:t> when the statistic consistently overestimates or underestimates the population parameter of interest.</a:t>
+            </a:r>
+          </a:p>
+          <a:p>
+            <a:pPr lvl="1"/>
+            <a:r>
+              <a:rPr lang="en-US" i="1" u="sng" dirty="0"/>
+              <a:t>Example:</a:t>
+            </a:r>
+            <a:r>
+              <a:rPr lang="en-US" i="1" dirty="0"/>
+              <a:t> Would asking TCU students enrolled in 8 am classes if they are morning people be representative of all TCU students?</a:t>
+            </a:r>
+          </a:p>
+          <a:p>
+            <a:pPr lvl="1"/>
+            <a:endParaRPr lang="en-US" dirty="0"/>
+          </a:p>
+          <a:p>
+            <a:pPr lvl="0"/>
+            <a:endParaRPr lang="en-US" dirty="0"/>
+          </a:p>
+        </p:txBody>
+      </p:sp>
+    </p:spTree>
+    <p:extLst>
+      <p:ext uri="{BB962C8B-B14F-4D97-AF65-F5344CB8AC3E}">
+        <p14:creationId xmlns:p14="http://schemas.microsoft.com/office/powerpoint/2010/main" val="3438414385"/>
+      </p:ext>
+    </p:extLst>
+  </p:cSld>
+  <p:clrMapOvr>
+    <a:masterClrMapping/>
+  </p:clrMapOvr>
+</p:sld>
+</file>
+
+<file path=ppt/slides/slide22.xml><?xml version="1.0" encoding="utf-8"?>
+<p:sld xmlns:a="http://schemas.openxmlformats.org/drawingml/2006/main" xmlns:r="http://schemas.openxmlformats.org/officeDocument/2006/relationships" xmlns:p="http://schemas.openxmlformats.org/presentationml/2006/main">
+  <p:cSld>
+    <p:bg>
+      <p:bgPr>
+        <a:solidFill>
+          <a:schemeClr val="bg1"/>
+        </a:solidFill>
+        <a:effectLst/>
+      </p:bgPr>
+    </p:bg>
+    <p:spTree>
+      <p:nvGrpSpPr>
+        <p:cNvPr id="1" name=""/>
+        <p:cNvGrpSpPr/>
+        <p:nvPr/>
+      </p:nvGrpSpPr>
+      <p:grpSpPr>
+        <a:xfrm>
+          <a:off x="0" y="0"/>
+          <a:ext cx="0" cy="0"/>
+          <a:chOff x="0" y="0"/>
+          <a:chExt cx="0" cy="0"/>
+        </a:xfrm>
+      </p:grpSpPr>
+      <p:sp>
+        <p:nvSpPr>
+          <p:cNvPr id="2" name="Title 1"/>
+          <p:cNvSpPr>
+            <a:spLocks noGrp="1"/>
+          </p:cNvSpPr>
+          <p:nvPr>
+            <p:ph type="title" idx="4294967295"/>
+          </p:nvPr>
+        </p:nvSpPr>
+        <p:spPr>
+          <a:xfrm>
+            <a:off x="865238" y="0"/>
+            <a:ext cx="10058400" cy="1450975"/>
+          </a:xfrm>
+        </p:spPr>
+        <p:txBody>
+          <a:bodyPr>
+            <a:normAutofit/>
+          </a:bodyPr>
+          <a:lstStyle/>
+          <a:p>
+            <a:r>
+              <a:rPr lang="en-US" dirty="0"/>
+              <a:t>How to Sample?</a:t>
+            </a:r>
+          </a:p>
+        </p:txBody>
+      </p:sp>
+      <p:graphicFrame>
+        <p:nvGraphicFramePr>
+          <p:cNvPr id="5" name="Content Placeholder 2">
+            <a:extLst>
+              <a:ext uri="{FF2B5EF4-FFF2-40B4-BE49-F238E27FC236}">
+                <a16:creationId xmlns:a16="http://schemas.microsoft.com/office/drawing/2014/main" id="{F9A9A499-6895-9BD1-9E88-C7AFF2B5762F}"/>
+              </a:ext>
+            </a:extLst>
+          </p:cNvPr>
+          <p:cNvGraphicFramePr>
+            <a:graphicFrameLocks noGrp="1"/>
+          </p:cNvGraphicFramePr>
+          <p:nvPr>
+            <p:ph idx="4294967295"/>
+            <p:extLst>
+              <p:ext uri="{D42A27DB-BD31-4B8C-83A1-F6EECF244321}">
+                <p14:modId xmlns:p14="http://schemas.microsoft.com/office/powerpoint/2010/main" val="2555294647"/>
+              </p:ext>
+            </p:extLst>
+          </p:nvPr>
+        </p:nvGraphicFramePr>
+        <p:xfrm>
+          <a:off x="275303" y="1450975"/>
+          <a:ext cx="7772400" cy="4802188"/>
+        </p:xfrm>
+        <a:graphic>
+          <a:graphicData uri="http://schemas.openxmlformats.org/drawingml/2006/diagram">
+            <dgm:relIds xmlns:dgm="http://schemas.openxmlformats.org/drawingml/2006/diagram" xmlns:r="http://schemas.openxmlformats.org/officeDocument/2006/relationships" r:dm="rId2" r:lo="rId3" r:qs="rId4" r:cs="rId5"/>
+          </a:graphicData>
+        </a:graphic>
+      </p:graphicFrame>
+      <p:pic>
+        <p:nvPicPr>
+          <p:cNvPr id="4" name="Picture 2" descr="Image result for random sampling and random assignment">
+            <a:extLst>
+              <a:ext uri="{FF2B5EF4-FFF2-40B4-BE49-F238E27FC236}">
+                <a16:creationId xmlns:a16="http://schemas.microsoft.com/office/drawing/2014/main" id="{6E8F46E6-AC83-293D-2113-9659566FEB4F}"/>
+              </a:ext>
+            </a:extLst>
+          </p:cNvPr>
+          <p:cNvPicPr>
+            <a:picLocks noChangeAspect="1" noChangeArrowheads="1"/>
+          </p:cNvPicPr>
+          <p:nvPr/>
+        </p:nvPicPr>
+        <p:blipFill>
+          <a:blip r:embed="rId7">
+            <a:extLst>
+              <a:ext uri="{28A0092B-C50C-407E-A947-70E740481C1C}">
+                <a14:useLocalDpi xmlns:a14="http://schemas.microsoft.com/office/drawing/2010/main" val="0"/>
+              </a:ext>
+            </a:extLst>
+          </a:blip>
+          <a:stretch>
+            <a:fillRect/>
+          </a:stretch>
+        </p:blipFill>
+        <p:spPr bwMode="auto">
+          <a:xfrm>
+            <a:off x="8185212" y="2257445"/>
+            <a:ext cx="3910092" cy="2343109"/>
+          </a:xfrm>
+          <a:prstGeom prst="rect">
+            <a:avLst/>
+          </a:prstGeom>
+          <a:noFill/>
+          <a:extLst>
+            <a:ext uri="{909E8E84-426E-40DD-AFC4-6F175D3DCCD1}">
+              <a14:hiddenFill xmlns:a14="http://schemas.microsoft.com/office/drawing/2010/main">
+                <a:solidFill>
+                  <a:srgbClr val="FFFFFF"/>
+                </a:solidFill>
+              </a14:hiddenFill>
+            </a:ext>
+          </a:extLst>
+        </p:spPr>
+      </p:pic>
+    </p:spTree>
+    <p:extLst>
+      <p:ext uri="{BB962C8B-B14F-4D97-AF65-F5344CB8AC3E}">
+        <p14:creationId xmlns:p14="http://schemas.microsoft.com/office/powerpoint/2010/main" val="4048830489"/>
+      </p:ext>
+    </p:extLst>
+  </p:cSld>
+  <p:clrMapOvr>
+    <a:masterClrMapping/>
+  </p:clrMapOvr>
+</p:sld>
+</file>
+
+<file path=ppt/slides/slide23.xml><?xml version="1.0" encoding="utf-8"?>
+<p:sld xmlns:a="http://schemas.openxmlformats.org/drawingml/2006/main" xmlns:r="http://schemas.openxmlformats.org/officeDocument/2006/relationships" xmlns:p="http://schemas.openxmlformats.org/presentationml/2006/main">
+  <p:cSld>
+    <p:bg>
+      <p:bgPr>
+        <a:solidFill>
+          <a:schemeClr val="bg1"/>
+        </a:solidFill>
+        <a:effectLst/>
+      </p:bgPr>
+    </p:bg>
+    <p:spTree>
+      <p:nvGrpSpPr>
+        <p:cNvPr id="1" name=""/>
+        <p:cNvGrpSpPr/>
+        <p:nvPr/>
+      </p:nvGrpSpPr>
+      <p:grpSpPr>
+        <a:xfrm>
+          <a:off x="0" y="0"/>
+          <a:ext cx="0" cy="0"/>
+          <a:chOff x="0" y="0"/>
+          <a:chExt cx="0" cy="0"/>
+        </a:xfrm>
+      </p:grpSpPr>
+      <p:sp useBgFill="1">
+        <p:nvSpPr>
+          <p:cNvPr id="8" name="Rectangle 7">
+            <a:extLst>
+              <a:ext uri="{FF2B5EF4-FFF2-40B4-BE49-F238E27FC236}">
+                <a16:creationId xmlns:a16="http://schemas.microsoft.com/office/drawing/2014/main" id="{3558DB37-9FEE-48A2-8578-ED0401573943}"/>
+              </a:ext>
+              <a:ext uri="{C183D7F6-B498-43B3-948B-1728B52AA6E4}">
+                <adec:decorative xmlns:adec="http://schemas.microsoft.com/office/drawing/2017/decorative" val="1"/>
+              </a:ext>
+            </a:extLst>
+          </p:cNvPr>
+          <p:cNvSpPr>
+            <a:spLocks noGrp="1" noRot="1" noChangeAspect="1" noMove="1" noResize="1" noEditPoints="1" noAdjustHandles="1" noChangeArrowheads="1" noChangeShapeType="1" noTextEdit="1"/>
+          </p:cNvSpPr>
+          <p:nvPr>
+            <p:extLst>
+              <p:ext uri="{386F3935-93C4-4BCD-93E2-E3B085C9AB24}">
+                <p16:designElem xmlns:p16="http://schemas.microsoft.com/office/powerpoint/2015/main" val="1"/>
+              </p:ext>
+            </p:extLst>
+          </p:nvPr>
+        </p:nvSpPr>
+        <p:spPr>
+          <a:xfrm>
+            <a:off x="1507" y="0"/>
+            <a:ext cx="12192000" cy="6858000"/>
+          </a:xfrm>
+          <a:prstGeom prst="rect">
+            <a:avLst/>
+          </a:prstGeom>
+          <a:ln>
+            <a:noFill/>
+          </a:ln>
+        </p:spPr>
+        <p:style>
+          <a:lnRef idx="2">
+            <a:schemeClr val="accent1">
+              <a:shade val="50000"/>
+            </a:schemeClr>
+          </a:lnRef>
+          <a:fillRef idx="1">
+            <a:schemeClr val="accent1"/>
+          </a:fillRef>
+          <a:effectRef idx="0">
+            <a:schemeClr val="accent1"/>
+          </a:effectRef>
+          <a:fontRef idx="minor">
+            <a:schemeClr val="lt1"/>
+          </a:fontRef>
+        </p:style>
+        <p:txBody>
+          <a:bodyPr rtlCol="0" anchor="ctr"/>
+          <a:lstStyle/>
+          <a:p>
+            <a:pPr marL="0" marR="0" lvl="0" indent="0" algn="ctr" defTabSz="457200" rtl="0" eaLnBrk="1" fontAlgn="auto" latinLnBrk="0" hangingPunct="1">
+              <a:lnSpc>
+                <a:spcPct val="100000"/>
+              </a:lnSpc>
+              <a:spcBef>
+                <a:spcPts val="0"/>
+              </a:spcBef>
+              <a:spcAft>
+                <a:spcPts val="0"/>
+              </a:spcAft>
+              <a:buClrTx/>
+              <a:buSzTx/>
+              <a:buFontTx/>
+              <a:buNone/>
+              <a:tabLst/>
+              <a:defRPr/>
+            </a:pPr>
+            <a:endParaRPr kumimoji="0" lang="en-US" sz="1800" b="0" i="0" u="none" strike="noStrike" kern="1200" cap="none" spc="0" normalizeH="0" baseline="0" noProof="0">
+              <a:ln>
+                <a:noFill/>
+              </a:ln>
+              <a:solidFill>
+                <a:prstClr val="white"/>
+              </a:solidFill>
+              <a:effectLst/>
+              <a:uLnTx/>
+              <a:uFillTx/>
+              <a:latin typeface="Calibri" panose="020F0502020204030204"/>
+              <a:ea typeface="+mn-ea"/>
+              <a:cs typeface="+mn-cs"/>
+            </a:endParaRPr>
+          </a:p>
+        </p:txBody>
+      </p:sp>
+      <p:sp>
+        <p:nvSpPr>
+          <p:cNvPr id="10" name="Rectangle 9">
+            <a:extLst>
+              <a:ext uri="{FF2B5EF4-FFF2-40B4-BE49-F238E27FC236}">
+                <a16:creationId xmlns:a16="http://schemas.microsoft.com/office/drawing/2014/main" id="{5F7FCCA6-00E2-4F74-A105-0D769872F243}"/>
+              </a:ext>
+              <a:ext uri="{C183D7F6-B498-43B3-948B-1728B52AA6E4}">
+                <adec:decorative xmlns:adec="http://schemas.microsoft.com/office/drawing/2017/decorative" val="1"/>
+              </a:ext>
+            </a:extLst>
+          </p:cNvPr>
+          <p:cNvSpPr>
+            <a:spLocks noGrp="1" noRot="1" noChangeAspect="1" noMove="1" noResize="1" noEditPoints="1" noAdjustHandles="1" noChangeArrowheads="1" noChangeShapeType="1" noTextEdit="1"/>
+          </p:cNvSpPr>
+          <p:nvPr>
+            <p:extLst>
+              <p:ext uri="{386F3935-93C4-4BCD-93E2-E3B085C9AB24}">
+                <p16:designElem xmlns:p16="http://schemas.microsoft.com/office/powerpoint/2015/main" val="1"/>
+              </p:ext>
+            </p:extLst>
+          </p:nvPr>
+        </p:nvSpPr>
+        <p:spPr bwMode="white">
+          <a:xfrm>
+            <a:off x="1507" y="4953000"/>
+            <a:ext cx="12188952" cy="1905000"/>
+          </a:xfrm>
+          <a:prstGeom prst="rect">
+            <a:avLst/>
+          </a:prstGeom>
+          <a:solidFill>
+            <a:schemeClr val="accent2"/>
+          </a:solidFill>
+          <a:ln>
+            <a:noFill/>
+          </a:ln>
+        </p:spPr>
+        <p:style>
+          <a:lnRef idx="2">
+            <a:schemeClr val="accent1">
+              <a:shade val="50000"/>
+            </a:schemeClr>
+          </a:lnRef>
+          <a:fillRef idx="1">
+            <a:schemeClr val="accent1"/>
+          </a:fillRef>
+          <a:effectRef idx="0">
+            <a:schemeClr val="accent1"/>
+          </a:effectRef>
+          <a:fontRef idx="minor">
+            <a:schemeClr val="lt1"/>
+          </a:fontRef>
+        </p:style>
+      </p:sp>
+      <p:sp>
+        <p:nvSpPr>
+          <p:cNvPr id="2" name="Title 1">
+            <a:extLst>
+              <a:ext uri="{FF2B5EF4-FFF2-40B4-BE49-F238E27FC236}">
+                <a16:creationId xmlns:a16="http://schemas.microsoft.com/office/drawing/2014/main" id="{4DC9CBA9-226B-4D33-C9F3-024FF1F3F4D2}"/>
+              </a:ext>
+            </a:extLst>
+          </p:cNvPr>
+          <p:cNvSpPr>
+            <a:spLocks noGrp="1"/>
+          </p:cNvSpPr>
+          <p:nvPr>
+            <p:ph type="title"/>
+          </p:nvPr>
+        </p:nvSpPr>
+        <p:spPr>
+          <a:xfrm>
+            <a:off x="1066800" y="5252936"/>
+            <a:ext cx="10058400" cy="1028715"/>
+          </a:xfrm>
+        </p:spPr>
+        <p:txBody>
+          <a:bodyPr anchor="ctr">
+            <a:normAutofit/>
+          </a:bodyPr>
+          <a:lstStyle/>
+          <a:p>
+            <a:pPr algn="ctr"/>
+            <a:r>
+              <a:rPr lang="en-US" dirty="0">
+                <a:solidFill>
+                  <a:srgbClr val="FFFFFF"/>
+                </a:solidFill>
+              </a:rPr>
+              <a:t>Experimental vs Observational Studies</a:t>
+            </a:r>
+          </a:p>
+        </p:txBody>
+      </p:sp>
+      <p:sp>
+        <p:nvSpPr>
+          <p:cNvPr id="12" name="Rectangle 11">
+            <a:extLst>
+              <a:ext uri="{FF2B5EF4-FFF2-40B4-BE49-F238E27FC236}">
+                <a16:creationId xmlns:a16="http://schemas.microsoft.com/office/drawing/2014/main" id="{5E1ED12F-9F06-4B37-87B7-F98F52937F86}"/>
+              </a:ext>
+              <a:ext uri="{C183D7F6-B498-43B3-948B-1728B52AA6E4}">
+                <adec:decorative xmlns:adec="http://schemas.microsoft.com/office/drawing/2017/decorative" val="1"/>
+              </a:ext>
+            </a:extLst>
+          </p:cNvPr>
+          <p:cNvSpPr>
+            <a:spLocks noGrp="1" noRot="1" noChangeAspect="1" noMove="1" noResize="1" noEditPoints="1" noAdjustHandles="1" noChangeArrowheads="1" noChangeShapeType="1" noTextEdit="1"/>
+          </p:cNvSpPr>
+          <p:nvPr>
+            <p:extLst>
+              <p:ext uri="{386F3935-93C4-4BCD-93E2-E3B085C9AB24}">
+                <p16:designElem xmlns:p16="http://schemas.microsoft.com/office/powerpoint/2015/main" val="1"/>
+              </p:ext>
+            </p:extLst>
+          </p:nvPr>
+        </p:nvSpPr>
+        <p:spPr>
+          <a:xfrm>
+            <a:off x="1507" y="4906176"/>
+            <a:ext cx="12188952" cy="64008"/>
+          </a:xfrm>
+          <a:prstGeom prst="rect">
+            <a:avLst/>
+          </a:prstGeom>
+          <a:solidFill>
+            <a:schemeClr val="accent1"/>
+          </a:solidFill>
+          <a:ln>
+            <a:noFill/>
+          </a:ln>
+        </p:spPr>
+        <p:style>
+          <a:lnRef idx="2">
+            <a:schemeClr val="accent1">
+              <a:shade val="50000"/>
+            </a:schemeClr>
+          </a:lnRef>
+          <a:fillRef idx="1">
+            <a:schemeClr val="accent1"/>
+          </a:fillRef>
+          <a:effectRef idx="0">
+            <a:schemeClr val="accent1"/>
+          </a:effectRef>
+          <a:fontRef idx="minor">
+            <a:schemeClr val="lt1"/>
+          </a:fontRef>
+        </p:style>
+      </p:sp>
+    </p:spTree>
+    <p:extLst>
+      <p:ext uri="{BB962C8B-B14F-4D97-AF65-F5344CB8AC3E}">
+        <p14:creationId xmlns:p14="http://schemas.microsoft.com/office/powerpoint/2010/main" val="3161323200"/>
+      </p:ext>
+    </p:extLst>
+  </p:cSld>
+  <p:clrMapOvr>
+    <a:masterClrMapping/>
+  </p:clrMapOvr>
+</p:sld>
+</file>
+
+<file path=ppt/slides/slide24.xml><?xml version="1.0" encoding="utf-8"?>
+<p:sld xmlns:a="http://schemas.openxmlformats.org/drawingml/2006/main" xmlns:r="http://schemas.openxmlformats.org/officeDocument/2006/relationships" xmlns:p="http://schemas.openxmlformats.org/presentationml/2006/main">
+  <p:cSld>
+    <p:spTree>
+      <p:nvGrpSpPr>
+        <p:cNvPr id="1" name=""/>
+        <p:cNvGrpSpPr/>
+        <p:nvPr/>
+      </p:nvGrpSpPr>
+      <p:grpSpPr>
+        <a:xfrm>
+          <a:off x="0" y="0"/>
+          <a:ext cx="0" cy="0"/>
+          <a:chOff x="0" y="0"/>
+          <a:chExt cx="0" cy="0"/>
+        </a:xfrm>
+      </p:grpSpPr>
+      <p:sp>
+        <p:nvSpPr>
+          <p:cNvPr id="2" name="Title 1"/>
+          <p:cNvSpPr>
+            <a:spLocks noGrp="1"/>
+          </p:cNvSpPr>
+          <p:nvPr>
+            <p:ph type="title"/>
+          </p:nvPr>
+        </p:nvSpPr>
+        <p:spPr>
+          <a:xfrm>
+            <a:off x="261891" y="287414"/>
+            <a:ext cx="3573262" cy="893316"/>
+          </a:xfrm>
+        </p:spPr>
+        <p:txBody>
+          <a:bodyPr>
+            <a:normAutofit fontScale="90000"/>
+          </a:bodyPr>
+          <a:lstStyle/>
+          <a:p>
+            <a:br>
+              <a:rPr lang="en-US" dirty="0"/>
+            </a:br>
+            <a:r>
+              <a:rPr lang="en-US" sz="4000" b="1" dirty="0"/>
+              <a:t>Have a nice trip</a:t>
+            </a:r>
+          </a:p>
+        </p:txBody>
+      </p:sp>
+      <p:sp>
+        <p:nvSpPr>
+          <p:cNvPr id="3" name="Content Placeholder 2"/>
+          <p:cNvSpPr>
+            <a:spLocks noGrp="1"/>
+          </p:cNvSpPr>
+          <p:nvPr>
+            <p:ph idx="1"/>
+          </p:nvPr>
+        </p:nvSpPr>
+        <p:spPr/>
+        <p:txBody>
+          <a:bodyPr>
+            <a:normAutofit fontScale="92500" lnSpcReduction="20000"/>
+          </a:bodyPr>
+          <a:lstStyle/>
+          <a:p>
+            <a:pPr>
+              <a:lnSpc>
+                <a:spcPct val="150000"/>
+              </a:lnSpc>
+            </a:pPr>
+            <a:r>
+              <a:rPr lang="en-US" dirty="0"/>
+              <a:t>Researchers want to compare two recovery strategies:</a:t>
+            </a:r>
+          </a:p>
+          <a:p>
+            <a:pPr lvl="1">
+              <a:lnSpc>
+                <a:spcPct val="150000"/>
+              </a:lnSpc>
+            </a:pPr>
+            <a:r>
+              <a:rPr lang="en-US" dirty="0"/>
+              <a:t>Lowering (quickly stepping down with front leg and then raising back leg over the object) </a:t>
+            </a:r>
+          </a:p>
+          <a:p>
+            <a:pPr lvl="1">
+              <a:lnSpc>
+                <a:spcPct val="150000"/>
+              </a:lnSpc>
+            </a:pPr>
+            <a:r>
+              <a:rPr lang="en-US" dirty="0"/>
+              <a:t>Elevating (lifting front leg over the object). </a:t>
+            </a:r>
+          </a:p>
+          <a:p>
+            <a:pPr>
+              <a:lnSpc>
+                <a:spcPct val="150000"/>
+              </a:lnSpc>
+            </a:pPr>
+            <a:r>
+              <a:rPr lang="en-US" dirty="0"/>
+              <a:t>24 subjects have agreed to participate in such a study: </a:t>
+            </a:r>
+          </a:p>
+          <a:p>
+            <a:pPr lvl="1">
+              <a:lnSpc>
+                <a:spcPct val="150000"/>
+              </a:lnSpc>
+            </a:pPr>
+            <a:r>
+              <a:rPr lang="en-US" dirty="0"/>
+              <a:t>8 between the ages of 21-40</a:t>
+            </a:r>
+          </a:p>
+          <a:p>
+            <a:pPr lvl="1">
+              <a:lnSpc>
+                <a:spcPct val="150000"/>
+              </a:lnSpc>
+            </a:pPr>
+            <a:r>
+              <a:rPr lang="en-US" dirty="0"/>
+              <a:t>16 between the ages of 41-60</a:t>
+            </a:r>
+          </a:p>
+          <a:p>
+            <a:pPr marL="274320" lvl="1" indent="0">
+              <a:lnSpc>
+                <a:spcPct val="150000"/>
+              </a:lnSpc>
+              <a:buNone/>
+            </a:pPr>
+            <a:endParaRPr lang="en-US" dirty="0"/>
+          </a:p>
+          <a:p>
+            <a:pPr>
+              <a:lnSpc>
+                <a:spcPct val="150000"/>
+              </a:lnSpc>
+            </a:pPr>
+            <a:r>
+              <a:rPr lang="en-US" dirty="0"/>
+              <a:t>Identify the following:</a:t>
+            </a:r>
+          </a:p>
+          <a:p>
+            <a:pPr lvl="1">
+              <a:lnSpc>
+                <a:spcPct val="150000"/>
+              </a:lnSpc>
+            </a:pPr>
+            <a:r>
+              <a:rPr lang="en-US" dirty="0"/>
+              <a:t>Explanatory Variable</a:t>
+            </a:r>
+          </a:p>
+          <a:p>
+            <a:pPr lvl="1">
+              <a:lnSpc>
+                <a:spcPct val="150000"/>
+              </a:lnSpc>
+            </a:pPr>
+            <a:r>
+              <a:rPr lang="en-US" dirty="0"/>
+              <a:t>Response Variable</a:t>
+            </a:r>
+          </a:p>
+          <a:p>
+            <a:pPr lvl="1">
+              <a:lnSpc>
+                <a:spcPct val="150000"/>
+              </a:lnSpc>
+            </a:pPr>
+            <a:r>
+              <a:rPr lang="en-US" dirty="0"/>
+              <a:t>Potential Confounding Variable</a:t>
+            </a:r>
+          </a:p>
+          <a:p>
+            <a:endParaRPr lang="en-US" dirty="0"/>
+          </a:p>
+          <a:p>
+            <a:endParaRPr lang="en-US" dirty="0"/>
+          </a:p>
+        </p:txBody>
+      </p:sp>
+      <p:sp>
+        <p:nvSpPr>
+          <p:cNvPr id="4" name="Text Placeholder 3"/>
+          <p:cNvSpPr>
+            <a:spLocks noGrp="1"/>
+          </p:cNvSpPr>
+          <p:nvPr>
+            <p:ph type="body" sz="half" idx="2"/>
+          </p:nvPr>
+        </p:nvSpPr>
+        <p:spPr>
+          <a:xfrm>
+            <a:off x="457200" y="1651247"/>
+            <a:ext cx="3200400" cy="4653957"/>
+          </a:xfrm>
+        </p:spPr>
+        <p:txBody>
+          <a:bodyPr>
+            <a:normAutofit/>
+          </a:bodyPr>
+          <a:lstStyle/>
+          <a:p>
+            <a:r>
+              <a:rPr lang="en-US" dirty="0"/>
+              <a:t> </a:t>
+            </a:r>
+            <a:r>
+              <a:rPr lang="en-US" sz="2200" dirty="0"/>
+              <a:t>An area of research in biomechanics and gerontology concerns falls and fall-related injuries, especially for elderly people. Recent studies have focused on how individuals respond to large postural disturbances (e.g., tripping, induced slips). One question is whether subjects can be instructed to improve their recovery from such disturbances. </a:t>
+            </a:r>
+          </a:p>
+        </p:txBody>
+      </p:sp>
+    </p:spTree>
+    <p:extLst>
+      <p:ext uri="{BB962C8B-B14F-4D97-AF65-F5344CB8AC3E}">
+        <p14:creationId xmlns:p14="http://schemas.microsoft.com/office/powerpoint/2010/main" val="2724735028"/>
+      </p:ext>
+    </p:extLst>
+  </p:cSld>
+  <p:clrMapOvr>
+    <a:masterClrMapping/>
+  </p:clrMapOvr>
+</p:sld>
+</file>
+
+<file path=ppt/slides/slide25.xml><?xml version="1.0" encoding="utf-8"?>
+<p:sld xmlns:a="http://schemas.openxmlformats.org/drawingml/2006/main" xmlns:r="http://schemas.openxmlformats.org/officeDocument/2006/relationships" xmlns:p="http://schemas.openxmlformats.org/presentationml/2006/main">
+  <p:cSld>
+    <p:spTree>
+      <p:nvGrpSpPr>
+        <p:cNvPr id="1" name=""/>
+        <p:cNvGrpSpPr/>
+        <p:nvPr/>
+      </p:nvGrpSpPr>
+      <p:grpSpPr>
+        <a:xfrm>
+          <a:off x="0" y="0"/>
+          <a:ext cx="0" cy="0"/>
+          <a:chOff x="0" y="0"/>
+          <a:chExt cx="0" cy="0"/>
+        </a:xfrm>
+      </p:grpSpPr>
+      <p:sp>
+        <p:nvSpPr>
+          <p:cNvPr id="2" name="Title 1"/>
+          <p:cNvSpPr>
+            <a:spLocks noGrp="1"/>
+          </p:cNvSpPr>
+          <p:nvPr>
+            <p:ph type="title"/>
+          </p:nvPr>
+        </p:nvSpPr>
         <p:spPr/>
         <p:txBody>
           <a:bodyPr/>
@@ -8066,7 +12139,7 @@
 </p:sld>
 </file>
 
-<file path=ppt/slides/slide22.xml><?xml version="1.0" encoding="utf-8"?>
+<file path=ppt/slides/slide26.xml><?xml version="1.0" encoding="utf-8"?>
 <p:sld xmlns:a="http://schemas.openxmlformats.org/drawingml/2006/main" xmlns:r="http://schemas.openxmlformats.org/officeDocument/2006/relationships" xmlns:p="http://schemas.openxmlformats.org/presentationml/2006/main">
   <p:cSld>
     <p:spTree>
@@ -8212,7 +12285,7 @@
 </p:sld>
 </file>
 
-<file path=ppt/slides/slide23.xml><?xml version="1.0" encoding="utf-8"?>
+<file path=ppt/slides/slide27.xml><?xml version="1.0" encoding="utf-8"?>
 <p:sld xmlns:a="http://schemas.openxmlformats.org/drawingml/2006/main" xmlns:r="http://schemas.openxmlformats.org/officeDocument/2006/relationships" xmlns:p="http://schemas.openxmlformats.org/presentationml/2006/main">
   <p:cSld>
     <p:spTree>
@@ -8354,7 +12427,7 @@
 </p:sld>
 </file>
 
-<file path=ppt/slides/slide24.xml><?xml version="1.0" encoding="utf-8"?>
+<file path=ppt/slides/slide28.xml><?xml version="1.0" encoding="utf-8"?>
 <p:sld xmlns:a="http://schemas.openxmlformats.org/drawingml/2006/main" xmlns:r="http://schemas.openxmlformats.org/officeDocument/2006/relationships" xmlns:p="http://schemas.openxmlformats.org/presentationml/2006/main">
   <p:cSld>
     <p:spTree>
@@ -8574,7 +12647,7 @@
 </p:sld>
 </file>
 
-<file path=ppt/slides/slide25.xml><?xml version="1.0" encoding="utf-8"?>
+<file path=ppt/slides/slide29.xml><?xml version="1.0" encoding="utf-8"?>
 <p:sld xmlns:a="http://schemas.openxmlformats.org/drawingml/2006/main" xmlns:r="http://schemas.openxmlformats.org/officeDocument/2006/relationships" xmlns:p="http://schemas.openxmlformats.org/presentationml/2006/main">
   <p:cSld>
     <p:spTree>
@@ -8856,7 +12929,284 @@
 </p:sld>
 </file>
 
-<file path=ppt/slides/slide26.xml><?xml version="1.0" encoding="utf-8"?>
+<file path=ppt/slides/slide3.xml><?xml version="1.0" encoding="utf-8"?>
+<p:sld xmlns:a="http://schemas.openxmlformats.org/drawingml/2006/main" xmlns:r="http://schemas.openxmlformats.org/officeDocument/2006/relationships" xmlns:p="http://schemas.openxmlformats.org/presentationml/2006/main">
+  <p:cSld>
+    <p:bg>
+      <p:bgPr>
+        <a:solidFill>
+          <a:schemeClr val="bg1"/>
+        </a:solidFill>
+        <a:effectLst/>
+      </p:bgPr>
+    </p:bg>
+    <p:spTree>
+      <p:nvGrpSpPr>
+        <p:cNvPr id="1" name=""/>
+        <p:cNvGrpSpPr/>
+        <p:nvPr/>
+      </p:nvGrpSpPr>
+      <p:grpSpPr>
+        <a:xfrm>
+          <a:off x="0" y="0"/>
+          <a:ext cx="0" cy="0"/>
+          <a:chOff x="0" y="0"/>
+          <a:chExt cx="0" cy="0"/>
+        </a:xfrm>
+      </p:grpSpPr>
+      <p:sp useBgFill="1">
+        <p:nvSpPr>
+          <p:cNvPr id="8" name="Rectangle 7">
+            <a:extLst>
+              <a:ext uri="{FF2B5EF4-FFF2-40B4-BE49-F238E27FC236}">
+                <a16:creationId xmlns:a16="http://schemas.microsoft.com/office/drawing/2014/main" id="{3558DB37-9FEE-48A2-8578-ED0401573943}"/>
+              </a:ext>
+              <a:ext uri="{C183D7F6-B498-43B3-948B-1728B52AA6E4}">
+                <adec:decorative xmlns:adec="http://schemas.microsoft.com/office/drawing/2017/decorative" val="1"/>
+              </a:ext>
+            </a:extLst>
+          </p:cNvPr>
+          <p:cNvSpPr>
+            <a:spLocks noGrp="1" noRot="1" noChangeAspect="1" noMove="1" noResize="1" noEditPoints="1" noAdjustHandles="1" noChangeArrowheads="1" noChangeShapeType="1" noTextEdit="1"/>
+          </p:cNvSpPr>
+          <p:nvPr>
+            <p:extLst>
+              <p:ext uri="{386F3935-93C4-4BCD-93E2-E3B085C9AB24}">
+                <p16:designElem xmlns:p16="http://schemas.microsoft.com/office/powerpoint/2015/main" val="1"/>
+              </p:ext>
+            </p:extLst>
+          </p:nvPr>
+        </p:nvSpPr>
+        <p:spPr>
+          <a:xfrm>
+            <a:off x="1507" y="0"/>
+            <a:ext cx="12192000" cy="6858000"/>
+          </a:xfrm>
+          <a:prstGeom prst="rect">
+            <a:avLst/>
+          </a:prstGeom>
+          <a:ln>
+            <a:noFill/>
+          </a:ln>
+        </p:spPr>
+        <p:style>
+          <a:lnRef idx="2">
+            <a:schemeClr val="accent1">
+              <a:shade val="50000"/>
+            </a:schemeClr>
+          </a:lnRef>
+          <a:fillRef idx="1">
+            <a:schemeClr val="accent1"/>
+          </a:fillRef>
+          <a:effectRef idx="0">
+            <a:schemeClr val="accent1"/>
+          </a:effectRef>
+          <a:fontRef idx="minor">
+            <a:schemeClr val="lt1"/>
+          </a:fontRef>
+        </p:style>
+        <p:txBody>
+          <a:bodyPr rtlCol="0" anchor="ctr"/>
+          <a:lstStyle/>
+          <a:p>
+            <a:pPr marL="0" marR="0" lvl="0" indent="0" algn="ctr" defTabSz="457200" rtl="0" eaLnBrk="1" fontAlgn="auto" latinLnBrk="0" hangingPunct="1">
+              <a:lnSpc>
+                <a:spcPct val="100000"/>
+              </a:lnSpc>
+              <a:spcBef>
+                <a:spcPts val="0"/>
+              </a:spcBef>
+              <a:spcAft>
+                <a:spcPts val="0"/>
+              </a:spcAft>
+              <a:buClrTx/>
+              <a:buSzTx/>
+              <a:buFontTx/>
+              <a:buNone/>
+              <a:tabLst/>
+              <a:defRPr/>
+            </a:pPr>
+            <a:endParaRPr kumimoji="0" lang="en-US" sz="1800" b="0" i="0" u="none" strike="noStrike" kern="1200" cap="none" spc="0" normalizeH="0" baseline="0" noProof="0">
+              <a:ln>
+                <a:noFill/>
+              </a:ln>
+              <a:solidFill>
+                <a:prstClr val="white"/>
+              </a:solidFill>
+              <a:effectLst/>
+              <a:uLnTx/>
+              <a:uFillTx/>
+              <a:latin typeface="Calibri" panose="020F0502020204030204"/>
+              <a:ea typeface="+mn-ea"/>
+              <a:cs typeface="+mn-cs"/>
+            </a:endParaRPr>
+          </a:p>
+        </p:txBody>
+      </p:sp>
+      <p:sp>
+        <p:nvSpPr>
+          <p:cNvPr id="10" name="Rectangle 9">
+            <a:extLst>
+              <a:ext uri="{FF2B5EF4-FFF2-40B4-BE49-F238E27FC236}">
+                <a16:creationId xmlns:a16="http://schemas.microsoft.com/office/drawing/2014/main" id="{5F7FCCA6-00E2-4F74-A105-0D769872F243}"/>
+              </a:ext>
+              <a:ext uri="{C183D7F6-B498-43B3-948B-1728B52AA6E4}">
+                <adec:decorative xmlns:adec="http://schemas.microsoft.com/office/drawing/2017/decorative" val="1"/>
+              </a:ext>
+            </a:extLst>
+          </p:cNvPr>
+          <p:cNvSpPr>
+            <a:spLocks noGrp="1" noRot="1" noChangeAspect="1" noMove="1" noResize="1" noEditPoints="1" noAdjustHandles="1" noChangeArrowheads="1" noChangeShapeType="1" noTextEdit="1"/>
+          </p:cNvSpPr>
+          <p:nvPr>
+            <p:extLst>
+              <p:ext uri="{386F3935-93C4-4BCD-93E2-E3B085C9AB24}">
+                <p16:designElem xmlns:p16="http://schemas.microsoft.com/office/powerpoint/2015/main" val="1"/>
+              </p:ext>
+            </p:extLst>
+          </p:nvPr>
+        </p:nvSpPr>
+        <p:spPr bwMode="white">
+          <a:xfrm>
+            <a:off x="1507" y="4953000"/>
+            <a:ext cx="12188952" cy="1905000"/>
+          </a:xfrm>
+          <a:prstGeom prst="rect">
+            <a:avLst/>
+          </a:prstGeom>
+          <a:solidFill>
+            <a:schemeClr val="accent2"/>
+          </a:solidFill>
+          <a:ln>
+            <a:noFill/>
+          </a:ln>
+        </p:spPr>
+        <p:style>
+          <a:lnRef idx="2">
+            <a:schemeClr val="accent1">
+              <a:shade val="50000"/>
+            </a:schemeClr>
+          </a:lnRef>
+          <a:fillRef idx="1">
+            <a:schemeClr val="accent1"/>
+          </a:fillRef>
+          <a:effectRef idx="0">
+            <a:schemeClr val="accent1"/>
+          </a:effectRef>
+          <a:fontRef idx="minor">
+            <a:schemeClr val="lt1"/>
+          </a:fontRef>
+        </p:style>
+      </p:sp>
+      <p:sp>
+        <p:nvSpPr>
+          <p:cNvPr id="2" name="Title 1">
+            <a:extLst>
+              <a:ext uri="{FF2B5EF4-FFF2-40B4-BE49-F238E27FC236}">
+                <a16:creationId xmlns:a16="http://schemas.microsoft.com/office/drawing/2014/main" id="{4DC9CBA9-226B-4D33-C9F3-024FF1F3F4D2}"/>
+              </a:ext>
+            </a:extLst>
+          </p:cNvPr>
+          <p:cNvSpPr>
+            <a:spLocks noGrp="1"/>
+          </p:cNvSpPr>
+          <p:nvPr>
+            <p:ph type="title"/>
+          </p:nvPr>
+        </p:nvSpPr>
+        <p:spPr>
+          <a:xfrm>
+            <a:off x="1066800" y="5252936"/>
+            <a:ext cx="10058400" cy="1028715"/>
+          </a:xfrm>
+        </p:spPr>
+        <p:txBody>
+          <a:bodyPr anchor="ctr">
+            <a:normAutofit/>
+          </a:bodyPr>
+          <a:lstStyle/>
+          <a:p>
+            <a:pPr algn="ctr"/>
+            <a:r>
+              <a:rPr lang="en-US" dirty="0">
+                <a:solidFill>
+                  <a:srgbClr val="FFFFFF"/>
+                </a:solidFill>
+              </a:rPr>
+              <a:t>Association vs Causation</a:t>
+            </a:r>
+          </a:p>
+        </p:txBody>
+      </p:sp>
+      <p:sp>
+        <p:nvSpPr>
+          <p:cNvPr id="12" name="Rectangle 11">
+            <a:extLst>
+              <a:ext uri="{FF2B5EF4-FFF2-40B4-BE49-F238E27FC236}">
+                <a16:creationId xmlns:a16="http://schemas.microsoft.com/office/drawing/2014/main" id="{5E1ED12F-9F06-4B37-87B7-F98F52937F86}"/>
+              </a:ext>
+              <a:ext uri="{C183D7F6-B498-43B3-948B-1728B52AA6E4}">
+                <adec:decorative xmlns:adec="http://schemas.microsoft.com/office/drawing/2017/decorative" val="1"/>
+              </a:ext>
+            </a:extLst>
+          </p:cNvPr>
+          <p:cNvSpPr>
+            <a:spLocks noGrp="1" noRot="1" noChangeAspect="1" noMove="1" noResize="1" noEditPoints="1" noAdjustHandles="1" noChangeArrowheads="1" noChangeShapeType="1" noTextEdit="1"/>
+          </p:cNvSpPr>
+          <p:nvPr>
+            <p:extLst>
+              <p:ext uri="{386F3935-93C4-4BCD-93E2-E3B085C9AB24}">
+                <p16:designElem xmlns:p16="http://schemas.microsoft.com/office/powerpoint/2015/main" val="1"/>
+              </p:ext>
+            </p:extLst>
+          </p:nvPr>
+        </p:nvSpPr>
+        <p:spPr>
+          <a:xfrm>
+            <a:off x="1507" y="4906176"/>
+            <a:ext cx="12188952" cy="64008"/>
+          </a:xfrm>
+          <a:prstGeom prst="rect">
+            <a:avLst/>
+          </a:prstGeom>
+          <a:solidFill>
+            <a:schemeClr val="accent1"/>
+          </a:solidFill>
+          <a:ln>
+            <a:noFill/>
+          </a:ln>
+        </p:spPr>
+        <p:style>
+          <a:lnRef idx="2">
+            <a:schemeClr val="accent1">
+              <a:shade val="50000"/>
+            </a:schemeClr>
+          </a:lnRef>
+          <a:fillRef idx="1">
+            <a:schemeClr val="accent1"/>
+          </a:fillRef>
+          <a:effectRef idx="0">
+            <a:schemeClr val="accent1"/>
+          </a:effectRef>
+          <a:fontRef idx="minor">
+            <a:schemeClr val="lt1"/>
+          </a:fontRef>
+        </p:style>
+      </p:sp>
+    </p:spTree>
+    <p:extLst>
+      <p:ext uri="{BB962C8B-B14F-4D97-AF65-F5344CB8AC3E}">
+        <p14:creationId xmlns:p14="http://schemas.microsoft.com/office/powerpoint/2010/main" val="1525164173"/>
+      </p:ext>
+    </p:extLst>
+  </p:cSld>
+  <p:clrMapOvr>
+    <a:masterClrMapping/>
+  </p:clrMapOvr>
+</p:sld>
+</file>
+
+<file path=ppt/slides/slide30.xml><?xml version="1.0" encoding="utf-8"?>
 <p:sld xmlns:a="http://schemas.openxmlformats.org/drawingml/2006/main" xmlns:r="http://schemas.openxmlformats.org/officeDocument/2006/relationships" xmlns:p="http://schemas.openxmlformats.org/presentationml/2006/main">
   <p:cSld>
     <p:spTree>
@@ -9480,7 +13830,7 @@
 </p:sld>
 </file>
 
-<file path=ppt/slides/slide27.xml><?xml version="1.0" encoding="utf-8"?>
+<file path=ppt/slides/slide31.xml><?xml version="1.0" encoding="utf-8"?>
 <p:sld xmlns:a="http://schemas.openxmlformats.org/drawingml/2006/main" xmlns:r="http://schemas.openxmlformats.org/officeDocument/2006/relationships" xmlns:p="http://schemas.openxmlformats.org/presentationml/2006/main">
   <p:cSld>
     <p:spTree>
@@ -10118,7 +14468,7 @@
 </p:sld>
 </file>
 
-<file path=ppt/slides/slide28.xml><?xml version="1.0" encoding="utf-8"?>
+<file path=ppt/slides/slide32.xml><?xml version="1.0" encoding="utf-8"?>
 <p:sld xmlns:a="http://schemas.openxmlformats.org/drawingml/2006/main" xmlns:r="http://schemas.openxmlformats.org/officeDocument/2006/relationships" xmlns:p="http://schemas.openxmlformats.org/presentationml/2006/main">
   <p:cSld>
     <p:spTree>
@@ -10428,7 +14778,1658 @@
 </p:sld>
 </file>
 
-<file path=ppt/slides/slide29.xml><?xml version="1.0" encoding="utf-8"?>
+<file path=ppt/slides/slide33.xml><?xml version="1.0" encoding="utf-8"?>
+<p:sld xmlns:a="http://schemas.openxmlformats.org/drawingml/2006/main" xmlns:r="http://schemas.openxmlformats.org/officeDocument/2006/relationships" xmlns:p="http://schemas.openxmlformats.org/presentationml/2006/main">
+  <p:cSld>
+    <p:spTree>
+      <p:nvGrpSpPr>
+        <p:cNvPr id="1" name=""/>
+        <p:cNvGrpSpPr/>
+        <p:nvPr/>
+      </p:nvGrpSpPr>
+      <p:grpSpPr>
+        <a:xfrm>
+          <a:off x="0" y="0"/>
+          <a:ext cx="0" cy="0"/>
+          <a:chOff x="0" y="0"/>
+          <a:chExt cx="0" cy="0"/>
+        </a:xfrm>
+      </p:grpSpPr>
+      <p:sp>
+        <p:nvSpPr>
+          <p:cNvPr id="2" name="Title 1"/>
+          <p:cNvSpPr>
+            <a:spLocks noGrp="1"/>
+          </p:cNvSpPr>
+          <p:nvPr>
+            <p:ph type="title" idx="4294967295"/>
+          </p:nvPr>
+        </p:nvSpPr>
+        <p:spPr>
+          <a:xfrm>
+            <a:off x="1035869" y="205797"/>
+            <a:ext cx="5324475" cy="863600"/>
+          </a:xfrm>
+        </p:spPr>
+        <p:txBody>
+          <a:bodyPr>
+            <a:normAutofit/>
+          </a:bodyPr>
+          <a:lstStyle/>
+          <a:p>
+            <a:r>
+              <a:rPr lang="en-US" sz="4800" dirty="0"/>
+              <a:t>Random vs. Random</a:t>
+            </a:r>
+          </a:p>
+        </p:txBody>
+      </p:sp>
+      <p:pic>
+        <p:nvPicPr>
+          <p:cNvPr id="1026" name="Picture 2" descr="Image result for sampling"/>
+          <p:cNvPicPr>
+            <a:picLocks noChangeAspect="1" noChangeArrowheads="1"/>
+          </p:cNvPicPr>
+          <p:nvPr/>
+        </p:nvPicPr>
+        <p:blipFill rotWithShape="1">
+          <a:blip r:embed="rId2">
+            <a:extLst>
+              <a:ext uri="{28A0092B-C50C-407E-A947-70E740481C1C}">
+                <a14:useLocalDpi xmlns:a14="http://schemas.microsoft.com/office/drawing/2010/main" val="0"/>
+              </a:ext>
+            </a:extLst>
+          </a:blip>
+          <a:srcRect t="11367" r="42209"/>
+          <a:stretch/>
+        </p:blipFill>
+        <p:spPr bwMode="auto">
+          <a:xfrm>
+            <a:off x="1448667" y="1754725"/>
+            <a:ext cx="4046970" cy="2586181"/>
+          </a:xfrm>
+          <a:prstGeom prst="rect">
+            <a:avLst/>
+          </a:prstGeom>
+          <a:noFill/>
+          <a:extLst>
+            <a:ext uri="{909E8E84-426E-40DD-AFC4-6F175D3DCCD1}">
+              <a14:hiddenFill xmlns:a14="http://schemas.microsoft.com/office/drawing/2010/main">
+                <a:solidFill>
+                  <a:srgbClr val="FFFFFF"/>
+                </a:solidFill>
+              </a14:hiddenFill>
+            </a:ext>
+          </a:extLst>
+        </p:spPr>
+      </p:pic>
+      <p:pic>
+        <p:nvPicPr>
+          <p:cNvPr id="4" name="Picture 2" descr="Image result for sampling"/>
+          <p:cNvPicPr>
+            <a:picLocks noChangeAspect="1" noChangeArrowheads="1"/>
+          </p:cNvPicPr>
+          <p:nvPr/>
+        </p:nvPicPr>
+        <p:blipFill rotWithShape="1">
+          <a:blip r:embed="rId2">
+            <a:extLst>
+              <a:ext uri="{28A0092B-C50C-407E-A947-70E740481C1C}">
+                <a14:useLocalDpi xmlns:a14="http://schemas.microsoft.com/office/drawing/2010/main" val="0"/>
+              </a:ext>
+            </a:extLst>
+          </a:blip>
+          <a:srcRect l="57790" t="43021" r="1453" b="18994"/>
+          <a:stretch/>
+        </p:blipFill>
+        <p:spPr bwMode="auto">
+          <a:xfrm>
+            <a:off x="5495636" y="2678362"/>
+            <a:ext cx="2854037" cy="1108364"/>
+          </a:xfrm>
+          <a:prstGeom prst="rect">
+            <a:avLst/>
+          </a:prstGeom>
+          <a:noFill/>
+          <a:extLst>
+            <a:ext uri="{909E8E84-426E-40DD-AFC4-6F175D3DCCD1}">
+              <a14:hiddenFill xmlns:a14="http://schemas.microsoft.com/office/drawing/2010/main">
+                <a:solidFill>
+                  <a:srgbClr val="FFFFFF"/>
+                </a:solidFill>
+              </a14:hiddenFill>
+            </a:ext>
+          </a:extLst>
+        </p:spPr>
+      </p:pic>
+      <p:sp>
+        <p:nvSpPr>
+          <p:cNvPr id="3" name="TextBox 2"/>
+          <p:cNvSpPr txBox="1"/>
+          <p:nvPr/>
+        </p:nvSpPr>
+        <p:spPr>
+          <a:xfrm>
+            <a:off x="3029527" y="1403927"/>
+            <a:ext cx="1459346" cy="369332"/>
+          </a:xfrm>
+          <a:prstGeom prst="rect">
+            <a:avLst/>
+          </a:prstGeom>
+          <a:noFill/>
+        </p:spPr>
+        <p:txBody>
+          <a:bodyPr wrap="square" rtlCol="0">
+            <a:spAutoFit/>
+          </a:bodyPr>
+          <a:lstStyle/>
+          <a:p>
+            <a:r>
+              <a:rPr lang="en-US" dirty="0"/>
+              <a:t>Population</a:t>
+            </a:r>
+          </a:p>
+        </p:txBody>
+      </p:sp>
+      <p:sp>
+        <p:nvSpPr>
+          <p:cNvPr id="6" name="TextBox 5"/>
+          <p:cNvSpPr txBox="1"/>
+          <p:nvPr/>
+        </p:nvSpPr>
+        <p:spPr>
+          <a:xfrm>
+            <a:off x="6890327" y="2309030"/>
+            <a:ext cx="1459346" cy="369332"/>
+          </a:xfrm>
+          <a:prstGeom prst="rect">
+            <a:avLst/>
+          </a:prstGeom>
+          <a:noFill/>
+        </p:spPr>
+        <p:txBody>
+          <a:bodyPr wrap="square" rtlCol="0">
+            <a:spAutoFit/>
+          </a:bodyPr>
+          <a:lstStyle/>
+          <a:p>
+            <a:r>
+              <a:rPr lang="en-US" dirty="0"/>
+              <a:t>Sample</a:t>
+            </a:r>
+          </a:p>
+        </p:txBody>
+      </p:sp>
+      <p:sp>
+        <p:nvSpPr>
+          <p:cNvPr id="7" name="TextBox 6"/>
+          <p:cNvSpPr txBox="1"/>
+          <p:nvPr/>
+        </p:nvSpPr>
+        <p:spPr>
+          <a:xfrm>
+            <a:off x="5454121" y="1139144"/>
+            <a:ext cx="5869662" cy="1200329"/>
+          </a:xfrm>
+          <a:prstGeom prst="rect">
+            <a:avLst/>
+          </a:prstGeom>
+          <a:noFill/>
+        </p:spPr>
+        <p:txBody>
+          <a:bodyPr wrap="square" rtlCol="0">
+            <a:spAutoFit/>
+          </a:bodyPr>
+          <a:lstStyle/>
+          <a:p>
+            <a:r>
+              <a:rPr lang="en-US" b="1" u="sng" dirty="0"/>
+              <a:t>Sampling:</a:t>
+            </a:r>
+          </a:p>
+          <a:p>
+            <a:pPr marL="285750" indent="-285750">
+              <a:buFont typeface="Arial" panose="020B0604020202020204" pitchFamily="34" charset="0"/>
+              <a:buChar char="•"/>
+            </a:pPr>
+            <a:r>
+              <a:rPr lang="en-US" dirty="0"/>
+              <a:t>If </a:t>
+            </a:r>
+            <a:r>
+              <a:rPr lang="en-US" b="1" dirty="0"/>
+              <a:t>random</a:t>
+            </a:r>
+            <a:r>
+              <a:rPr lang="en-US" dirty="0"/>
+              <a:t> then </a:t>
+            </a:r>
+            <a:r>
+              <a:rPr lang="en-US" b="1" dirty="0"/>
+              <a:t>generalize</a:t>
+            </a:r>
+            <a:r>
+              <a:rPr lang="en-US" dirty="0"/>
+              <a:t> results to population.</a:t>
+            </a:r>
+          </a:p>
+          <a:p>
+            <a:pPr marL="285750" indent="-285750">
+              <a:buFont typeface="Arial" panose="020B0604020202020204" pitchFamily="34" charset="0"/>
+              <a:buChar char="•"/>
+            </a:pPr>
+            <a:r>
+              <a:rPr lang="en-US" dirty="0"/>
+              <a:t>If </a:t>
+            </a:r>
+            <a:r>
+              <a:rPr lang="en-US" b="1" dirty="0"/>
+              <a:t>not random </a:t>
+            </a:r>
+            <a:r>
+              <a:rPr lang="en-US" dirty="0"/>
+              <a:t>then </a:t>
+            </a:r>
+            <a:r>
+              <a:rPr lang="en-US" b="1" dirty="0"/>
+              <a:t>cannot generalize </a:t>
+            </a:r>
+            <a:r>
+              <a:rPr lang="en-US" dirty="0"/>
+              <a:t>results to population.</a:t>
+            </a:r>
+          </a:p>
+        </p:txBody>
+      </p:sp>
+      <p:pic>
+        <p:nvPicPr>
+          <p:cNvPr id="9" name="Picture 2" descr="Image result for sampling"/>
+          <p:cNvPicPr>
+            <a:picLocks noChangeAspect="1" noChangeArrowheads="1"/>
+          </p:cNvPicPr>
+          <p:nvPr/>
+        </p:nvPicPr>
+        <p:blipFill rotWithShape="1">
+          <a:blip r:embed="rId2">
+            <a:extLst>
+              <a:ext uri="{28A0092B-C50C-407E-A947-70E740481C1C}">
+                <a14:useLocalDpi xmlns:a14="http://schemas.microsoft.com/office/drawing/2010/main" val="0"/>
+              </a:ext>
+            </a:extLst>
+          </a:blip>
+          <a:srcRect l="92336" t="50814" r="4090" b="34342"/>
+          <a:stretch/>
+        </p:blipFill>
+        <p:spPr bwMode="auto">
+          <a:xfrm>
+            <a:off x="6085318" y="4752632"/>
+            <a:ext cx="250257" cy="433138"/>
+          </a:xfrm>
+          <a:prstGeom prst="rect">
+            <a:avLst/>
+          </a:prstGeom>
+          <a:noFill/>
+          <a:extLst>
+            <a:ext uri="{909E8E84-426E-40DD-AFC4-6F175D3DCCD1}">
+              <a14:hiddenFill xmlns:a14="http://schemas.microsoft.com/office/drawing/2010/main">
+                <a:solidFill>
+                  <a:srgbClr val="FFFFFF"/>
+                </a:solidFill>
+              </a14:hiddenFill>
+            </a:ext>
+          </a:extLst>
+        </p:spPr>
+      </p:pic>
+      <p:pic>
+        <p:nvPicPr>
+          <p:cNvPr id="10" name="Picture 2" descr="Image result for sampling"/>
+          <p:cNvPicPr>
+            <a:picLocks noChangeAspect="1" noChangeArrowheads="1"/>
+          </p:cNvPicPr>
+          <p:nvPr/>
+        </p:nvPicPr>
+        <p:blipFill rotWithShape="1">
+          <a:blip r:embed="rId2">
+            <a:extLst>
+              <a:ext uri="{28A0092B-C50C-407E-A947-70E740481C1C}">
+                <a14:useLocalDpi xmlns:a14="http://schemas.microsoft.com/office/drawing/2010/main" val="0"/>
+              </a:ext>
+            </a:extLst>
+          </a:blip>
+          <a:srcRect l="58914" t="50014" r="27077" b="36410"/>
+          <a:stretch/>
+        </p:blipFill>
+        <p:spPr bwMode="auto">
+          <a:xfrm rot="3329795">
+            <a:off x="7943714" y="3849461"/>
+            <a:ext cx="1061713" cy="428711"/>
+          </a:xfrm>
+          <a:prstGeom prst="rect">
+            <a:avLst/>
+          </a:prstGeom>
+          <a:noFill/>
+          <a:extLst>
+            <a:ext uri="{909E8E84-426E-40DD-AFC4-6F175D3DCCD1}">
+              <a14:hiddenFill xmlns:a14="http://schemas.microsoft.com/office/drawing/2010/main">
+                <a:solidFill>
+                  <a:srgbClr val="FFFFFF"/>
+                </a:solidFill>
+              </a14:hiddenFill>
+            </a:ext>
+          </a:extLst>
+        </p:spPr>
+      </p:pic>
+      <p:pic>
+        <p:nvPicPr>
+          <p:cNvPr id="12" name="Picture 2" descr="Image result for sampling"/>
+          <p:cNvPicPr>
+            <a:picLocks noChangeAspect="1" noChangeArrowheads="1"/>
+          </p:cNvPicPr>
+          <p:nvPr/>
+        </p:nvPicPr>
+        <p:blipFill rotWithShape="1">
+          <a:blip r:embed="rId2">
+            <a:extLst>
+              <a:ext uri="{28A0092B-C50C-407E-A947-70E740481C1C}">
+                <a14:useLocalDpi xmlns:a14="http://schemas.microsoft.com/office/drawing/2010/main" val="0"/>
+              </a:ext>
+            </a:extLst>
+          </a:blip>
+          <a:srcRect l="58914" t="50014" r="27077" b="36410"/>
+          <a:stretch/>
+        </p:blipFill>
+        <p:spPr bwMode="auto">
+          <a:xfrm rot="6844304">
+            <a:off x="6215570" y="3990365"/>
+            <a:ext cx="1061713" cy="428711"/>
+          </a:xfrm>
+          <a:prstGeom prst="rect">
+            <a:avLst/>
+          </a:prstGeom>
+          <a:noFill/>
+          <a:extLst>
+            <a:ext uri="{909E8E84-426E-40DD-AFC4-6F175D3DCCD1}">
+              <a14:hiddenFill xmlns:a14="http://schemas.microsoft.com/office/drawing/2010/main">
+                <a:solidFill>
+                  <a:srgbClr val="FFFFFF"/>
+                </a:solidFill>
+              </a14:hiddenFill>
+            </a:ext>
+          </a:extLst>
+        </p:spPr>
+      </p:pic>
+      <p:pic>
+        <p:nvPicPr>
+          <p:cNvPr id="13" name="Picture 2" descr="Image result for sampling"/>
+          <p:cNvPicPr>
+            <a:picLocks noChangeAspect="1" noChangeArrowheads="1"/>
+          </p:cNvPicPr>
+          <p:nvPr/>
+        </p:nvPicPr>
+        <p:blipFill rotWithShape="1">
+          <a:blip r:embed="rId2">
+            <a:extLst>
+              <a:ext uri="{28A0092B-C50C-407E-A947-70E740481C1C}">
+                <a14:useLocalDpi xmlns:a14="http://schemas.microsoft.com/office/drawing/2010/main" val="0"/>
+              </a:ext>
+            </a:extLst>
+          </a:blip>
+          <a:srcRect l="85964" t="61167" r="10737" b="23989"/>
+          <a:stretch/>
+        </p:blipFill>
+        <p:spPr bwMode="auto">
+          <a:xfrm>
+            <a:off x="8991551" y="4697536"/>
+            <a:ext cx="231006" cy="433137"/>
+          </a:xfrm>
+          <a:prstGeom prst="rect">
+            <a:avLst/>
+          </a:prstGeom>
+          <a:noFill/>
+          <a:extLst>
+            <a:ext uri="{909E8E84-426E-40DD-AFC4-6F175D3DCCD1}">
+              <a14:hiddenFill xmlns:a14="http://schemas.microsoft.com/office/drawing/2010/main">
+                <a:solidFill>
+                  <a:srgbClr val="FFFFFF"/>
+                </a:solidFill>
+              </a14:hiddenFill>
+            </a:ext>
+          </a:extLst>
+        </p:spPr>
+      </p:pic>
+      <p:pic>
+        <p:nvPicPr>
+          <p:cNvPr id="14" name="Picture 2" descr="Image result for sampling"/>
+          <p:cNvPicPr>
+            <a:picLocks noChangeAspect="1" noChangeArrowheads="1"/>
+          </p:cNvPicPr>
+          <p:nvPr/>
+        </p:nvPicPr>
+        <p:blipFill rotWithShape="1">
+          <a:blip r:embed="rId2">
+            <a:extLst>
+              <a:ext uri="{28A0092B-C50C-407E-A947-70E740481C1C}">
+                <a14:useLocalDpi xmlns:a14="http://schemas.microsoft.com/office/drawing/2010/main" val="0"/>
+              </a:ext>
+            </a:extLst>
+          </a:blip>
+          <a:srcRect l="78992" t="58952" r="17964" b="26031"/>
+          <a:stretch/>
+        </p:blipFill>
+        <p:spPr bwMode="auto">
+          <a:xfrm>
+            <a:off x="6544003" y="5166214"/>
+            <a:ext cx="213188" cy="438175"/>
+          </a:xfrm>
+          <a:prstGeom prst="rect">
+            <a:avLst/>
+          </a:prstGeom>
+          <a:noFill/>
+          <a:extLst>
+            <a:ext uri="{909E8E84-426E-40DD-AFC4-6F175D3DCCD1}">
+              <a14:hiddenFill xmlns:a14="http://schemas.microsoft.com/office/drawing/2010/main">
+                <a:solidFill>
+                  <a:srgbClr val="FFFFFF"/>
+                </a:solidFill>
+              </a14:hiddenFill>
+            </a:ext>
+          </a:extLst>
+        </p:spPr>
+      </p:pic>
+      <p:pic>
+        <p:nvPicPr>
+          <p:cNvPr id="15" name="Picture 2" descr="Image result for sampling"/>
+          <p:cNvPicPr>
+            <a:picLocks noChangeAspect="1" noChangeArrowheads="1"/>
+          </p:cNvPicPr>
+          <p:nvPr/>
+        </p:nvPicPr>
+        <p:blipFill rotWithShape="1">
+          <a:blip r:embed="rId2">
+            <a:extLst>
+              <a:ext uri="{28A0092B-C50C-407E-A947-70E740481C1C}">
+                <a14:useLocalDpi xmlns:a14="http://schemas.microsoft.com/office/drawing/2010/main" val="0"/>
+              </a:ext>
+            </a:extLst>
+          </a:blip>
+          <a:srcRect l="82654" t="54532" r="14344" b="31268"/>
+          <a:stretch/>
+        </p:blipFill>
+        <p:spPr bwMode="auto">
+          <a:xfrm>
+            <a:off x="8504788" y="5081239"/>
+            <a:ext cx="210200" cy="414317"/>
+          </a:xfrm>
+          <a:prstGeom prst="rect">
+            <a:avLst/>
+          </a:prstGeom>
+          <a:noFill/>
+          <a:extLst>
+            <a:ext uri="{909E8E84-426E-40DD-AFC4-6F175D3DCCD1}">
+              <a14:hiddenFill xmlns:a14="http://schemas.microsoft.com/office/drawing/2010/main">
+                <a:solidFill>
+                  <a:srgbClr val="FFFFFF"/>
+                </a:solidFill>
+              </a14:hiddenFill>
+            </a:ext>
+          </a:extLst>
+        </p:spPr>
+      </p:pic>
+      <p:pic>
+        <p:nvPicPr>
+          <p:cNvPr id="16" name="Picture 2" descr="Image result for sampling"/>
+          <p:cNvPicPr>
+            <a:picLocks noChangeAspect="1" noChangeArrowheads="1"/>
+          </p:cNvPicPr>
+          <p:nvPr/>
+        </p:nvPicPr>
+        <p:blipFill rotWithShape="1">
+          <a:blip r:embed="rId2">
+            <a:extLst>
+              <a:ext uri="{28A0092B-C50C-407E-A947-70E740481C1C}">
+                <a14:useLocalDpi xmlns:a14="http://schemas.microsoft.com/office/drawing/2010/main" val="0"/>
+              </a:ext>
+            </a:extLst>
+          </a:blip>
+          <a:srcRect l="75496" t="51669" r="20930" b="32827"/>
+          <a:stretch/>
+        </p:blipFill>
+        <p:spPr bwMode="auto">
+          <a:xfrm>
+            <a:off x="6096404" y="5250308"/>
+            <a:ext cx="250256" cy="452387"/>
+          </a:xfrm>
+          <a:prstGeom prst="rect">
+            <a:avLst/>
+          </a:prstGeom>
+          <a:noFill/>
+          <a:extLst>
+            <a:ext uri="{909E8E84-426E-40DD-AFC4-6F175D3DCCD1}">
+              <a14:hiddenFill xmlns:a14="http://schemas.microsoft.com/office/drawing/2010/main">
+                <a:solidFill>
+                  <a:srgbClr val="FFFFFF"/>
+                </a:solidFill>
+              </a14:hiddenFill>
+            </a:ext>
+          </a:extLst>
+        </p:spPr>
+      </p:pic>
+      <p:pic>
+        <p:nvPicPr>
+          <p:cNvPr id="17" name="Picture 2" descr="Image result for sampling"/>
+          <p:cNvPicPr>
+            <a:picLocks noChangeAspect="1" noChangeArrowheads="1"/>
+          </p:cNvPicPr>
+          <p:nvPr/>
+        </p:nvPicPr>
+        <p:blipFill rotWithShape="1">
+          <a:blip r:embed="rId2">
+            <a:extLst>
+              <a:ext uri="{28A0092B-C50C-407E-A947-70E740481C1C}">
+                <a14:useLocalDpi xmlns:a14="http://schemas.microsoft.com/office/drawing/2010/main" val="0"/>
+              </a:ext>
+            </a:extLst>
+          </a:blip>
+          <a:srcRect l="86592" t="46212" r="9422" b="39933"/>
+          <a:stretch/>
+        </p:blipFill>
+        <p:spPr bwMode="auto">
+          <a:xfrm>
+            <a:off x="6335575" y="4813778"/>
+            <a:ext cx="279133" cy="404261"/>
+          </a:xfrm>
+          <a:prstGeom prst="rect">
+            <a:avLst/>
+          </a:prstGeom>
+          <a:noFill/>
+          <a:extLst>
+            <a:ext uri="{909E8E84-426E-40DD-AFC4-6F175D3DCCD1}">
+              <a14:hiddenFill xmlns:a14="http://schemas.microsoft.com/office/drawing/2010/main">
+                <a:solidFill>
+                  <a:srgbClr val="FFFFFF"/>
+                </a:solidFill>
+              </a14:hiddenFill>
+            </a:ext>
+          </a:extLst>
+        </p:spPr>
+      </p:pic>
+      <p:pic>
+        <p:nvPicPr>
+          <p:cNvPr id="18" name="Picture 2" descr="Image result for sampling"/>
+          <p:cNvPicPr>
+            <a:picLocks noChangeAspect="1" noChangeArrowheads="1"/>
+          </p:cNvPicPr>
+          <p:nvPr/>
+        </p:nvPicPr>
+        <p:blipFill rotWithShape="1">
+          <a:blip r:embed="rId2">
+            <a:extLst>
+              <a:ext uri="{28A0092B-C50C-407E-A947-70E740481C1C}">
+                <a14:useLocalDpi xmlns:a14="http://schemas.microsoft.com/office/drawing/2010/main" val="0"/>
+              </a:ext>
+            </a:extLst>
+          </a:blip>
+          <a:srcRect l="80845" t="45311" r="16099" b="41486"/>
+          <a:stretch/>
+        </p:blipFill>
+        <p:spPr bwMode="auto">
+          <a:xfrm>
+            <a:off x="8675242" y="4776843"/>
+            <a:ext cx="213986" cy="385237"/>
+          </a:xfrm>
+          <a:prstGeom prst="rect">
+            <a:avLst/>
+          </a:prstGeom>
+          <a:noFill/>
+          <a:extLst>
+            <a:ext uri="{909E8E84-426E-40DD-AFC4-6F175D3DCCD1}">
+              <a14:hiddenFill xmlns:a14="http://schemas.microsoft.com/office/drawing/2010/main">
+                <a:solidFill>
+                  <a:srgbClr val="FFFFFF"/>
+                </a:solidFill>
+              </a14:hiddenFill>
+            </a:ext>
+          </a:extLst>
+        </p:spPr>
+      </p:pic>
+      <p:pic>
+        <p:nvPicPr>
+          <p:cNvPr id="19" name="Picture 2" descr="Image result for sampling"/>
+          <p:cNvPicPr>
+            <a:picLocks noChangeAspect="1" noChangeArrowheads="1"/>
+          </p:cNvPicPr>
+          <p:nvPr/>
+        </p:nvPicPr>
+        <p:blipFill rotWithShape="1">
+          <a:blip r:embed="rId2">
+            <a:extLst>
+              <a:ext uri="{28A0092B-C50C-407E-A947-70E740481C1C}">
+                <a14:useLocalDpi xmlns:a14="http://schemas.microsoft.com/office/drawing/2010/main" val="0"/>
+              </a:ext>
+            </a:extLst>
+          </a:blip>
+          <a:srcRect l="89457" t="59861" r="7932" b="25955"/>
+          <a:stretch/>
+        </p:blipFill>
+        <p:spPr bwMode="auto">
+          <a:xfrm>
+            <a:off x="8974323" y="5074470"/>
+            <a:ext cx="182880" cy="413887"/>
+          </a:xfrm>
+          <a:prstGeom prst="rect">
+            <a:avLst/>
+          </a:prstGeom>
+          <a:noFill/>
+          <a:extLst>
+            <a:ext uri="{909E8E84-426E-40DD-AFC4-6F175D3DCCD1}">
+              <a14:hiddenFill xmlns:a14="http://schemas.microsoft.com/office/drawing/2010/main">
+                <a:solidFill>
+                  <a:srgbClr val="FFFFFF"/>
+                </a:solidFill>
+              </a14:hiddenFill>
+            </a:ext>
+          </a:extLst>
+        </p:spPr>
+      </p:pic>
+      <p:sp>
+        <p:nvSpPr>
+          <p:cNvPr id="8" name="Oval 7"/>
+          <p:cNvSpPr/>
+          <p:nvPr/>
+        </p:nvSpPr>
+        <p:spPr>
+          <a:xfrm>
+            <a:off x="5790795" y="4673737"/>
+            <a:ext cx="1180277" cy="1057342"/>
+          </a:xfrm>
+          <a:prstGeom prst="ellipse">
+            <a:avLst/>
+          </a:prstGeom>
+          <a:noFill/>
+          <a:ln w="28575">
+            <a:solidFill>
+              <a:schemeClr val="accent1"/>
+            </a:solidFill>
+          </a:ln>
+        </p:spPr>
+        <p:style>
+          <a:lnRef idx="2">
+            <a:schemeClr val="accent1">
+              <a:shade val="50000"/>
+            </a:schemeClr>
+          </a:lnRef>
+          <a:fillRef idx="1">
+            <a:schemeClr val="accent1"/>
+          </a:fillRef>
+          <a:effectRef idx="0">
+            <a:schemeClr val="accent1"/>
+          </a:effectRef>
+          <a:fontRef idx="minor">
+            <a:schemeClr val="lt1"/>
+          </a:fontRef>
+        </p:style>
+        <p:txBody>
+          <a:bodyPr rtlCol="0" anchor="ctr"/>
+          <a:lstStyle/>
+          <a:p>
+            <a:pPr algn="ctr"/>
+            <a:endParaRPr lang="en-US">
+              <a:ln>
+                <a:solidFill>
+                  <a:schemeClr val="tx2">
+                    <a:lumMod val="60000"/>
+                    <a:lumOff val="40000"/>
+                  </a:schemeClr>
+                </a:solidFill>
+              </a:ln>
+              <a:noFill/>
+            </a:endParaRPr>
+          </a:p>
+        </p:txBody>
+      </p:sp>
+      <p:sp>
+        <p:nvSpPr>
+          <p:cNvPr id="22" name="Oval 21"/>
+          <p:cNvSpPr/>
+          <p:nvPr/>
+        </p:nvSpPr>
+        <p:spPr>
+          <a:xfrm>
+            <a:off x="8283583" y="4582590"/>
+            <a:ext cx="1180277" cy="1057342"/>
+          </a:xfrm>
+          <a:prstGeom prst="ellipse">
+            <a:avLst/>
+          </a:prstGeom>
+          <a:noFill/>
+          <a:ln w="28575">
+            <a:solidFill>
+              <a:schemeClr val="accent1"/>
+            </a:solidFill>
+          </a:ln>
+        </p:spPr>
+        <p:style>
+          <a:lnRef idx="2">
+            <a:schemeClr val="accent1">
+              <a:shade val="50000"/>
+            </a:schemeClr>
+          </a:lnRef>
+          <a:fillRef idx="1">
+            <a:schemeClr val="accent1"/>
+          </a:fillRef>
+          <a:effectRef idx="0">
+            <a:schemeClr val="accent1"/>
+          </a:effectRef>
+          <a:fontRef idx="minor">
+            <a:schemeClr val="lt1"/>
+          </a:fontRef>
+        </p:style>
+        <p:txBody>
+          <a:bodyPr rtlCol="0" anchor="ctr"/>
+          <a:lstStyle/>
+          <a:p>
+            <a:pPr algn="ctr"/>
+            <a:endParaRPr lang="en-US">
+              <a:ln>
+                <a:solidFill>
+                  <a:schemeClr val="tx2">
+                    <a:lumMod val="60000"/>
+                    <a:lumOff val="40000"/>
+                  </a:schemeClr>
+                </a:solidFill>
+              </a:ln>
+              <a:noFill/>
+            </a:endParaRPr>
+          </a:p>
+        </p:txBody>
+      </p:sp>
+      <p:sp>
+        <p:nvSpPr>
+          <p:cNvPr id="23" name="TextBox 22"/>
+          <p:cNvSpPr txBox="1"/>
+          <p:nvPr/>
+        </p:nvSpPr>
+        <p:spPr>
+          <a:xfrm>
+            <a:off x="5920924" y="5795617"/>
+            <a:ext cx="1459346" cy="369332"/>
+          </a:xfrm>
+          <a:prstGeom prst="rect">
+            <a:avLst/>
+          </a:prstGeom>
+          <a:noFill/>
+        </p:spPr>
+        <p:txBody>
+          <a:bodyPr wrap="square" rtlCol="0">
+            <a:spAutoFit/>
+          </a:bodyPr>
+          <a:lstStyle/>
+          <a:p>
+            <a:r>
+              <a:rPr lang="en-US" dirty="0"/>
+              <a:t>Group 1</a:t>
+            </a:r>
+          </a:p>
+        </p:txBody>
+      </p:sp>
+      <p:sp>
+        <p:nvSpPr>
+          <p:cNvPr id="24" name="TextBox 23"/>
+          <p:cNvSpPr txBox="1"/>
+          <p:nvPr/>
+        </p:nvSpPr>
+        <p:spPr>
+          <a:xfrm>
+            <a:off x="8427530" y="5754878"/>
+            <a:ext cx="1459346" cy="369332"/>
+          </a:xfrm>
+          <a:prstGeom prst="rect">
+            <a:avLst/>
+          </a:prstGeom>
+          <a:noFill/>
+        </p:spPr>
+        <p:txBody>
+          <a:bodyPr wrap="square" rtlCol="0">
+            <a:spAutoFit/>
+          </a:bodyPr>
+          <a:lstStyle/>
+          <a:p>
+            <a:r>
+              <a:rPr lang="en-US" dirty="0"/>
+              <a:t>Group 2</a:t>
+            </a:r>
+          </a:p>
+        </p:txBody>
+      </p:sp>
+      <p:sp>
+        <p:nvSpPr>
+          <p:cNvPr id="21" name="Rectangle 20"/>
+          <p:cNvSpPr/>
+          <p:nvPr/>
+        </p:nvSpPr>
+        <p:spPr>
+          <a:xfrm>
+            <a:off x="1353443" y="4617874"/>
+            <a:ext cx="4689328" cy="1477328"/>
+          </a:xfrm>
+          <a:prstGeom prst="rect">
+            <a:avLst/>
+          </a:prstGeom>
+        </p:spPr>
+        <p:txBody>
+          <a:bodyPr wrap="square">
+            <a:spAutoFit/>
+          </a:bodyPr>
+          <a:lstStyle/>
+          <a:p>
+            <a:r>
+              <a:rPr lang="en-US" b="1" u="sng" dirty="0"/>
+              <a:t>Assignment of Explanatory Variable:</a:t>
+            </a:r>
+          </a:p>
+          <a:p>
+            <a:pPr marL="285750" indent="-285750">
+              <a:buFont typeface="Arial" panose="020B0604020202020204" pitchFamily="34" charset="0"/>
+              <a:buChar char="•"/>
+            </a:pPr>
+            <a:r>
+              <a:rPr lang="en-US" dirty="0"/>
+              <a:t>If </a:t>
+            </a:r>
+            <a:r>
+              <a:rPr lang="en-US" b="1" dirty="0"/>
+              <a:t>random</a:t>
+            </a:r>
+            <a:r>
+              <a:rPr lang="en-US" dirty="0"/>
+              <a:t> then </a:t>
+            </a:r>
+            <a:r>
+              <a:rPr lang="en-US" b="1" dirty="0"/>
+              <a:t>causation</a:t>
+            </a:r>
+            <a:r>
+              <a:rPr lang="en-US" dirty="0"/>
+              <a:t>.</a:t>
+            </a:r>
+          </a:p>
+          <a:p>
+            <a:pPr marL="742950" lvl="1" indent="-285750">
+              <a:buFont typeface="Arial" panose="020B0604020202020204" pitchFamily="34" charset="0"/>
+              <a:buChar char="•"/>
+            </a:pPr>
+            <a:r>
+              <a:rPr lang="en-US" i="1" dirty="0"/>
+              <a:t>Experimental Study</a:t>
+            </a:r>
+            <a:endParaRPr lang="en-US" dirty="0"/>
+          </a:p>
+          <a:p>
+            <a:pPr marL="285750" indent="-285750">
+              <a:buFont typeface="Arial" panose="020B0604020202020204" pitchFamily="34" charset="0"/>
+              <a:buChar char="•"/>
+            </a:pPr>
+            <a:r>
+              <a:rPr lang="en-US" dirty="0"/>
+              <a:t>If </a:t>
+            </a:r>
+            <a:r>
+              <a:rPr lang="en-US" b="1" dirty="0"/>
+              <a:t>not random </a:t>
+            </a:r>
+            <a:r>
+              <a:rPr lang="en-US" dirty="0"/>
+              <a:t>then </a:t>
+            </a:r>
+            <a:r>
+              <a:rPr lang="en-US" b="1" dirty="0"/>
+              <a:t>only association.</a:t>
+            </a:r>
+          </a:p>
+          <a:p>
+            <a:pPr marL="742950" lvl="1" indent="-285750">
+              <a:buFont typeface="Arial" panose="020B0604020202020204" pitchFamily="34" charset="0"/>
+              <a:buChar char="•"/>
+            </a:pPr>
+            <a:r>
+              <a:rPr lang="en-US" i="1" dirty="0"/>
+              <a:t>Observational Study</a:t>
+            </a:r>
+            <a:endParaRPr lang="en-US" dirty="0"/>
+          </a:p>
+        </p:txBody>
+      </p:sp>
+      <p:cxnSp>
+        <p:nvCxnSpPr>
+          <p:cNvPr id="26" name="Straight Connector 25"/>
+          <p:cNvCxnSpPr/>
+          <p:nvPr/>
+        </p:nvCxnSpPr>
+        <p:spPr>
+          <a:xfrm flipV="1">
+            <a:off x="6085318" y="2309030"/>
+            <a:ext cx="0" cy="738785"/>
+          </a:xfrm>
+          <a:prstGeom prst="line">
+            <a:avLst/>
+          </a:prstGeom>
+          <a:ln w="28575">
+            <a:prstDash val="sysDot"/>
+          </a:ln>
+        </p:spPr>
+        <p:style>
+          <a:lnRef idx="1">
+            <a:schemeClr val="dk1"/>
+          </a:lnRef>
+          <a:fillRef idx="0">
+            <a:schemeClr val="dk1"/>
+          </a:fillRef>
+          <a:effectRef idx="0">
+            <a:schemeClr val="dk1"/>
+          </a:effectRef>
+          <a:fontRef idx="minor">
+            <a:schemeClr val="tx1"/>
+          </a:fontRef>
+        </p:style>
+      </p:cxnSp>
+      <p:cxnSp>
+        <p:nvCxnSpPr>
+          <p:cNvPr id="29" name="Straight Connector 28"/>
+          <p:cNvCxnSpPr/>
+          <p:nvPr/>
+        </p:nvCxnSpPr>
+        <p:spPr>
+          <a:xfrm flipV="1">
+            <a:off x="5203245" y="4204720"/>
+            <a:ext cx="1447352" cy="492817"/>
+          </a:xfrm>
+          <a:prstGeom prst="line">
+            <a:avLst/>
+          </a:prstGeom>
+          <a:ln w="28575">
+            <a:prstDash val="sysDot"/>
+          </a:ln>
+        </p:spPr>
+        <p:style>
+          <a:lnRef idx="1">
+            <a:schemeClr val="dk1"/>
+          </a:lnRef>
+          <a:fillRef idx="0">
+            <a:schemeClr val="dk1"/>
+          </a:fillRef>
+          <a:effectRef idx="0">
+            <a:schemeClr val="dk1"/>
+          </a:effectRef>
+          <a:fontRef idx="minor">
+            <a:schemeClr val="tx1"/>
+          </a:fontRef>
+        </p:style>
+      </p:cxnSp>
+    </p:spTree>
+    <p:extLst>
+      <p:ext uri="{BB962C8B-B14F-4D97-AF65-F5344CB8AC3E}">
+        <p14:creationId xmlns:p14="http://schemas.microsoft.com/office/powerpoint/2010/main" val="3190472167"/>
+      </p:ext>
+    </p:extLst>
+  </p:cSld>
+  <p:clrMapOvr>
+    <a:masterClrMapping/>
+  </p:clrMapOvr>
+  <p:timing>
+    <p:tnLst>
+      <p:par>
+        <p:cTn id="1" dur="indefinite" restart="never" nodeType="tmRoot">
+          <p:childTnLst>
+            <p:seq concurrent="1" nextAc="seek">
+              <p:cTn id="2" dur="indefinite" nodeType="mainSeq">
+                <p:childTnLst>
+                  <p:par>
+                    <p:cTn id="3" fill="hold">
+                      <p:stCondLst>
+                        <p:cond delay="indefinite"/>
+                      </p:stCondLst>
+                      <p:childTnLst>
+                        <p:par>
+                          <p:cTn id="4" fill="hold">
+                            <p:stCondLst>
+                              <p:cond delay="0"/>
+                            </p:stCondLst>
+                            <p:childTnLst>
+                              <p:par>
+                                <p:cTn id="5" presetID="1" presetClass="entr" presetSubtype="0" fill="hold" nodeType="clickEffect">
+                                  <p:stCondLst>
+                                    <p:cond delay="0"/>
+                                  </p:stCondLst>
+                                  <p:childTnLst>
+                                    <p:set>
+                                      <p:cBhvr>
+                                        <p:cTn id="6" dur="1" fill="hold">
+                                          <p:stCondLst>
+                                            <p:cond delay="0"/>
+                                          </p:stCondLst>
+                                        </p:cTn>
+                                        <p:tgtEl>
+                                          <p:spTgt spid="4"/>
+                                        </p:tgtEl>
+                                        <p:attrNameLst>
+                                          <p:attrName>style.visibility</p:attrName>
+                                        </p:attrNameLst>
+                                      </p:cBhvr>
+                                      <p:to>
+                                        <p:strVal val="visible"/>
+                                      </p:to>
+                                    </p:set>
+                                  </p:childTnLst>
+                                </p:cTn>
+                              </p:par>
+                              <p:par>
+                                <p:cTn id="7" presetID="1" presetClass="entr" presetSubtype="0" fill="hold" grpId="0" nodeType="withEffect">
+                                  <p:stCondLst>
+                                    <p:cond delay="0"/>
+                                  </p:stCondLst>
+                                  <p:childTnLst>
+                                    <p:set>
+                                      <p:cBhvr>
+                                        <p:cTn id="8" dur="1" fill="hold">
+                                          <p:stCondLst>
+                                            <p:cond delay="0"/>
+                                          </p:stCondLst>
+                                        </p:cTn>
+                                        <p:tgtEl>
+                                          <p:spTgt spid="6"/>
+                                        </p:tgtEl>
+                                        <p:attrNameLst>
+                                          <p:attrName>style.visibility</p:attrName>
+                                        </p:attrNameLst>
+                                      </p:cBhvr>
+                                      <p:to>
+                                        <p:strVal val="visible"/>
+                                      </p:to>
+                                    </p:set>
+                                  </p:childTnLst>
+                                </p:cTn>
+                              </p:par>
+                            </p:childTnLst>
+                          </p:cTn>
+                        </p:par>
+                      </p:childTnLst>
+                    </p:cTn>
+                  </p:par>
+                  <p:par>
+                    <p:cTn id="9" fill="hold">
+                      <p:stCondLst>
+                        <p:cond delay="indefinite"/>
+                      </p:stCondLst>
+                      <p:childTnLst>
+                        <p:par>
+                          <p:cTn id="10" fill="hold">
+                            <p:stCondLst>
+                              <p:cond delay="0"/>
+                            </p:stCondLst>
+                            <p:childTnLst>
+                              <p:par>
+                                <p:cTn id="11" presetID="1" presetClass="entr" presetSubtype="0" fill="hold" nodeType="clickEffect">
+                                  <p:stCondLst>
+                                    <p:cond delay="0"/>
+                                  </p:stCondLst>
+                                  <p:childTnLst>
+                                    <p:set>
+                                      <p:cBhvr>
+                                        <p:cTn id="12" dur="1" fill="hold">
+                                          <p:stCondLst>
+                                            <p:cond delay="0"/>
+                                          </p:stCondLst>
+                                        </p:cTn>
+                                        <p:tgtEl>
+                                          <p:spTgt spid="26"/>
+                                        </p:tgtEl>
+                                        <p:attrNameLst>
+                                          <p:attrName>style.visibility</p:attrName>
+                                        </p:attrNameLst>
+                                      </p:cBhvr>
+                                      <p:to>
+                                        <p:strVal val="visible"/>
+                                      </p:to>
+                                    </p:set>
+                                  </p:childTnLst>
+                                </p:cTn>
+                              </p:par>
+                              <p:par>
+                                <p:cTn id="13" presetID="1" presetClass="entr" presetSubtype="0" fill="hold" grpId="0" nodeType="withEffect">
+                                  <p:stCondLst>
+                                    <p:cond delay="0"/>
+                                  </p:stCondLst>
+                                  <p:childTnLst>
+                                    <p:set>
+                                      <p:cBhvr>
+                                        <p:cTn id="14" dur="1" fill="hold">
+                                          <p:stCondLst>
+                                            <p:cond delay="0"/>
+                                          </p:stCondLst>
+                                        </p:cTn>
+                                        <p:tgtEl>
+                                          <p:spTgt spid="7"/>
+                                        </p:tgtEl>
+                                        <p:attrNameLst>
+                                          <p:attrName>style.visibility</p:attrName>
+                                        </p:attrNameLst>
+                                      </p:cBhvr>
+                                      <p:to>
+                                        <p:strVal val="visible"/>
+                                      </p:to>
+                                    </p:set>
+                                  </p:childTnLst>
+                                </p:cTn>
+                              </p:par>
+                            </p:childTnLst>
+                          </p:cTn>
+                        </p:par>
+                      </p:childTnLst>
+                    </p:cTn>
+                  </p:par>
+                  <p:par>
+                    <p:cTn id="15" fill="hold">
+                      <p:stCondLst>
+                        <p:cond delay="indefinite"/>
+                      </p:stCondLst>
+                      <p:childTnLst>
+                        <p:par>
+                          <p:cTn id="16" fill="hold">
+                            <p:stCondLst>
+                              <p:cond delay="0"/>
+                            </p:stCondLst>
+                            <p:childTnLst>
+                              <p:par>
+                                <p:cTn id="17" presetID="1" presetClass="entr" presetSubtype="0" fill="hold" nodeType="clickEffect">
+                                  <p:stCondLst>
+                                    <p:cond delay="0"/>
+                                  </p:stCondLst>
+                                  <p:childTnLst>
+                                    <p:set>
+                                      <p:cBhvr>
+                                        <p:cTn id="18" dur="1" fill="hold">
+                                          <p:stCondLst>
+                                            <p:cond delay="0"/>
+                                          </p:stCondLst>
+                                        </p:cTn>
+                                        <p:tgtEl>
+                                          <p:spTgt spid="12"/>
+                                        </p:tgtEl>
+                                        <p:attrNameLst>
+                                          <p:attrName>style.visibility</p:attrName>
+                                        </p:attrNameLst>
+                                      </p:cBhvr>
+                                      <p:to>
+                                        <p:strVal val="visible"/>
+                                      </p:to>
+                                    </p:set>
+                                  </p:childTnLst>
+                                </p:cTn>
+                              </p:par>
+                              <p:par>
+                                <p:cTn id="19" presetID="1" presetClass="entr" presetSubtype="0" fill="hold" nodeType="withEffect">
+                                  <p:stCondLst>
+                                    <p:cond delay="0"/>
+                                  </p:stCondLst>
+                                  <p:childTnLst>
+                                    <p:set>
+                                      <p:cBhvr>
+                                        <p:cTn id="20" dur="1" fill="hold">
+                                          <p:stCondLst>
+                                            <p:cond delay="0"/>
+                                          </p:stCondLst>
+                                        </p:cTn>
+                                        <p:tgtEl>
+                                          <p:spTgt spid="17"/>
+                                        </p:tgtEl>
+                                        <p:attrNameLst>
+                                          <p:attrName>style.visibility</p:attrName>
+                                        </p:attrNameLst>
+                                      </p:cBhvr>
+                                      <p:to>
+                                        <p:strVal val="visible"/>
+                                      </p:to>
+                                    </p:set>
+                                  </p:childTnLst>
+                                </p:cTn>
+                              </p:par>
+                              <p:par>
+                                <p:cTn id="21" presetID="1" presetClass="entr" presetSubtype="0" fill="hold" nodeType="withEffect">
+                                  <p:stCondLst>
+                                    <p:cond delay="0"/>
+                                  </p:stCondLst>
+                                  <p:childTnLst>
+                                    <p:set>
+                                      <p:cBhvr>
+                                        <p:cTn id="22" dur="1" fill="hold">
+                                          <p:stCondLst>
+                                            <p:cond delay="0"/>
+                                          </p:stCondLst>
+                                        </p:cTn>
+                                        <p:tgtEl>
+                                          <p:spTgt spid="9"/>
+                                        </p:tgtEl>
+                                        <p:attrNameLst>
+                                          <p:attrName>style.visibility</p:attrName>
+                                        </p:attrNameLst>
+                                      </p:cBhvr>
+                                      <p:to>
+                                        <p:strVal val="visible"/>
+                                      </p:to>
+                                    </p:set>
+                                  </p:childTnLst>
+                                </p:cTn>
+                              </p:par>
+                              <p:par>
+                                <p:cTn id="23" presetID="1" presetClass="entr" presetSubtype="0" fill="hold" nodeType="withEffect">
+                                  <p:stCondLst>
+                                    <p:cond delay="0"/>
+                                  </p:stCondLst>
+                                  <p:childTnLst>
+                                    <p:set>
+                                      <p:cBhvr>
+                                        <p:cTn id="24" dur="1" fill="hold">
+                                          <p:stCondLst>
+                                            <p:cond delay="0"/>
+                                          </p:stCondLst>
+                                        </p:cTn>
+                                        <p:tgtEl>
+                                          <p:spTgt spid="16"/>
+                                        </p:tgtEl>
+                                        <p:attrNameLst>
+                                          <p:attrName>style.visibility</p:attrName>
+                                        </p:attrNameLst>
+                                      </p:cBhvr>
+                                      <p:to>
+                                        <p:strVal val="visible"/>
+                                      </p:to>
+                                    </p:set>
+                                  </p:childTnLst>
+                                </p:cTn>
+                              </p:par>
+                              <p:par>
+                                <p:cTn id="25" presetID="1" presetClass="entr" presetSubtype="0" fill="hold" nodeType="withEffect">
+                                  <p:stCondLst>
+                                    <p:cond delay="0"/>
+                                  </p:stCondLst>
+                                  <p:childTnLst>
+                                    <p:set>
+                                      <p:cBhvr>
+                                        <p:cTn id="26" dur="1" fill="hold">
+                                          <p:stCondLst>
+                                            <p:cond delay="0"/>
+                                          </p:stCondLst>
+                                        </p:cTn>
+                                        <p:tgtEl>
+                                          <p:spTgt spid="14"/>
+                                        </p:tgtEl>
+                                        <p:attrNameLst>
+                                          <p:attrName>style.visibility</p:attrName>
+                                        </p:attrNameLst>
+                                      </p:cBhvr>
+                                      <p:to>
+                                        <p:strVal val="visible"/>
+                                      </p:to>
+                                    </p:set>
+                                  </p:childTnLst>
+                                </p:cTn>
+                              </p:par>
+                              <p:par>
+                                <p:cTn id="27" presetID="1" presetClass="entr" presetSubtype="0" fill="hold" grpId="0" nodeType="withEffect">
+                                  <p:stCondLst>
+                                    <p:cond delay="0"/>
+                                  </p:stCondLst>
+                                  <p:childTnLst>
+                                    <p:set>
+                                      <p:cBhvr>
+                                        <p:cTn id="28" dur="1" fill="hold">
+                                          <p:stCondLst>
+                                            <p:cond delay="0"/>
+                                          </p:stCondLst>
+                                        </p:cTn>
+                                        <p:tgtEl>
+                                          <p:spTgt spid="8"/>
+                                        </p:tgtEl>
+                                        <p:attrNameLst>
+                                          <p:attrName>style.visibility</p:attrName>
+                                        </p:attrNameLst>
+                                      </p:cBhvr>
+                                      <p:to>
+                                        <p:strVal val="visible"/>
+                                      </p:to>
+                                    </p:set>
+                                  </p:childTnLst>
+                                </p:cTn>
+                              </p:par>
+                              <p:par>
+                                <p:cTn id="29" presetID="1" presetClass="entr" presetSubtype="0" fill="hold" nodeType="withEffect">
+                                  <p:stCondLst>
+                                    <p:cond delay="0"/>
+                                  </p:stCondLst>
+                                  <p:childTnLst>
+                                    <p:set>
+                                      <p:cBhvr>
+                                        <p:cTn id="30" dur="1" fill="hold">
+                                          <p:stCondLst>
+                                            <p:cond delay="0"/>
+                                          </p:stCondLst>
+                                        </p:cTn>
+                                        <p:tgtEl>
+                                          <p:spTgt spid="10"/>
+                                        </p:tgtEl>
+                                        <p:attrNameLst>
+                                          <p:attrName>style.visibility</p:attrName>
+                                        </p:attrNameLst>
+                                      </p:cBhvr>
+                                      <p:to>
+                                        <p:strVal val="visible"/>
+                                      </p:to>
+                                    </p:set>
+                                  </p:childTnLst>
+                                </p:cTn>
+                              </p:par>
+                              <p:par>
+                                <p:cTn id="31" presetID="1" presetClass="entr" presetSubtype="0" fill="hold" nodeType="withEffect">
+                                  <p:stCondLst>
+                                    <p:cond delay="0"/>
+                                  </p:stCondLst>
+                                  <p:childTnLst>
+                                    <p:set>
+                                      <p:cBhvr>
+                                        <p:cTn id="32" dur="1" fill="hold">
+                                          <p:stCondLst>
+                                            <p:cond delay="0"/>
+                                          </p:stCondLst>
+                                        </p:cTn>
+                                        <p:tgtEl>
+                                          <p:spTgt spid="13"/>
+                                        </p:tgtEl>
+                                        <p:attrNameLst>
+                                          <p:attrName>style.visibility</p:attrName>
+                                        </p:attrNameLst>
+                                      </p:cBhvr>
+                                      <p:to>
+                                        <p:strVal val="visible"/>
+                                      </p:to>
+                                    </p:set>
+                                  </p:childTnLst>
+                                </p:cTn>
+                              </p:par>
+                              <p:par>
+                                <p:cTn id="33" presetID="1" presetClass="entr" presetSubtype="0" fill="hold" nodeType="withEffect">
+                                  <p:stCondLst>
+                                    <p:cond delay="0"/>
+                                  </p:stCondLst>
+                                  <p:childTnLst>
+                                    <p:set>
+                                      <p:cBhvr>
+                                        <p:cTn id="34" dur="1" fill="hold">
+                                          <p:stCondLst>
+                                            <p:cond delay="0"/>
+                                          </p:stCondLst>
+                                        </p:cTn>
+                                        <p:tgtEl>
+                                          <p:spTgt spid="18"/>
+                                        </p:tgtEl>
+                                        <p:attrNameLst>
+                                          <p:attrName>style.visibility</p:attrName>
+                                        </p:attrNameLst>
+                                      </p:cBhvr>
+                                      <p:to>
+                                        <p:strVal val="visible"/>
+                                      </p:to>
+                                    </p:set>
+                                  </p:childTnLst>
+                                </p:cTn>
+                              </p:par>
+                              <p:par>
+                                <p:cTn id="35" presetID="1" presetClass="entr" presetSubtype="0" fill="hold" nodeType="withEffect">
+                                  <p:stCondLst>
+                                    <p:cond delay="0"/>
+                                  </p:stCondLst>
+                                  <p:childTnLst>
+                                    <p:set>
+                                      <p:cBhvr>
+                                        <p:cTn id="36" dur="1" fill="hold">
+                                          <p:stCondLst>
+                                            <p:cond delay="0"/>
+                                          </p:stCondLst>
+                                        </p:cTn>
+                                        <p:tgtEl>
+                                          <p:spTgt spid="15"/>
+                                        </p:tgtEl>
+                                        <p:attrNameLst>
+                                          <p:attrName>style.visibility</p:attrName>
+                                        </p:attrNameLst>
+                                      </p:cBhvr>
+                                      <p:to>
+                                        <p:strVal val="visible"/>
+                                      </p:to>
+                                    </p:set>
+                                  </p:childTnLst>
+                                </p:cTn>
+                              </p:par>
+                              <p:par>
+                                <p:cTn id="37" presetID="1" presetClass="entr" presetSubtype="0" fill="hold" nodeType="withEffect">
+                                  <p:stCondLst>
+                                    <p:cond delay="0"/>
+                                  </p:stCondLst>
+                                  <p:childTnLst>
+                                    <p:set>
+                                      <p:cBhvr>
+                                        <p:cTn id="38" dur="1" fill="hold">
+                                          <p:stCondLst>
+                                            <p:cond delay="0"/>
+                                          </p:stCondLst>
+                                        </p:cTn>
+                                        <p:tgtEl>
+                                          <p:spTgt spid="19"/>
+                                        </p:tgtEl>
+                                        <p:attrNameLst>
+                                          <p:attrName>style.visibility</p:attrName>
+                                        </p:attrNameLst>
+                                      </p:cBhvr>
+                                      <p:to>
+                                        <p:strVal val="visible"/>
+                                      </p:to>
+                                    </p:set>
+                                  </p:childTnLst>
+                                </p:cTn>
+                              </p:par>
+                              <p:par>
+                                <p:cTn id="39" presetID="1" presetClass="entr" presetSubtype="0" fill="hold" grpId="0" nodeType="withEffect">
+                                  <p:stCondLst>
+                                    <p:cond delay="0"/>
+                                  </p:stCondLst>
+                                  <p:childTnLst>
+                                    <p:set>
+                                      <p:cBhvr>
+                                        <p:cTn id="40" dur="1" fill="hold">
+                                          <p:stCondLst>
+                                            <p:cond delay="0"/>
+                                          </p:stCondLst>
+                                        </p:cTn>
+                                        <p:tgtEl>
+                                          <p:spTgt spid="22"/>
+                                        </p:tgtEl>
+                                        <p:attrNameLst>
+                                          <p:attrName>style.visibility</p:attrName>
+                                        </p:attrNameLst>
+                                      </p:cBhvr>
+                                      <p:to>
+                                        <p:strVal val="visible"/>
+                                      </p:to>
+                                    </p:set>
+                                  </p:childTnLst>
+                                </p:cTn>
+                              </p:par>
+                              <p:par>
+                                <p:cTn id="41" presetID="1" presetClass="entr" presetSubtype="0" fill="hold" grpId="0" nodeType="withEffect">
+                                  <p:stCondLst>
+                                    <p:cond delay="0"/>
+                                  </p:stCondLst>
+                                  <p:childTnLst>
+                                    <p:set>
+                                      <p:cBhvr>
+                                        <p:cTn id="42" dur="1" fill="hold">
+                                          <p:stCondLst>
+                                            <p:cond delay="0"/>
+                                          </p:stCondLst>
+                                        </p:cTn>
+                                        <p:tgtEl>
+                                          <p:spTgt spid="24"/>
+                                        </p:tgtEl>
+                                        <p:attrNameLst>
+                                          <p:attrName>style.visibility</p:attrName>
+                                        </p:attrNameLst>
+                                      </p:cBhvr>
+                                      <p:to>
+                                        <p:strVal val="visible"/>
+                                      </p:to>
+                                    </p:set>
+                                  </p:childTnLst>
+                                </p:cTn>
+                              </p:par>
+                              <p:par>
+                                <p:cTn id="43" presetID="1" presetClass="entr" presetSubtype="0" fill="hold" grpId="0" nodeType="withEffect">
+                                  <p:stCondLst>
+                                    <p:cond delay="0"/>
+                                  </p:stCondLst>
+                                  <p:childTnLst>
+                                    <p:set>
+                                      <p:cBhvr>
+                                        <p:cTn id="44" dur="1" fill="hold">
+                                          <p:stCondLst>
+                                            <p:cond delay="0"/>
+                                          </p:stCondLst>
+                                        </p:cTn>
+                                        <p:tgtEl>
+                                          <p:spTgt spid="23"/>
+                                        </p:tgtEl>
+                                        <p:attrNameLst>
+                                          <p:attrName>style.visibility</p:attrName>
+                                        </p:attrNameLst>
+                                      </p:cBhvr>
+                                      <p:to>
+                                        <p:strVal val="visible"/>
+                                      </p:to>
+                                    </p:set>
+                                  </p:childTnLst>
+                                </p:cTn>
+                              </p:par>
+                            </p:childTnLst>
+                          </p:cTn>
+                        </p:par>
+                      </p:childTnLst>
+                    </p:cTn>
+                  </p:par>
+                  <p:par>
+                    <p:cTn id="45" fill="hold">
+                      <p:stCondLst>
+                        <p:cond delay="indefinite"/>
+                      </p:stCondLst>
+                      <p:childTnLst>
+                        <p:par>
+                          <p:cTn id="46" fill="hold">
+                            <p:stCondLst>
+                              <p:cond delay="0"/>
+                            </p:stCondLst>
+                            <p:childTnLst>
+                              <p:par>
+                                <p:cTn id="47" presetID="1" presetClass="entr" presetSubtype="0" fill="hold" nodeType="clickEffect">
+                                  <p:stCondLst>
+                                    <p:cond delay="0"/>
+                                  </p:stCondLst>
+                                  <p:childTnLst>
+                                    <p:set>
+                                      <p:cBhvr>
+                                        <p:cTn id="48" dur="1" fill="hold">
+                                          <p:stCondLst>
+                                            <p:cond delay="0"/>
+                                          </p:stCondLst>
+                                        </p:cTn>
+                                        <p:tgtEl>
+                                          <p:spTgt spid="29"/>
+                                        </p:tgtEl>
+                                        <p:attrNameLst>
+                                          <p:attrName>style.visibility</p:attrName>
+                                        </p:attrNameLst>
+                                      </p:cBhvr>
+                                      <p:to>
+                                        <p:strVal val="visible"/>
+                                      </p:to>
+                                    </p:set>
+                                  </p:childTnLst>
+                                </p:cTn>
+                              </p:par>
+                              <p:par>
+                                <p:cTn id="49" presetID="1" presetClass="entr" presetSubtype="0" fill="hold" grpId="0" nodeType="withEffect">
+                                  <p:stCondLst>
+                                    <p:cond delay="0"/>
+                                  </p:stCondLst>
+                                  <p:childTnLst>
+                                    <p:set>
+                                      <p:cBhvr>
+                                        <p:cTn id="50" dur="1" fill="hold">
+                                          <p:stCondLst>
+                                            <p:cond delay="0"/>
+                                          </p:stCondLst>
+                                        </p:cTn>
+                                        <p:tgtEl>
+                                          <p:spTgt spid="21"/>
+                                        </p:tgtEl>
+                                        <p:attrNameLst>
+                                          <p:attrName>style.visibility</p:attrName>
+                                        </p:attrNameLst>
+                                      </p:cBhvr>
+                                      <p:to>
+                                        <p:strVal val="visible"/>
+                                      </p:to>
+                                    </p:set>
+                                  </p:childTnLst>
+                                </p:cTn>
+                              </p:par>
+                            </p:childTnLst>
+                          </p:cTn>
+                        </p:par>
+                      </p:childTnLst>
+                    </p:cTn>
+                  </p:par>
+                </p:childTnLst>
+              </p:cTn>
+              <p:prevCondLst>
+                <p:cond evt="onPrev" delay="0">
+                  <p:tgtEl>
+                    <p:sldTgt/>
+                  </p:tgtEl>
+                </p:cond>
+              </p:prevCondLst>
+              <p:nextCondLst>
+                <p:cond evt="onNext" delay="0">
+                  <p:tgtEl>
+                    <p:sldTgt/>
+                  </p:tgtEl>
+                </p:cond>
+              </p:nextCondLst>
+            </p:seq>
+          </p:childTnLst>
+        </p:cTn>
+      </p:par>
+    </p:tnLst>
+    <p:bldLst>
+      <p:bldP spid="6" grpId="0"/>
+      <p:bldP spid="7" grpId="0"/>
+      <p:bldP spid="8" grpId="0" animBg="1"/>
+      <p:bldP spid="22" grpId="0" animBg="1"/>
+      <p:bldP spid="23" grpId="0"/>
+      <p:bldP spid="24" grpId="0"/>
+      <p:bldP spid="21" grpId="0"/>
+    </p:bldLst>
+  </p:timing>
+</p:sld>
+</file>
+
+<file path=ppt/slides/slide34.xml><?xml version="1.0" encoding="utf-8"?>
 <p:sld xmlns:a="http://schemas.openxmlformats.org/drawingml/2006/main" xmlns:r="http://schemas.openxmlformats.org/officeDocument/2006/relationships" xmlns:p="http://schemas.openxmlformats.org/presentationml/2006/main">
   <p:cSld>
     <p:spTree>
@@ -10640,284 +16641,7 @@
 </p:sld>
 </file>
 
-<file path=ppt/slides/slide3.xml><?xml version="1.0" encoding="utf-8"?>
-<p:sld xmlns:a="http://schemas.openxmlformats.org/drawingml/2006/main" xmlns:r="http://schemas.openxmlformats.org/officeDocument/2006/relationships" xmlns:p="http://schemas.openxmlformats.org/presentationml/2006/main">
-  <p:cSld>
-    <p:bg>
-      <p:bgPr>
-        <a:solidFill>
-          <a:schemeClr val="bg1"/>
-        </a:solidFill>
-        <a:effectLst/>
-      </p:bgPr>
-    </p:bg>
-    <p:spTree>
-      <p:nvGrpSpPr>
-        <p:cNvPr id="1" name=""/>
-        <p:cNvGrpSpPr/>
-        <p:nvPr/>
-      </p:nvGrpSpPr>
-      <p:grpSpPr>
-        <a:xfrm>
-          <a:off x="0" y="0"/>
-          <a:ext cx="0" cy="0"/>
-          <a:chOff x="0" y="0"/>
-          <a:chExt cx="0" cy="0"/>
-        </a:xfrm>
-      </p:grpSpPr>
-      <p:sp useBgFill="1">
-        <p:nvSpPr>
-          <p:cNvPr id="8" name="Rectangle 7">
-            <a:extLst>
-              <a:ext uri="{FF2B5EF4-FFF2-40B4-BE49-F238E27FC236}">
-                <a16:creationId xmlns:a16="http://schemas.microsoft.com/office/drawing/2014/main" id="{3558DB37-9FEE-48A2-8578-ED0401573943}"/>
-              </a:ext>
-              <a:ext uri="{C183D7F6-B498-43B3-948B-1728B52AA6E4}">
-                <adec:decorative xmlns:adec="http://schemas.microsoft.com/office/drawing/2017/decorative" val="1"/>
-              </a:ext>
-            </a:extLst>
-          </p:cNvPr>
-          <p:cNvSpPr>
-            <a:spLocks noGrp="1" noRot="1" noChangeAspect="1" noMove="1" noResize="1" noEditPoints="1" noAdjustHandles="1" noChangeArrowheads="1" noChangeShapeType="1" noTextEdit="1"/>
-          </p:cNvSpPr>
-          <p:nvPr>
-            <p:extLst>
-              <p:ext uri="{386F3935-93C4-4BCD-93E2-E3B085C9AB24}">
-                <p16:designElem xmlns:p16="http://schemas.microsoft.com/office/powerpoint/2015/main" val="1"/>
-              </p:ext>
-            </p:extLst>
-          </p:nvPr>
-        </p:nvSpPr>
-        <p:spPr>
-          <a:xfrm>
-            <a:off x="1507" y="0"/>
-            <a:ext cx="12192000" cy="6858000"/>
-          </a:xfrm>
-          <a:prstGeom prst="rect">
-            <a:avLst/>
-          </a:prstGeom>
-          <a:ln>
-            <a:noFill/>
-          </a:ln>
-        </p:spPr>
-        <p:style>
-          <a:lnRef idx="2">
-            <a:schemeClr val="accent1">
-              <a:shade val="50000"/>
-            </a:schemeClr>
-          </a:lnRef>
-          <a:fillRef idx="1">
-            <a:schemeClr val="accent1"/>
-          </a:fillRef>
-          <a:effectRef idx="0">
-            <a:schemeClr val="accent1"/>
-          </a:effectRef>
-          <a:fontRef idx="minor">
-            <a:schemeClr val="lt1"/>
-          </a:fontRef>
-        </p:style>
-        <p:txBody>
-          <a:bodyPr rtlCol="0" anchor="ctr"/>
-          <a:lstStyle/>
-          <a:p>
-            <a:pPr marL="0" marR="0" lvl="0" indent="0" algn="ctr" defTabSz="457200" rtl="0" eaLnBrk="1" fontAlgn="auto" latinLnBrk="0" hangingPunct="1">
-              <a:lnSpc>
-                <a:spcPct val="100000"/>
-              </a:lnSpc>
-              <a:spcBef>
-                <a:spcPts val="0"/>
-              </a:spcBef>
-              <a:spcAft>
-                <a:spcPts val="0"/>
-              </a:spcAft>
-              <a:buClrTx/>
-              <a:buSzTx/>
-              <a:buFontTx/>
-              <a:buNone/>
-              <a:tabLst/>
-              <a:defRPr/>
-            </a:pPr>
-            <a:endParaRPr kumimoji="0" lang="en-US" sz="1800" b="0" i="0" u="none" strike="noStrike" kern="1200" cap="none" spc="0" normalizeH="0" baseline="0" noProof="0">
-              <a:ln>
-                <a:noFill/>
-              </a:ln>
-              <a:solidFill>
-                <a:prstClr val="white"/>
-              </a:solidFill>
-              <a:effectLst/>
-              <a:uLnTx/>
-              <a:uFillTx/>
-              <a:latin typeface="Calibri" panose="020F0502020204030204"/>
-              <a:ea typeface="+mn-ea"/>
-              <a:cs typeface="+mn-cs"/>
-            </a:endParaRPr>
-          </a:p>
-        </p:txBody>
-      </p:sp>
-      <p:sp>
-        <p:nvSpPr>
-          <p:cNvPr id="10" name="Rectangle 9">
-            <a:extLst>
-              <a:ext uri="{FF2B5EF4-FFF2-40B4-BE49-F238E27FC236}">
-                <a16:creationId xmlns:a16="http://schemas.microsoft.com/office/drawing/2014/main" id="{5F7FCCA6-00E2-4F74-A105-0D769872F243}"/>
-              </a:ext>
-              <a:ext uri="{C183D7F6-B498-43B3-948B-1728B52AA6E4}">
-                <adec:decorative xmlns:adec="http://schemas.microsoft.com/office/drawing/2017/decorative" val="1"/>
-              </a:ext>
-            </a:extLst>
-          </p:cNvPr>
-          <p:cNvSpPr>
-            <a:spLocks noGrp="1" noRot="1" noChangeAspect="1" noMove="1" noResize="1" noEditPoints="1" noAdjustHandles="1" noChangeArrowheads="1" noChangeShapeType="1" noTextEdit="1"/>
-          </p:cNvSpPr>
-          <p:nvPr>
-            <p:extLst>
-              <p:ext uri="{386F3935-93C4-4BCD-93E2-E3B085C9AB24}">
-                <p16:designElem xmlns:p16="http://schemas.microsoft.com/office/powerpoint/2015/main" val="1"/>
-              </p:ext>
-            </p:extLst>
-          </p:nvPr>
-        </p:nvSpPr>
-        <p:spPr bwMode="white">
-          <a:xfrm>
-            <a:off x="1507" y="4953000"/>
-            <a:ext cx="12188952" cy="1905000"/>
-          </a:xfrm>
-          <a:prstGeom prst="rect">
-            <a:avLst/>
-          </a:prstGeom>
-          <a:solidFill>
-            <a:schemeClr val="accent2"/>
-          </a:solidFill>
-          <a:ln>
-            <a:noFill/>
-          </a:ln>
-        </p:spPr>
-        <p:style>
-          <a:lnRef idx="2">
-            <a:schemeClr val="accent1">
-              <a:shade val="50000"/>
-            </a:schemeClr>
-          </a:lnRef>
-          <a:fillRef idx="1">
-            <a:schemeClr val="accent1"/>
-          </a:fillRef>
-          <a:effectRef idx="0">
-            <a:schemeClr val="accent1"/>
-          </a:effectRef>
-          <a:fontRef idx="minor">
-            <a:schemeClr val="lt1"/>
-          </a:fontRef>
-        </p:style>
-      </p:sp>
-      <p:sp>
-        <p:nvSpPr>
-          <p:cNvPr id="2" name="Title 1">
-            <a:extLst>
-              <a:ext uri="{FF2B5EF4-FFF2-40B4-BE49-F238E27FC236}">
-                <a16:creationId xmlns:a16="http://schemas.microsoft.com/office/drawing/2014/main" id="{4DC9CBA9-226B-4D33-C9F3-024FF1F3F4D2}"/>
-              </a:ext>
-            </a:extLst>
-          </p:cNvPr>
-          <p:cNvSpPr>
-            <a:spLocks noGrp="1"/>
-          </p:cNvSpPr>
-          <p:nvPr>
-            <p:ph type="title"/>
-          </p:nvPr>
-        </p:nvSpPr>
-        <p:spPr>
-          <a:xfrm>
-            <a:off x="1066800" y="5252936"/>
-            <a:ext cx="10058400" cy="1028715"/>
-          </a:xfrm>
-        </p:spPr>
-        <p:txBody>
-          <a:bodyPr anchor="ctr">
-            <a:normAutofit/>
-          </a:bodyPr>
-          <a:lstStyle/>
-          <a:p>
-            <a:pPr algn="ctr"/>
-            <a:r>
-              <a:rPr lang="en-US" dirty="0">
-                <a:solidFill>
-                  <a:srgbClr val="FFFFFF"/>
-                </a:solidFill>
-              </a:rPr>
-              <a:t>Association vs Causation</a:t>
-            </a:r>
-          </a:p>
-        </p:txBody>
-      </p:sp>
-      <p:sp>
-        <p:nvSpPr>
-          <p:cNvPr id="12" name="Rectangle 11">
-            <a:extLst>
-              <a:ext uri="{FF2B5EF4-FFF2-40B4-BE49-F238E27FC236}">
-                <a16:creationId xmlns:a16="http://schemas.microsoft.com/office/drawing/2014/main" id="{5E1ED12F-9F06-4B37-87B7-F98F52937F86}"/>
-              </a:ext>
-              <a:ext uri="{C183D7F6-B498-43B3-948B-1728B52AA6E4}">
-                <adec:decorative xmlns:adec="http://schemas.microsoft.com/office/drawing/2017/decorative" val="1"/>
-              </a:ext>
-            </a:extLst>
-          </p:cNvPr>
-          <p:cNvSpPr>
-            <a:spLocks noGrp="1" noRot="1" noChangeAspect="1" noMove="1" noResize="1" noEditPoints="1" noAdjustHandles="1" noChangeArrowheads="1" noChangeShapeType="1" noTextEdit="1"/>
-          </p:cNvSpPr>
-          <p:nvPr>
-            <p:extLst>
-              <p:ext uri="{386F3935-93C4-4BCD-93E2-E3B085C9AB24}">
-                <p16:designElem xmlns:p16="http://schemas.microsoft.com/office/powerpoint/2015/main" val="1"/>
-              </p:ext>
-            </p:extLst>
-          </p:nvPr>
-        </p:nvSpPr>
-        <p:spPr>
-          <a:xfrm>
-            <a:off x="1507" y="4906176"/>
-            <a:ext cx="12188952" cy="64008"/>
-          </a:xfrm>
-          <a:prstGeom prst="rect">
-            <a:avLst/>
-          </a:prstGeom>
-          <a:solidFill>
-            <a:schemeClr val="accent1"/>
-          </a:solidFill>
-          <a:ln>
-            <a:noFill/>
-          </a:ln>
-        </p:spPr>
-        <p:style>
-          <a:lnRef idx="2">
-            <a:schemeClr val="accent1">
-              <a:shade val="50000"/>
-            </a:schemeClr>
-          </a:lnRef>
-          <a:fillRef idx="1">
-            <a:schemeClr val="accent1"/>
-          </a:fillRef>
-          <a:effectRef idx="0">
-            <a:schemeClr val="accent1"/>
-          </a:effectRef>
-          <a:fontRef idx="minor">
-            <a:schemeClr val="lt1"/>
-          </a:fontRef>
-        </p:style>
-      </p:sp>
-    </p:spTree>
-    <p:extLst>
-      <p:ext uri="{BB962C8B-B14F-4D97-AF65-F5344CB8AC3E}">
-        <p14:creationId xmlns:p14="http://schemas.microsoft.com/office/powerpoint/2010/main" val="1525164173"/>
-      </p:ext>
-    </p:extLst>
-  </p:cSld>
-  <p:clrMapOvr>
-    <a:masterClrMapping/>
-  </p:clrMapOvr>
-</p:sld>
-</file>
-
-<file path=ppt/slides/slide30.xml><?xml version="1.0" encoding="utf-8"?>
+<file path=ppt/slides/slide35.xml><?xml version="1.0" encoding="utf-8"?>
 <p:sld xmlns:a="http://schemas.openxmlformats.org/drawingml/2006/main" xmlns:r="http://schemas.openxmlformats.org/officeDocument/2006/relationships" xmlns:p="http://schemas.openxmlformats.org/presentationml/2006/main">
   <p:cSld>
     <p:spTree>
@@ -11017,6 +16741,22 @@
             <a:r>
               <a:rPr lang="en-US" dirty="0"/>
               <a:t>Impact of Confounding Variables</a:t>
+            </a:r>
+          </a:p>
+          <a:p>
+            <a:pPr lvl="1">
+              <a:buFont typeface="Arial" panose="020B0604020202020204" pitchFamily="34" charset="0"/>
+              <a:buChar char="•"/>
+            </a:pPr>
+            <a:endParaRPr lang="en-US" dirty="0"/>
+          </a:p>
+          <a:p>
+            <a:pPr marL="0" indent="0">
+              <a:buNone/>
+            </a:pPr>
+            <a:r>
+              <a:rPr lang="en-US" dirty="0"/>
+              <a:t>  Generating a Sample</a:t>
             </a:r>
           </a:p>
           <a:p>
@@ -12283,178 +18023,6 @@
 <file path=ppt/slides/slide8.xml><?xml version="1.0" encoding="utf-8"?>
 <p:sld xmlns:a="http://schemas.openxmlformats.org/drawingml/2006/main" xmlns:r="http://schemas.openxmlformats.org/officeDocument/2006/relationships" xmlns:p="http://schemas.openxmlformats.org/presentationml/2006/main">
   <p:cSld>
-    <p:spTree>
-      <p:nvGrpSpPr>
-        <p:cNvPr id="1" name=""/>
-        <p:cNvGrpSpPr/>
-        <p:nvPr/>
-      </p:nvGrpSpPr>
-      <p:grpSpPr>
-        <a:xfrm>
-          <a:off x="0" y="0"/>
-          <a:ext cx="0" cy="0"/>
-          <a:chOff x="0" y="0"/>
-          <a:chExt cx="0" cy="0"/>
-        </a:xfrm>
-      </p:grpSpPr>
-      <p:sp>
-        <p:nvSpPr>
-          <p:cNvPr id="2" name="Title 1">
-            <a:extLst>
-              <a:ext uri="{FF2B5EF4-FFF2-40B4-BE49-F238E27FC236}">
-                <a16:creationId xmlns:a16="http://schemas.microsoft.com/office/drawing/2014/main" id="{18E01AD8-8C74-2624-06C7-B4D9904A8B36}"/>
-              </a:ext>
-            </a:extLst>
-          </p:cNvPr>
-          <p:cNvSpPr>
-            <a:spLocks noGrp="1"/>
-          </p:cNvSpPr>
-          <p:nvPr>
-            <p:ph type="title"/>
-          </p:nvPr>
-        </p:nvSpPr>
-        <p:spPr/>
-        <p:txBody>
-          <a:bodyPr/>
-          <a:lstStyle/>
-          <a:p>
-            <a:r>
-              <a:rPr lang="en-US" dirty="0"/>
-              <a:t>Concepts</a:t>
-            </a:r>
-          </a:p>
-        </p:txBody>
-      </p:sp>
-      <p:sp>
-        <p:nvSpPr>
-          <p:cNvPr id="3" name="Content Placeholder 2">
-            <a:extLst>
-              <a:ext uri="{FF2B5EF4-FFF2-40B4-BE49-F238E27FC236}">
-                <a16:creationId xmlns:a16="http://schemas.microsoft.com/office/drawing/2014/main" id="{0817E9AB-852C-F486-5ADC-B4F0BDB1DDFF}"/>
-              </a:ext>
-            </a:extLst>
-          </p:cNvPr>
-          <p:cNvSpPr>
-            <a:spLocks noGrp="1"/>
-          </p:cNvSpPr>
-          <p:nvPr>
-            <p:ph idx="1"/>
-          </p:nvPr>
-        </p:nvSpPr>
-        <p:spPr/>
-        <p:txBody>
-          <a:bodyPr/>
-          <a:lstStyle/>
-          <a:p>
-            <a:r>
-              <a:rPr lang="en-US" b="1" dirty="0"/>
-              <a:t>Association</a:t>
-            </a:r>
-            <a:r>
-              <a:rPr lang="en-US" dirty="0"/>
-              <a:t>: if one variable gives you valuable information about the other</a:t>
-            </a:r>
-          </a:p>
-          <a:p>
-            <a:pPr lvl="1"/>
-            <a:r>
-              <a:rPr lang="en-US" dirty="0"/>
-              <a:t>Hours of studying before exam perhaps gives information about the score you will achieve</a:t>
-            </a:r>
-          </a:p>
-          <a:p>
-            <a:pPr lvl="1"/>
-            <a:r>
-              <a:rPr lang="en-US" dirty="0"/>
-              <a:t>How many apples you ate perhaps gives information about how many times you will go to the doctor</a:t>
-            </a:r>
-            <a:endParaRPr lang="en-US" b="1" dirty="0"/>
-          </a:p>
-          <a:p>
-            <a:r>
-              <a:rPr lang="en-US" b="1" dirty="0"/>
-              <a:t>Cause and Effect</a:t>
-            </a:r>
-            <a:r>
-              <a:rPr lang="en-US" dirty="0"/>
-              <a:t>:</a:t>
-            </a:r>
-          </a:p>
-          <a:p>
-            <a:pPr lvl="1"/>
-            <a:r>
-              <a:rPr lang="en-US" dirty="0"/>
-              <a:t>Can we conclude cause and effect from our study? Is our explanatory </a:t>
-            </a:r>
-            <a:r>
-              <a:rPr lang="en-US" i="1" dirty="0"/>
-              <a:t>causing</a:t>
-            </a:r>
-            <a:r>
-              <a:rPr lang="en-US" dirty="0"/>
-              <a:t> the change in the response?</a:t>
-            </a:r>
-          </a:p>
-          <a:p>
-            <a:r>
-              <a:rPr lang="en-US" b="1" dirty="0"/>
-              <a:t>Confounding variable</a:t>
-            </a:r>
-            <a:r>
-              <a:rPr lang="en-US" dirty="0"/>
-              <a:t>: A variable related to both the explanatory and response variable in such a way that its effects cannot be separated from the effects of the explanatory</a:t>
-            </a:r>
-          </a:p>
-          <a:p>
-            <a:pPr lvl="1"/>
-            <a:r>
-              <a:rPr lang="en-US" dirty="0"/>
-              <a:t>Causes Bias</a:t>
-            </a:r>
-          </a:p>
-          <a:p>
-            <a:endParaRPr lang="en-US" dirty="0"/>
-          </a:p>
-          <a:p>
-            <a:r>
-              <a:rPr lang="en-US" b="1" dirty="0"/>
-              <a:t>Association </a:t>
-            </a:r>
-            <a:r>
-              <a:rPr lang="en-US" b="1" u="sng" dirty="0"/>
-              <a:t>does not</a:t>
-            </a:r>
-            <a:r>
-              <a:rPr lang="en-US" b="1" dirty="0"/>
-              <a:t> justify causation </a:t>
-            </a:r>
-            <a:r>
-              <a:rPr lang="en-US" dirty="0"/>
-              <a:t>(because of possible confounding variables)</a:t>
-            </a:r>
-            <a:endParaRPr lang="en-US" b="1" dirty="0"/>
-          </a:p>
-          <a:p>
-            <a:endParaRPr lang="en-US" dirty="0"/>
-          </a:p>
-        </p:txBody>
-      </p:sp>
-    </p:spTree>
-    <p:extLst>
-      <p:ext uri="{BB962C8B-B14F-4D97-AF65-F5344CB8AC3E}">
-        <p14:creationId xmlns:p14="http://schemas.microsoft.com/office/powerpoint/2010/main" val="378857412"/>
-      </p:ext>
-    </p:extLst>
-  </p:cSld>
-  <p:clrMapOvr>
-    <a:masterClrMapping/>
-  </p:clrMapOvr>
-</p:sld>
-</file>
-
-<file path=ppt/slides/slide9.xml><?xml version="1.0" encoding="utf-8"?>
-<p:sld xmlns:a="http://schemas.openxmlformats.org/drawingml/2006/main" xmlns:r="http://schemas.openxmlformats.org/officeDocument/2006/relationships" xmlns:p="http://schemas.openxmlformats.org/presentationml/2006/main">
-  <p:cSld>
     <p:bg>
       <p:bgPr>
         <a:solidFill>
@@ -12755,6 +18323,178 @@
     <p:extLst>
       <p:ext uri="{BB962C8B-B14F-4D97-AF65-F5344CB8AC3E}">
         <p14:creationId xmlns:p14="http://schemas.microsoft.com/office/powerpoint/2010/main" val="2917363942"/>
+      </p:ext>
+    </p:extLst>
+  </p:cSld>
+  <p:clrMapOvr>
+    <a:masterClrMapping/>
+  </p:clrMapOvr>
+</p:sld>
+</file>
+
+<file path=ppt/slides/slide9.xml><?xml version="1.0" encoding="utf-8"?>
+<p:sld xmlns:a="http://schemas.openxmlformats.org/drawingml/2006/main" xmlns:r="http://schemas.openxmlformats.org/officeDocument/2006/relationships" xmlns:p="http://schemas.openxmlformats.org/presentationml/2006/main">
+  <p:cSld>
+    <p:spTree>
+      <p:nvGrpSpPr>
+        <p:cNvPr id="1" name=""/>
+        <p:cNvGrpSpPr/>
+        <p:nvPr/>
+      </p:nvGrpSpPr>
+      <p:grpSpPr>
+        <a:xfrm>
+          <a:off x="0" y="0"/>
+          <a:ext cx="0" cy="0"/>
+          <a:chOff x="0" y="0"/>
+          <a:chExt cx="0" cy="0"/>
+        </a:xfrm>
+      </p:grpSpPr>
+      <p:sp>
+        <p:nvSpPr>
+          <p:cNvPr id="2" name="Title 1">
+            <a:extLst>
+              <a:ext uri="{FF2B5EF4-FFF2-40B4-BE49-F238E27FC236}">
+                <a16:creationId xmlns:a16="http://schemas.microsoft.com/office/drawing/2014/main" id="{18E01AD8-8C74-2624-06C7-B4D9904A8B36}"/>
+              </a:ext>
+            </a:extLst>
+          </p:cNvPr>
+          <p:cNvSpPr>
+            <a:spLocks noGrp="1"/>
+          </p:cNvSpPr>
+          <p:nvPr>
+            <p:ph type="title"/>
+          </p:nvPr>
+        </p:nvSpPr>
+        <p:spPr/>
+        <p:txBody>
+          <a:bodyPr/>
+          <a:lstStyle/>
+          <a:p>
+            <a:r>
+              <a:rPr lang="en-US" dirty="0"/>
+              <a:t>Concepts</a:t>
+            </a:r>
+          </a:p>
+        </p:txBody>
+      </p:sp>
+      <p:sp>
+        <p:nvSpPr>
+          <p:cNvPr id="3" name="Content Placeholder 2">
+            <a:extLst>
+              <a:ext uri="{FF2B5EF4-FFF2-40B4-BE49-F238E27FC236}">
+                <a16:creationId xmlns:a16="http://schemas.microsoft.com/office/drawing/2014/main" id="{0817E9AB-852C-F486-5ADC-B4F0BDB1DDFF}"/>
+              </a:ext>
+            </a:extLst>
+          </p:cNvPr>
+          <p:cNvSpPr>
+            <a:spLocks noGrp="1"/>
+          </p:cNvSpPr>
+          <p:nvPr>
+            <p:ph idx="1"/>
+          </p:nvPr>
+        </p:nvSpPr>
+        <p:spPr/>
+        <p:txBody>
+          <a:bodyPr/>
+          <a:lstStyle/>
+          <a:p>
+            <a:r>
+              <a:rPr lang="en-US" b="1" dirty="0"/>
+              <a:t>Association</a:t>
+            </a:r>
+            <a:r>
+              <a:rPr lang="en-US" dirty="0"/>
+              <a:t>: if one variable gives you valuable information about the other</a:t>
+            </a:r>
+          </a:p>
+          <a:p>
+            <a:pPr lvl="1"/>
+            <a:r>
+              <a:rPr lang="en-US" dirty="0"/>
+              <a:t>Hours of studying before exam perhaps gives information about the score you will achieve</a:t>
+            </a:r>
+          </a:p>
+          <a:p>
+            <a:pPr lvl="1"/>
+            <a:r>
+              <a:rPr lang="en-US" dirty="0"/>
+              <a:t>How many apples you ate perhaps gives information about how many times you will go to the doctor</a:t>
+            </a:r>
+            <a:endParaRPr lang="en-US" b="1" dirty="0"/>
+          </a:p>
+          <a:p>
+            <a:r>
+              <a:rPr lang="en-US" b="1" dirty="0"/>
+              <a:t>Cause and Effect</a:t>
+            </a:r>
+            <a:r>
+              <a:rPr lang="en-US" dirty="0"/>
+              <a:t>:</a:t>
+            </a:r>
+          </a:p>
+          <a:p>
+            <a:pPr lvl="1"/>
+            <a:r>
+              <a:rPr lang="en-US" dirty="0"/>
+              <a:t>Can we conclude cause and effect from our study? Is our explanatory </a:t>
+            </a:r>
+            <a:r>
+              <a:rPr lang="en-US" i="1" dirty="0"/>
+              <a:t>causing</a:t>
+            </a:r>
+            <a:r>
+              <a:rPr lang="en-US" dirty="0"/>
+              <a:t> the change in the response?</a:t>
+            </a:r>
+          </a:p>
+          <a:p>
+            <a:r>
+              <a:rPr lang="en-US" b="1" dirty="0"/>
+              <a:t>Confounding variable</a:t>
+            </a:r>
+            <a:r>
+              <a:rPr lang="en-US" dirty="0"/>
+              <a:t>: A variable related to both the explanatory and response variable in such a way that its effects cannot be separated from the effects of the explanatory</a:t>
+            </a:r>
+          </a:p>
+          <a:p>
+            <a:pPr lvl="1"/>
+            <a:r>
+              <a:rPr lang="en-US" dirty="0"/>
+              <a:t>Causes Bias</a:t>
+            </a:r>
+          </a:p>
+          <a:p>
+            <a:endParaRPr lang="en-US" dirty="0"/>
+          </a:p>
+          <a:p>
+            <a:r>
+              <a:rPr lang="en-US" b="1" dirty="0"/>
+              <a:t>Association </a:t>
+            </a:r>
+            <a:r>
+              <a:rPr lang="en-US" b="1" u="sng" dirty="0"/>
+              <a:t>does not</a:t>
+            </a:r>
+            <a:r>
+              <a:rPr lang="en-US" b="1" dirty="0"/>
+              <a:t> justify causation </a:t>
+            </a:r>
+            <a:r>
+              <a:rPr lang="en-US" dirty="0"/>
+              <a:t>(because of possible confounding variables)</a:t>
+            </a:r>
+            <a:endParaRPr lang="en-US" b="1" dirty="0"/>
+          </a:p>
+          <a:p>
+            <a:endParaRPr lang="en-US" dirty="0"/>
+          </a:p>
+        </p:txBody>
+      </p:sp>
+    </p:spTree>
+    <p:extLst>
+      <p:ext uri="{BB962C8B-B14F-4D97-AF65-F5344CB8AC3E}">
+        <p14:creationId xmlns:p14="http://schemas.microsoft.com/office/powerpoint/2010/main" val="378857412"/>
       </p:ext>
     </p:extLst>
   </p:cSld>
